--- a/Demo and Presentation/Presentations/Parser_Datum.pptx
+++ b/Demo and Presentation/Presentations/Parser_Datum.pptx
@@ -1,39 +1,39 @@
 
 <file path=ppt/presentation.xml><?xml version="1.0" encoding="utf-8"?>
-<p:presentation xmlns:a="http://schemas.openxmlformats.org/drawingml/2006/main" xmlns:r="http://schemas.openxmlformats.org/officeDocument/2006/relationships" xmlns:mc="http://schemas.openxmlformats.org/markup-compatibility/2006" xmlns:mv="urn:schemas-microsoft-com:mac:vml" xmlns:p="http://schemas.openxmlformats.org/presentationml/2006/main" xmlns:c="http://schemas.openxmlformats.org/drawingml/2006/chart" xmlns:dgm="http://schemas.openxmlformats.org/drawingml/2006/diagram" xmlns:o="urn:schemas-microsoft-com:office:office" xmlns:v="urn:schemas-microsoft-com:vml" xmlns:pvml="urn:schemas-microsoft-com:office:powerpoint" xmlns:com="http://schemas.openxmlformats.org/drawingml/2006/compatibility" xmlns:p14="http://schemas.microsoft.com/office/powerpoint/2010/main" xmlns:p15="http://schemas.microsoft.com/office/powerpoint/2012/main" xmlns:ahyp="http://schemas.microsoft.com/office/drawing/2018/hyperlinkcolor" autoCompressPictures="0" embedTrueTypeFonts="1" strictFirstAndLastChars="0" saveSubsetFonts="1">
+<p:presentation xmlns:a="http://schemas.openxmlformats.org/drawingml/2006/main" xmlns:r="http://schemas.openxmlformats.org/officeDocument/2006/relationships" xmlns:p="http://schemas.openxmlformats.org/presentationml/2006/main" strictFirstAndLastChars="0" embedTrueTypeFonts="1" saveSubsetFonts="1" autoCompressPictures="0">
   <p:sldMasterIdLst>
-    <p:sldMasterId id="2147483658" r:id="rId4"/>
+    <p:sldMasterId id="2147483658" r:id="rId1"/>
   </p:sldMasterIdLst>
   <p:notesMasterIdLst>
-    <p:notesMasterId r:id="rId5"/>
+    <p:notesMasterId r:id="rId7"/>
   </p:notesMasterIdLst>
   <p:sldIdLst>
-    <p:sldId id="256" r:id="rId6"/>
-    <p:sldId id="257" r:id="rId7"/>
-    <p:sldId id="258" r:id="rId8"/>
-    <p:sldId id="259" r:id="rId9"/>
-    <p:sldId id="260" r:id="rId10"/>
+    <p:sldId id="256" r:id="rId2"/>
+    <p:sldId id="257" r:id="rId3"/>
+    <p:sldId id="258" r:id="rId4"/>
+    <p:sldId id="259" r:id="rId5"/>
+    <p:sldId id="260" r:id="rId6"/>
   </p:sldIdLst>
-  <p:sldSz cy="5143500" cx="9144000"/>
+  <p:sldSz cx="9144000" cy="5143500" type="screen16x9"/>
   <p:notesSz cx="6858000" cy="9144000"/>
   <p:embeddedFontLst>
     <p:embeddedFont>
-      <p:font typeface="Roboto Mono"/>
-      <p:regular r:id="rId11"/>
-      <p:bold r:id="rId12"/>
-      <p:italic r:id="rId13"/>
-      <p:boldItalic r:id="rId14"/>
+      <p:font typeface="Century Gothic" panose="020B0502020202020204" pitchFamily="34" charset="0"/>
+      <p:regular r:id="rId8"/>
+      <p:bold r:id="rId9"/>
+      <p:italic r:id="rId10"/>
+      <p:boldItalic r:id="rId11"/>
     </p:embeddedFont>
     <p:embeddedFont>
-      <p:font typeface="Century Gothic"/>
-      <p:regular r:id="rId15"/>
-      <p:bold r:id="rId16"/>
-      <p:italic r:id="rId17"/>
-      <p:boldItalic r:id="rId18"/>
+      <p:font typeface="Roboto Mono" panose="00000009000000000000" pitchFamily="49" charset="0"/>
+      <p:regular r:id="rId12"/>
+      <p:bold r:id="rId13"/>
+      <p:italic r:id="rId14"/>
+      <p:boldItalic r:id="rId15"/>
     </p:embeddedFont>
   </p:embeddedFontLst>
   <p:defaultTextStyle>
-    <a:defPPr lvl="0" marR="0" rtl="0" algn="l">
+    <a:defPPr marR="0" lvl="0" algn="l" rtl="0">
       <a:lnSpc>
         <a:spcPct val="100000"/>
       </a:lnSpc>
@@ -44,7 +44,7 @@
         <a:spcPts val="0"/>
       </a:spcAft>
     </a:defPPr>
-    <a:lvl1pPr lvl="0" marR="0" rtl="0" algn="l">
+    <a:lvl1pPr marR="0" lvl="0" algn="l" rtl="0">
       <a:lnSpc>
         <a:spcPct val="100000"/>
       </a:lnSpc>
@@ -58,7 +58,7 @@
         <a:srgbClr val="000000"/>
       </a:buClr>
       <a:buFont typeface="Arial"/>
-      <a:defRPr b="0" i="0" sz="1400" u="none" cap="none" strike="noStrike">
+      <a:defRPr sz="1400" b="0" i="0" u="none" strike="noStrike" cap="none">
         <a:solidFill>
           <a:srgbClr val="000000"/>
         </a:solidFill>
@@ -68,7 +68,7 @@
         <a:sym typeface="Arial"/>
       </a:defRPr>
     </a:lvl1pPr>
-    <a:lvl2pPr lvl="1" marR="0" rtl="0" algn="l">
+    <a:lvl2pPr marR="0" lvl="1" algn="l" rtl="0">
       <a:lnSpc>
         <a:spcPct val="100000"/>
       </a:lnSpc>
@@ -82,7 +82,7 @@
         <a:srgbClr val="000000"/>
       </a:buClr>
       <a:buFont typeface="Arial"/>
-      <a:defRPr b="0" i="0" sz="1400" u="none" cap="none" strike="noStrike">
+      <a:defRPr sz="1400" b="0" i="0" u="none" strike="noStrike" cap="none">
         <a:solidFill>
           <a:srgbClr val="000000"/>
         </a:solidFill>
@@ -92,7 +92,7 @@
         <a:sym typeface="Arial"/>
       </a:defRPr>
     </a:lvl2pPr>
-    <a:lvl3pPr lvl="2" marR="0" rtl="0" algn="l">
+    <a:lvl3pPr marR="0" lvl="2" algn="l" rtl="0">
       <a:lnSpc>
         <a:spcPct val="100000"/>
       </a:lnSpc>
@@ -106,7 +106,7 @@
         <a:srgbClr val="000000"/>
       </a:buClr>
       <a:buFont typeface="Arial"/>
-      <a:defRPr b="0" i="0" sz="1400" u="none" cap="none" strike="noStrike">
+      <a:defRPr sz="1400" b="0" i="0" u="none" strike="noStrike" cap="none">
         <a:solidFill>
           <a:srgbClr val="000000"/>
         </a:solidFill>
@@ -116,7 +116,7 @@
         <a:sym typeface="Arial"/>
       </a:defRPr>
     </a:lvl3pPr>
-    <a:lvl4pPr lvl="3" marR="0" rtl="0" algn="l">
+    <a:lvl4pPr marR="0" lvl="3" algn="l" rtl="0">
       <a:lnSpc>
         <a:spcPct val="100000"/>
       </a:lnSpc>
@@ -130,7 +130,7 @@
         <a:srgbClr val="000000"/>
       </a:buClr>
       <a:buFont typeface="Arial"/>
-      <a:defRPr b="0" i="0" sz="1400" u="none" cap="none" strike="noStrike">
+      <a:defRPr sz="1400" b="0" i="0" u="none" strike="noStrike" cap="none">
         <a:solidFill>
           <a:srgbClr val="000000"/>
         </a:solidFill>
@@ -140,7 +140,7 @@
         <a:sym typeface="Arial"/>
       </a:defRPr>
     </a:lvl4pPr>
-    <a:lvl5pPr lvl="4" marR="0" rtl="0" algn="l">
+    <a:lvl5pPr marR="0" lvl="4" algn="l" rtl="0">
       <a:lnSpc>
         <a:spcPct val="100000"/>
       </a:lnSpc>
@@ -154,7 +154,7 @@
         <a:srgbClr val="000000"/>
       </a:buClr>
       <a:buFont typeface="Arial"/>
-      <a:defRPr b="0" i="0" sz="1400" u="none" cap="none" strike="noStrike">
+      <a:defRPr sz="1400" b="0" i="0" u="none" strike="noStrike" cap="none">
         <a:solidFill>
           <a:srgbClr val="000000"/>
         </a:solidFill>
@@ -164,7 +164,7 @@
         <a:sym typeface="Arial"/>
       </a:defRPr>
     </a:lvl5pPr>
-    <a:lvl6pPr lvl="5" marR="0" rtl="0" algn="l">
+    <a:lvl6pPr marR="0" lvl="5" algn="l" rtl="0">
       <a:lnSpc>
         <a:spcPct val="100000"/>
       </a:lnSpc>
@@ -178,7 +178,7 @@
         <a:srgbClr val="000000"/>
       </a:buClr>
       <a:buFont typeface="Arial"/>
-      <a:defRPr b="0" i="0" sz="1400" u="none" cap="none" strike="noStrike">
+      <a:defRPr sz="1400" b="0" i="0" u="none" strike="noStrike" cap="none">
         <a:solidFill>
           <a:srgbClr val="000000"/>
         </a:solidFill>
@@ -188,7 +188,7 @@
         <a:sym typeface="Arial"/>
       </a:defRPr>
     </a:lvl6pPr>
-    <a:lvl7pPr lvl="6" marR="0" rtl="0" algn="l">
+    <a:lvl7pPr marR="0" lvl="6" algn="l" rtl="0">
       <a:lnSpc>
         <a:spcPct val="100000"/>
       </a:lnSpc>
@@ -202,7 +202,7 @@
         <a:srgbClr val="000000"/>
       </a:buClr>
       <a:buFont typeface="Arial"/>
-      <a:defRPr b="0" i="0" sz="1400" u="none" cap="none" strike="noStrike">
+      <a:defRPr sz="1400" b="0" i="0" u="none" strike="noStrike" cap="none">
         <a:solidFill>
           <a:srgbClr val="000000"/>
         </a:solidFill>
@@ -212,7 +212,7 @@
         <a:sym typeface="Arial"/>
       </a:defRPr>
     </a:lvl7pPr>
-    <a:lvl8pPr lvl="7" marR="0" rtl="0" algn="l">
+    <a:lvl8pPr marR="0" lvl="7" algn="l" rtl="0">
       <a:lnSpc>
         <a:spcPct val="100000"/>
       </a:lnSpc>
@@ -226,7 +226,7 @@
         <a:srgbClr val="000000"/>
       </a:buClr>
       <a:buFont typeface="Arial"/>
-      <a:defRPr b="0" i="0" sz="1400" u="none" cap="none" strike="noStrike">
+      <a:defRPr sz="1400" b="0" i="0" u="none" strike="noStrike" cap="none">
         <a:solidFill>
           <a:srgbClr val="000000"/>
         </a:solidFill>
@@ -236,7 +236,7 @@
         <a:sym typeface="Arial"/>
       </a:defRPr>
     </a:lvl8pPr>
-    <a:lvl9pPr lvl="8" marR="0" rtl="0" algn="l">
+    <a:lvl9pPr marR="0" lvl="8" algn="l" rtl="0">
       <a:lnSpc>
         <a:spcPct val="100000"/>
       </a:lnSpc>
@@ -250,7 +250,7 @@
         <a:srgbClr val="000000"/>
       </a:buClr>
       <a:buFont typeface="Arial"/>
-      <a:defRPr b="0" i="0" sz="1400" u="none" cap="none" strike="noStrike">
+      <a:defRPr sz="1400" b="0" i="0" u="none" strike="noStrike" cap="none">
         <a:solidFill>
           <a:srgbClr val="000000"/>
         </a:solidFill>
@@ -263,7 +263,7 @@
   </p:defaultTextStyle>
   <p:extLst>
     <p:ext uri="{EFAFB233-063F-42B5-8137-9DF3F51BA10A}">
-      <p15:sldGuideLst>
+      <p15:sldGuideLst xmlns:p15="http://schemas.microsoft.com/office/powerpoint/2012/main">
         <p15:guide id="1" orient="horz" pos="1620">
           <p15:clr>
             <a:srgbClr val="747775"/>
@@ -280,12 +280,138 @@
 </p:presentation>
 </file>
 
+<file path=ppt/revisionInfo.xml><?xml version="1.0" encoding="utf-8"?>
+<p1510:revInfo xmlns:a="http://schemas.openxmlformats.org/drawingml/2006/main" xmlns:r="http://schemas.openxmlformats.org/officeDocument/2006/relationships" xmlns:p1510="http://schemas.microsoft.com/office/powerpoint/2015/10/main">
+  <p1510:revLst>
+    <p1510:client id="{5E2A4C35-E374-423F-B55B-B486715615EE}" v="4" dt="2024-09-28T14:02:32.605"/>
+  </p1510:revLst>
+</p1510:revInfo>
+</file>
+
+<file path=ppt/changesInfos/changesInfo1.xml><?xml version="1.0" encoding="utf-8"?>
+<pc:chgInfo xmlns:a="http://schemas.openxmlformats.org/drawingml/2006/main" xmlns:r="http://schemas.openxmlformats.org/officeDocument/2006/relationships" xmlns:ac="http://schemas.microsoft.com/office/drawing/2013/main/command" xmlns:pc="http://schemas.microsoft.com/office/powerpoint/2013/main/command">
+  <pc:docChgLst>
+    <pc:chgData name="Ananth K S" userId="560bdf7c4e997a0f" providerId="LiveId" clId="{5E2A4C35-E374-423F-B55B-B486715615EE}"/>
+    <pc:docChg chg="custSel modSld">
+      <pc:chgData name="Ananth K S" userId="560bdf7c4e997a0f" providerId="LiveId" clId="{5E2A4C35-E374-423F-B55B-B486715615EE}" dt="2024-09-28T14:04:31.242" v="35" actId="14100"/>
+      <pc:docMkLst>
+        <pc:docMk/>
+      </pc:docMkLst>
+      <pc:sldChg chg="modSp mod">
+        <pc:chgData name="Ananth K S" userId="560bdf7c4e997a0f" providerId="LiveId" clId="{5E2A4C35-E374-423F-B55B-B486715615EE}" dt="2024-09-28T13:58:02.885" v="3" actId="14100"/>
+        <pc:sldMkLst>
+          <pc:docMk/>
+          <pc:sldMk cId="0" sldId="256"/>
+        </pc:sldMkLst>
+        <pc:spChg chg="mod">
+          <ac:chgData name="Ananth K S" userId="560bdf7c4e997a0f" providerId="LiveId" clId="{5E2A4C35-E374-423F-B55B-B486715615EE}" dt="2024-09-28T13:57:47.167" v="0" actId="255"/>
+          <ac:spMkLst>
+            <pc:docMk/>
+            <pc:sldMk cId="0" sldId="256"/>
+            <ac:spMk id="85" creationId="{00000000-0000-0000-0000-000000000000}"/>
+          </ac:spMkLst>
+        </pc:spChg>
+        <pc:spChg chg="mod">
+          <ac:chgData name="Ananth K S" userId="560bdf7c4e997a0f" providerId="LiveId" clId="{5E2A4C35-E374-423F-B55B-B486715615EE}" dt="2024-09-28T13:58:02.885" v="3" actId="14100"/>
+          <ac:spMkLst>
+            <pc:docMk/>
+            <pc:sldMk cId="0" sldId="256"/>
+            <ac:spMk id="86" creationId="{00000000-0000-0000-0000-000000000000}"/>
+          </ac:spMkLst>
+        </pc:spChg>
+      </pc:sldChg>
+      <pc:sldChg chg="addSp modSp mod modAnim modNotes">
+        <pc:chgData name="Ananth K S" userId="560bdf7c4e997a0f" providerId="LiveId" clId="{5E2A4C35-E374-423F-B55B-B486715615EE}" dt="2024-09-28T14:02:03.259" v="11" actId="1076"/>
+        <pc:sldMkLst>
+          <pc:docMk/>
+          <pc:sldMk cId="0" sldId="257"/>
+        </pc:sldMkLst>
+        <pc:picChg chg="add mod">
+          <ac:chgData name="Ananth K S" userId="560bdf7c4e997a0f" providerId="LiveId" clId="{5E2A4C35-E374-423F-B55B-B486715615EE}" dt="2024-09-28T14:02:03.259" v="11" actId="1076"/>
+          <ac:picMkLst>
+            <pc:docMk/>
+            <pc:sldMk cId="0" sldId="257"/>
+            <ac:picMk id="2" creationId="{E0A34691-FCC3-A348-121C-D04CB82B1519}"/>
+          </ac:picMkLst>
+        </pc:picChg>
+      </pc:sldChg>
+      <pc:sldChg chg="addSp modSp mod modAnim modNotes">
+        <pc:chgData name="Ananth K S" userId="560bdf7c4e997a0f" providerId="LiveId" clId="{5E2A4C35-E374-423F-B55B-B486715615EE}" dt="2024-09-28T14:02:18.771" v="16" actId="1076"/>
+        <pc:sldMkLst>
+          <pc:docMk/>
+          <pc:sldMk cId="0" sldId="258"/>
+        </pc:sldMkLst>
+        <pc:picChg chg="add mod">
+          <ac:chgData name="Ananth K S" userId="560bdf7c4e997a0f" providerId="LiveId" clId="{5E2A4C35-E374-423F-B55B-B486715615EE}" dt="2024-09-28T14:02:18.771" v="16" actId="1076"/>
+          <ac:picMkLst>
+            <pc:docMk/>
+            <pc:sldMk cId="0" sldId="258"/>
+            <ac:picMk id="2" creationId="{8AA9C76E-EA4E-1792-5803-64B8449F6331}"/>
+          </ac:picMkLst>
+        </pc:picChg>
+      </pc:sldChg>
+      <pc:sldChg chg="addSp modSp mod modAnim modNotes">
+        <pc:chgData name="Ananth K S" userId="560bdf7c4e997a0f" providerId="LiveId" clId="{5E2A4C35-E374-423F-B55B-B486715615EE}" dt="2024-09-28T14:02:31.018" v="21" actId="1076"/>
+        <pc:sldMkLst>
+          <pc:docMk/>
+          <pc:sldMk cId="0" sldId="259"/>
+        </pc:sldMkLst>
+        <pc:picChg chg="add mod">
+          <ac:chgData name="Ananth K S" userId="560bdf7c4e997a0f" providerId="LiveId" clId="{5E2A4C35-E374-423F-B55B-B486715615EE}" dt="2024-09-28T14:02:31.018" v="21" actId="1076"/>
+          <ac:picMkLst>
+            <pc:docMk/>
+            <pc:sldMk cId="0" sldId="259"/>
+            <ac:picMk id="2" creationId="{F974455B-E3E1-6747-E17D-7B23D0CED905}"/>
+          </ac:picMkLst>
+        </pc:picChg>
+      </pc:sldChg>
+      <pc:sldChg chg="addSp modSp mod modAnim">
+        <pc:chgData name="Ananth K S" userId="560bdf7c4e997a0f" providerId="LiveId" clId="{5E2A4C35-E374-423F-B55B-B486715615EE}" dt="2024-09-28T14:04:31.242" v="35" actId="14100"/>
+        <pc:sldMkLst>
+          <pc:docMk/>
+          <pc:sldMk cId="0" sldId="260"/>
+        </pc:sldMkLst>
+        <pc:spChg chg="mod">
+          <ac:chgData name="Ananth K S" userId="560bdf7c4e997a0f" providerId="LiveId" clId="{5E2A4C35-E374-423F-B55B-B486715615EE}" dt="2024-09-28T14:03:21.580" v="34" actId="14100"/>
+          <ac:spMkLst>
+            <pc:docMk/>
+            <pc:sldMk cId="0" sldId="260"/>
+            <ac:spMk id="110" creationId="{00000000-0000-0000-0000-000000000000}"/>
+          </ac:spMkLst>
+        </pc:spChg>
+        <pc:spChg chg="mod">
+          <ac:chgData name="Ananth K S" userId="560bdf7c4e997a0f" providerId="LiveId" clId="{5E2A4C35-E374-423F-B55B-B486715615EE}" dt="2024-09-28T14:03:04.475" v="32" actId="14100"/>
+          <ac:spMkLst>
+            <pc:docMk/>
+            <pc:sldMk cId="0" sldId="260"/>
+            <ac:spMk id="111" creationId="{00000000-0000-0000-0000-000000000000}"/>
+          </ac:spMkLst>
+        </pc:spChg>
+        <pc:picChg chg="add mod">
+          <ac:chgData name="Ananth K S" userId="560bdf7c4e997a0f" providerId="LiveId" clId="{5E2A4C35-E374-423F-B55B-B486715615EE}" dt="2024-09-28T14:04:31.242" v="35" actId="14100"/>
+          <ac:picMkLst>
+            <pc:docMk/>
+            <pc:sldMk cId="0" sldId="260"/>
+            <ac:picMk id="2" creationId="{AD50BE33-25F7-27C8-4A6F-5DEDFE9EDA7F}"/>
+          </ac:picMkLst>
+        </pc:picChg>
+      </pc:sldChg>
+    </pc:docChg>
+  </pc:docChgLst>
+</pc:chgInfo>
+</file>
+
 <file path=ppt/notesMasters/notesMaster1.xml><?xml version="1.0" encoding="utf-8"?>
-<p:notesMaster xmlns:a="http://schemas.openxmlformats.org/drawingml/2006/main" xmlns:r="http://schemas.openxmlformats.org/officeDocument/2006/relationships" xmlns:mc="http://schemas.openxmlformats.org/markup-compatibility/2006" xmlns:mv="urn:schemas-microsoft-com:mac:vml" xmlns:p="http://schemas.openxmlformats.org/presentationml/2006/main" xmlns:c="http://schemas.openxmlformats.org/drawingml/2006/chart" xmlns:dgm="http://schemas.openxmlformats.org/drawingml/2006/diagram" xmlns:o="urn:schemas-microsoft-com:office:office" xmlns:v="urn:schemas-microsoft-com:vml" xmlns:pvml="urn:schemas-microsoft-com:office:powerpoint" xmlns:com="http://schemas.openxmlformats.org/drawingml/2006/compatibility" xmlns:p14="http://schemas.microsoft.com/office/powerpoint/2010/main" xmlns:p15="http://schemas.microsoft.com/office/powerpoint/2012/main" xmlns:ahyp="http://schemas.microsoft.com/office/drawing/2018/hyperlinkcolor">
+<p:notesMaster xmlns:a="http://schemas.openxmlformats.org/drawingml/2006/main" xmlns:r="http://schemas.openxmlformats.org/officeDocument/2006/relationships" xmlns:p="http://schemas.openxmlformats.org/presentationml/2006/main">
   <p:cSld>
+    <p:bg>
+      <p:bgRef idx="1001">
+        <a:schemeClr val="bg1"/>
+      </p:bgRef>
+    </p:bg>
     <p:spTree>
       <p:nvGrpSpPr>
-        <p:cNvPr id="2" name="Shape 2"/>
+        <p:cNvPr id="1" name="Shape 2"/>
         <p:cNvGrpSpPr/>
         <p:nvPr/>
       </p:nvGrpSpPr>
@@ -300,9 +426,11 @@
       <p:sp>
         <p:nvSpPr>
           <p:cNvPr id="3" name="Google Shape;3;n"/>
-          <p:cNvSpPr/>
+          <p:cNvSpPr>
+            <a:spLocks noGrp="1" noRot="1" noChangeAspect="1"/>
+          </p:cNvSpPr>
           <p:nvPr>
-            <p:ph idx="2" type="sldImg"/>
+            <p:ph type="sldImg" idx="2"/>
           </p:nvPr>
         </p:nvSpPr>
         <p:spPr>
@@ -311,9 +439,13 @@
             <a:ext cx="6096075" cy="3429000"/>
           </a:xfrm>
           <a:custGeom>
-            <a:rect b="b" l="l" r="r" t="t"/>
+            <a:avLst/>
+            <a:gdLst/>
+            <a:ahLst/>
+            <a:cxnLst/>
+            <a:rect l="l" t="t" r="r" b="b"/>
             <a:pathLst>
-              <a:path extrusionOk="0" h="120000" w="120000">
+              <a:path w="120000" h="120000" extrusionOk="0">
                 <a:moveTo>
                   <a:pt x="0" y="0"/>
                 </a:moveTo>
@@ -331,23 +463,25 @@
             </a:pathLst>
           </a:custGeom>
           <a:noFill/>
-          <a:ln cap="flat" cmpd="sng" w="9525">
+          <a:ln w="9525" cap="flat" cmpd="sng">
             <a:solidFill>
               <a:srgbClr val="000000"/>
             </a:solidFill>
             <a:prstDash val="solid"/>
             <a:round/>
-            <a:headEnd len="sm" w="sm" type="none"/>
-            <a:tailEnd len="sm" w="sm" type="none"/>
+            <a:headEnd type="none" w="sm" len="sm"/>
+            <a:tailEnd type="none" w="sm" len="sm"/>
           </a:ln>
         </p:spPr>
       </p:sp>
       <p:sp>
         <p:nvSpPr>
           <p:cNvPr id="4" name="Google Shape;4;n"/>
-          <p:cNvSpPr txBox="1"/>
+          <p:cNvSpPr txBox="1">
+            <a:spLocks noGrp="1"/>
+          </p:cNvSpPr>
           <p:nvPr>
-            <p:ph idx="1" type="body"/>
+            <p:ph type="body" idx="1"/>
           </p:nvPr>
         </p:nvSpPr>
         <p:spPr>
@@ -364,11 +498,11 @@
           </a:ln>
         </p:spPr>
         <p:txBody>
-          <a:bodyPr anchorCtr="0" anchor="t" bIns="91425" lIns="91425" spcFirstLastPara="1" rIns="91425" wrap="square" tIns="91425">
+          <a:bodyPr spcFirstLastPara="1" wrap="square" lIns="91425" tIns="91425" rIns="91425" bIns="91425" anchor="t" anchorCtr="0">
             <a:noAutofit/>
           </a:bodyPr>
           <a:lstStyle>
-            <a:lvl1pPr indent="-298450" lvl="0" marL="457200">
+            <a:lvl1pPr marL="457200" lvl="0" indent="-298450">
               <a:spcBef>
                 <a:spcPts val="0"/>
               </a:spcBef>
@@ -379,7 +513,7 @@
               <a:buChar char="●"/>
               <a:defRPr sz="1100"/>
             </a:lvl1pPr>
-            <a:lvl2pPr indent="-298450" lvl="1" marL="914400">
+            <a:lvl2pPr marL="914400" lvl="1" indent="-298450">
               <a:spcBef>
                 <a:spcPts val="0"/>
               </a:spcBef>
@@ -390,7 +524,7 @@
               <a:buChar char="○"/>
               <a:defRPr sz="1100"/>
             </a:lvl2pPr>
-            <a:lvl3pPr indent="-298450" lvl="2" marL="1371600">
+            <a:lvl3pPr marL="1371600" lvl="2" indent="-298450">
               <a:spcBef>
                 <a:spcPts val="0"/>
               </a:spcBef>
@@ -401,7 +535,7 @@
               <a:buChar char="■"/>
               <a:defRPr sz="1100"/>
             </a:lvl3pPr>
-            <a:lvl4pPr indent="-298450" lvl="3" marL="1828800">
+            <a:lvl4pPr marL="1828800" lvl="3" indent="-298450">
               <a:spcBef>
                 <a:spcPts val="0"/>
               </a:spcBef>
@@ -412,7 +546,7 @@
               <a:buChar char="●"/>
               <a:defRPr sz="1100"/>
             </a:lvl4pPr>
-            <a:lvl5pPr indent="-298450" lvl="4" marL="2286000">
+            <a:lvl5pPr marL="2286000" lvl="4" indent="-298450">
               <a:spcBef>
                 <a:spcPts val="0"/>
               </a:spcBef>
@@ -423,7 +557,7 @@
               <a:buChar char="○"/>
               <a:defRPr sz="1100"/>
             </a:lvl5pPr>
-            <a:lvl6pPr indent="-298450" lvl="5" marL="2743200">
+            <a:lvl6pPr marL="2743200" lvl="5" indent="-298450">
               <a:spcBef>
                 <a:spcPts val="0"/>
               </a:spcBef>
@@ -434,7 +568,7 @@
               <a:buChar char="■"/>
               <a:defRPr sz="1100"/>
             </a:lvl6pPr>
-            <a:lvl7pPr indent="-298450" lvl="6" marL="3200400">
+            <a:lvl7pPr marL="3200400" lvl="6" indent="-298450">
               <a:spcBef>
                 <a:spcPts val="0"/>
               </a:spcBef>
@@ -445,7 +579,7 @@
               <a:buChar char="●"/>
               <a:defRPr sz="1100"/>
             </a:lvl7pPr>
-            <a:lvl8pPr indent="-298450" lvl="7" marL="3657600">
+            <a:lvl8pPr marL="3657600" lvl="7" indent="-298450">
               <a:spcBef>
                 <a:spcPts val="0"/>
               </a:spcBef>
@@ -456,7 +590,7 @@
               <a:buChar char="○"/>
               <a:defRPr sz="1100"/>
             </a:lvl8pPr>
-            <a:lvl9pPr indent="-298450" lvl="8" marL="4114800">
+            <a:lvl9pPr marL="4114800" lvl="8" indent="-298450">
               <a:spcBef>
                 <a:spcPts val="0"/>
               </a:spcBef>
@@ -468,14 +602,16 @@
               <a:defRPr sz="1100"/>
             </a:lvl9pPr>
           </a:lstStyle>
-          <a:p/>
+          <a:p>
+            <a:endParaRPr/>
+          </a:p>
         </p:txBody>
       </p:sp>
     </p:spTree>
   </p:cSld>
-  <p:clrMap accent1="accent1" accent2="accent2" accent3="accent3" accent4="accent4" accent5="accent5" accent6="accent6" bg1="lt1" bg2="dk2" tx1="dk1" tx2="lt2" folHlink="folHlink" hlink="hlink"/>
+  <p:clrMap bg1="lt1" tx1="dk1" bg2="dk2" tx2="lt2" accent1="accent1" accent2="accent2" accent3="accent3" accent4="accent4" accent5="accent5" accent6="accent6" hlink="hlink" folHlink="folHlink"/>
   <p:notesStyle>
-    <a:defPPr lvl="0" marR="0" rtl="0" algn="l">
+    <a:defPPr marR="0" lvl="0" algn="l" rtl="0">
       <a:lnSpc>
         <a:spcPct val="100000"/>
       </a:lnSpc>
@@ -486,7 +622,7 @@
         <a:spcPts val="0"/>
       </a:spcAft>
     </a:defPPr>
-    <a:lvl1pPr lvl="0" marR="0" rtl="0" algn="l">
+    <a:lvl1pPr marR="0" lvl="0" algn="l" rtl="0">
       <a:lnSpc>
         <a:spcPct val="100000"/>
       </a:lnSpc>
@@ -500,7 +636,7 @@
         <a:srgbClr val="000000"/>
       </a:buClr>
       <a:buFont typeface="Arial"/>
-      <a:defRPr b="0" i="0" sz="1400" u="none" cap="none" strike="noStrike">
+      <a:defRPr sz="1400" b="0" i="0" u="none" strike="noStrike" cap="none">
         <a:solidFill>
           <a:srgbClr val="000000"/>
         </a:solidFill>
@@ -510,7 +646,7 @@
         <a:sym typeface="Arial"/>
       </a:defRPr>
     </a:lvl1pPr>
-    <a:lvl2pPr lvl="1" marR="0" rtl="0" algn="l">
+    <a:lvl2pPr marR="0" lvl="1" algn="l" rtl="0">
       <a:lnSpc>
         <a:spcPct val="100000"/>
       </a:lnSpc>
@@ -524,7 +660,7 @@
         <a:srgbClr val="000000"/>
       </a:buClr>
       <a:buFont typeface="Arial"/>
-      <a:defRPr b="0" i="0" sz="1400" u="none" cap="none" strike="noStrike">
+      <a:defRPr sz="1400" b="0" i="0" u="none" strike="noStrike" cap="none">
         <a:solidFill>
           <a:srgbClr val="000000"/>
         </a:solidFill>
@@ -534,7 +670,7 @@
         <a:sym typeface="Arial"/>
       </a:defRPr>
     </a:lvl2pPr>
-    <a:lvl3pPr lvl="2" marR="0" rtl="0" algn="l">
+    <a:lvl3pPr marR="0" lvl="2" algn="l" rtl="0">
       <a:lnSpc>
         <a:spcPct val="100000"/>
       </a:lnSpc>
@@ -548,7 +684,7 @@
         <a:srgbClr val="000000"/>
       </a:buClr>
       <a:buFont typeface="Arial"/>
-      <a:defRPr b="0" i="0" sz="1400" u="none" cap="none" strike="noStrike">
+      <a:defRPr sz="1400" b="0" i="0" u="none" strike="noStrike" cap="none">
         <a:solidFill>
           <a:srgbClr val="000000"/>
         </a:solidFill>
@@ -558,7 +694,7 @@
         <a:sym typeface="Arial"/>
       </a:defRPr>
     </a:lvl3pPr>
-    <a:lvl4pPr lvl="3" marR="0" rtl="0" algn="l">
+    <a:lvl4pPr marR="0" lvl="3" algn="l" rtl="0">
       <a:lnSpc>
         <a:spcPct val="100000"/>
       </a:lnSpc>
@@ -572,7 +708,7 @@
         <a:srgbClr val="000000"/>
       </a:buClr>
       <a:buFont typeface="Arial"/>
-      <a:defRPr b="0" i="0" sz="1400" u="none" cap="none" strike="noStrike">
+      <a:defRPr sz="1400" b="0" i="0" u="none" strike="noStrike" cap="none">
         <a:solidFill>
           <a:srgbClr val="000000"/>
         </a:solidFill>
@@ -582,7 +718,7 @@
         <a:sym typeface="Arial"/>
       </a:defRPr>
     </a:lvl4pPr>
-    <a:lvl5pPr lvl="4" marR="0" rtl="0" algn="l">
+    <a:lvl5pPr marR="0" lvl="4" algn="l" rtl="0">
       <a:lnSpc>
         <a:spcPct val="100000"/>
       </a:lnSpc>
@@ -596,7 +732,7 @@
         <a:srgbClr val="000000"/>
       </a:buClr>
       <a:buFont typeface="Arial"/>
-      <a:defRPr b="0" i="0" sz="1400" u="none" cap="none" strike="noStrike">
+      <a:defRPr sz="1400" b="0" i="0" u="none" strike="noStrike" cap="none">
         <a:solidFill>
           <a:srgbClr val="000000"/>
         </a:solidFill>
@@ -606,7 +742,7 @@
         <a:sym typeface="Arial"/>
       </a:defRPr>
     </a:lvl5pPr>
-    <a:lvl6pPr lvl="5" marR="0" rtl="0" algn="l">
+    <a:lvl6pPr marR="0" lvl="5" algn="l" rtl="0">
       <a:lnSpc>
         <a:spcPct val="100000"/>
       </a:lnSpc>
@@ -620,7 +756,7 @@
         <a:srgbClr val="000000"/>
       </a:buClr>
       <a:buFont typeface="Arial"/>
-      <a:defRPr b="0" i="0" sz="1400" u="none" cap="none" strike="noStrike">
+      <a:defRPr sz="1400" b="0" i="0" u="none" strike="noStrike" cap="none">
         <a:solidFill>
           <a:srgbClr val="000000"/>
         </a:solidFill>
@@ -630,7 +766,7 @@
         <a:sym typeface="Arial"/>
       </a:defRPr>
     </a:lvl6pPr>
-    <a:lvl7pPr lvl="6" marR="0" rtl="0" algn="l">
+    <a:lvl7pPr marR="0" lvl="6" algn="l" rtl="0">
       <a:lnSpc>
         <a:spcPct val="100000"/>
       </a:lnSpc>
@@ -644,7 +780,7 @@
         <a:srgbClr val="000000"/>
       </a:buClr>
       <a:buFont typeface="Arial"/>
-      <a:defRPr b="0" i="0" sz="1400" u="none" cap="none" strike="noStrike">
+      <a:defRPr sz="1400" b="0" i="0" u="none" strike="noStrike" cap="none">
         <a:solidFill>
           <a:srgbClr val="000000"/>
         </a:solidFill>
@@ -654,7 +790,7 @@
         <a:sym typeface="Arial"/>
       </a:defRPr>
     </a:lvl7pPr>
-    <a:lvl8pPr lvl="7" marR="0" rtl="0" algn="l">
+    <a:lvl8pPr marR="0" lvl="7" algn="l" rtl="0">
       <a:lnSpc>
         <a:spcPct val="100000"/>
       </a:lnSpc>
@@ -668,7 +804,7 @@
         <a:srgbClr val="000000"/>
       </a:buClr>
       <a:buFont typeface="Arial"/>
-      <a:defRPr b="0" i="0" sz="1400" u="none" cap="none" strike="noStrike">
+      <a:defRPr sz="1400" b="0" i="0" u="none" strike="noStrike" cap="none">
         <a:solidFill>
           <a:srgbClr val="000000"/>
         </a:solidFill>
@@ -678,7 +814,7 @@
         <a:sym typeface="Arial"/>
       </a:defRPr>
     </a:lvl8pPr>
-    <a:lvl9pPr lvl="8" marR="0" rtl="0" algn="l">
+    <a:lvl9pPr marR="0" lvl="8" algn="l" rtl="0">
       <a:lnSpc>
         <a:spcPct val="100000"/>
       </a:lnSpc>
@@ -692,7 +828,7 @@
         <a:srgbClr val="000000"/>
       </a:buClr>
       <a:buFont typeface="Arial"/>
-      <a:defRPr b="0" i="0" sz="1400" u="none" cap="none" strike="noStrike">
+      <a:defRPr sz="1400" b="0" i="0" u="none" strike="noStrike" cap="none">
         <a:solidFill>
           <a:srgbClr val="000000"/>
         </a:solidFill>
@@ -707,11 +843,11 @@
 </file>
 
 <file path=ppt/notesSlides/notesSlide1.xml><?xml version="1.0" encoding="utf-8"?>
-<p:notes xmlns:a="http://schemas.openxmlformats.org/drawingml/2006/main" xmlns:r="http://schemas.openxmlformats.org/officeDocument/2006/relationships" xmlns:mc="http://schemas.openxmlformats.org/markup-compatibility/2006" xmlns:mv="urn:schemas-microsoft-com:mac:vml" xmlns:p="http://schemas.openxmlformats.org/presentationml/2006/main" xmlns:c="http://schemas.openxmlformats.org/drawingml/2006/chart" xmlns:dgm="http://schemas.openxmlformats.org/drawingml/2006/diagram" xmlns:o="urn:schemas-microsoft-com:office:office" xmlns:v="urn:schemas-microsoft-com:vml" xmlns:pvml="urn:schemas-microsoft-com:office:powerpoint" xmlns:com="http://schemas.openxmlformats.org/drawingml/2006/compatibility" xmlns:p14="http://schemas.microsoft.com/office/powerpoint/2010/main" xmlns:p15="http://schemas.microsoft.com/office/powerpoint/2012/main" xmlns:ahyp="http://schemas.microsoft.com/office/drawing/2018/hyperlinkcolor" showMasterPhAnim="0" showMasterSp="0">
+<p:notes xmlns:a="http://schemas.openxmlformats.org/drawingml/2006/main" xmlns:r="http://schemas.openxmlformats.org/officeDocument/2006/relationships" xmlns:p="http://schemas.openxmlformats.org/presentationml/2006/main" showMasterSp="0" showMasterPhAnim="0">
   <p:cSld>
     <p:spTree>
       <p:nvGrpSpPr>
-        <p:cNvPr id="81" name="Shape 81"/>
+        <p:cNvPr id="1" name="Shape 81"/>
         <p:cNvGrpSpPr/>
         <p:nvPr/>
       </p:nvGrpSpPr>
@@ -726,20 +862,26 @@
       <p:sp>
         <p:nvSpPr>
           <p:cNvPr id="82" name="Google Shape;82;p:notes"/>
-          <p:cNvSpPr/>
+          <p:cNvSpPr>
+            <a:spLocks noGrp="1" noRot="1" noChangeAspect="1"/>
+          </p:cNvSpPr>
           <p:nvPr>
-            <p:ph idx="2" type="sldImg"/>
+            <p:ph type="sldImg" idx="2"/>
           </p:nvPr>
         </p:nvSpPr>
         <p:spPr>
           <a:xfrm>
-            <a:off x="381300" y="685800"/>
-            <a:ext cx="6096075" cy="3429000"/>
+            <a:off x="381000" y="685800"/>
+            <a:ext cx="6096000" cy="3429000"/>
           </a:xfrm>
           <a:custGeom>
-            <a:rect b="b" l="l" r="r" t="t"/>
+            <a:avLst/>
+            <a:gdLst/>
+            <a:ahLst/>
+            <a:cxnLst/>
+            <a:rect l="l" t="t" r="r" b="b"/>
             <a:pathLst>
-              <a:path extrusionOk="0" h="120000" w="120000">
+              <a:path w="120000" h="120000" extrusionOk="0">
                 <a:moveTo>
                   <a:pt x="0" y="0"/>
                 </a:moveTo>
@@ -761,9 +903,11 @@
       <p:sp>
         <p:nvSpPr>
           <p:cNvPr id="83" name="Google Shape;83;p:notes"/>
-          <p:cNvSpPr txBox="1"/>
+          <p:cNvSpPr txBox="1">
+            <a:spLocks noGrp="1"/>
+          </p:cNvSpPr>
           <p:nvPr>
-            <p:ph idx="1" type="body"/>
+            <p:ph type="body" idx="1"/>
           </p:nvPr>
         </p:nvSpPr>
         <p:spPr>
@@ -776,12 +920,12 @@
           </a:prstGeom>
         </p:spPr>
         <p:txBody>
-          <a:bodyPr anchorCtr="0" anchor="t" bIns="91425" lIns="91425" spcFirstLastPara="1" rIns="91425" wrap="square" tIns="91425">
+          <a:bodyPr spcFirstLastPara="1" wrap="square" lIns="91425" tIns="91425" rIns="91425" bIns="91425" anchor="t" anchorCtr="0">
             <a:noAutofit/>
           </a:bodyPr>
           <a:lstStyle/>
           <a:p>
-            <a:pPr indent="0" lvl="0" marL="0" rtl="0" algn="l">
+            <a:pPr marL="0" lvl="0" indent="0" algn="l" rtl="0">
               <a:spcBef>
                 <a:spcPts val="0"/>
               </a:spcBef>
@@ -790,9 +934,6 @@
               </a:spcAft>
               <a:buNone/>
             </a:pPr>
-            <a:r>
-              <a:t/>
-            </a:r>
             <a:endParaRPr/>
           </a:p>
         </p:txBody>
@@ -806,11 +947,11 @@
 </file>
 
 <file path=ppt/notesSlides/notesSlide2.xml><?xml version="1.0" encoding="utf-8"?>
-<p:notes xmlns:a="http://schemas.openxmlformats.org/drawingml/2006/main" xmlns:r="http://schemas.openxmlformats.org/officeDocument/2006/relationships" xmlns:mc="http://schemas.openxmlformats.org/markup-compatibility/2006" xmlns:mv="urn:schemas-microsoft-com:mac:vml" xmlns:p="http://schemas.openxmlformats.org/presentationml/2006/main" xmlns:c="http://schemas.openxmlformats.org/drawingml/2006/chart" xmlns:dgm="http://schemas.openxmlformats.org/drawingml/2006/diagram" xmlns:o="urn:schemas-microsoft-com:office:office" xmlns:v="urn:schemas-microsoft-com:vml" xmlns:pvml="urn:schemas-microsoft-com:office:powerpoint" xmlns:com="http://schemas.openxmlformats.org/drawingml/2006/compatibility" xmlns:p14="http://schemas.microsoft.com/office/powerpoint/2010/main" xmlns:p15="http://schemas.microsoft.com/office/powerpoint/2012/main" xmlns:ahyp="http://schemas.microsoft.com/office/drawing/2018/hyperlinkcolor" showMasterPhAnim="0" showMasterSp="0">
+<p:notes xmlns:a="http://schemas.openxmlformats.org/drawingml/2006/main" xmlns:r="http://schemas.openxmlformats.org/officeDocument/2006/relationships" xmlns:p="http://schemas.openxmlformats.org/presentationml/2006/main" showMasterSp="0" showMasterPhAnim="0">
   <p:cSld>
     <p:spTree>
       <p:nvGrpSpPr>
-        <p:cNvPr id="88" name="Shape 88"/>
+        <p:cNvPr id="1" name="Shape 88"/>
         <p:cNvGrpSpPr/>
         <p:nvPr/>
       </p:nvGrpSpPr>
@@ -825,20 +966,26 @@
       <p:sp>
         <p:nvSpPr>
           <p:cNvPr id="89" name="Google Shape;89;g30672c15db7_0_662:notes"/>
-          <p:cNvSpPr/>
+          <p:cNvSpPr>
+            <a:spLocks noGrp="1" noRot="1" noChangeAspect="1"/>
+          </p:cNvSpPr>
           <p:nvPr>
-            <p:ph idx="2" type="sldImg"/>
+            <p:ph type="sldImg" idx="2"/>
           </p:nvPr>
         </p:nvSpPr>
         <p:spPr>
           <a:xfrm>
-            <a:off x="381300" y="685800"/>
+            <a:off x="381000" y="685800"/>
             <a:ext cx="6096000" cy="3429000"/>
           </a:xfrm>
           <a:custGeom>
-            <a:rect b="b" l="l" r="r" t="t"/>
+            <a:avLst/>
+            <a:gdLst/>
+            <a:ahLst/>
+            <a:cxnLst/>
+            <a:rect l="l" t="t" r="r" b="b"/>
             <a:pathLst>
-              <a:path extrusionOk="0" h="120000" w="120000">
+              <a:path w="120000" h="120000" extrusionOk="0">
                 <a:moveTo>
                   <a:pt x="0" y="0"/>
                 </a:moveTo>
@@ -860,9 +1007,11 @@
       <p:sp>
         <p:nvSpPr>
           <p:cNvPr id="90" name="Google Shape;90;g30672c15db7_0_662:notes"/>
-          <p:cNvSpPr txBox="1"/>
+          <p:cNvSpPr txBox="1">
+            <a:spLocks noGrp="1"/>
+          </p:cNvSpPr>
           <p:nvPr>
-            <p:ph idx="1" type="body"/>
+            <p:ph type="body" idx="1"/>
           </p:nvPr>
         </p:nvSpPr>
         <p:spPr>
@@ -875,12 +1024,12 @@
           </a:prstGeom>
         </p:spPr>
         <p:txBody>
-          <a:bodyPr anchorCtr="0" anchor="t" bIns="91425" lIns="91425" spcFirstLastPara="1" rIns="91425" wrap="square" tIns="91425">
+          <a:bodyPr spcFirstLastPara="1" wrap="square" lIns="91425" tIns="91425" rIns="91425" bIns="91425" anchor="t" anchorCtr="0">
             <a:noAutofit/>
           </a:bodyPr>
           <a:lstStyle/>
           <a:p>
-            <a:pPr indent="0" lvl="0" marL="0" rtl="0" algn="l">
+            <a:pPr marL="0" lvl="0" indent="0" algn="l" rtl="0">
               <a:spcBef>
                 <a:spcPts val="0"/>
               </a:spcBef>
@@ -889,9 +1038,6 @@
               </a:spcAft>
               <a:buNone/>
             </a:pPr>
-            <a:r>
-              <a:t/>
-            </a:r>
             <a:endParaRPr/>
           </a:p>
         </p:txBody>
@@ -905,11 +1051,11 @@
 </file>
 
 <file path=ppt/notesSlides/notesSlide3.xml><?xml version="1.0" encoding="utf-8"?>
-<p:notes xmlns:a="http://schemas.openxmlformats.org/drawingml/2006/main" xmlns:r="http://schemas.openxmlformats.org/officeDocument/2006/relationships" xmlns:mc="http://schemas.openxmlformats.org/markup-compatibility/2006" xmlns:mv="urn:schemas-microsoft-com:mac:vml" xmlns:p="http://schemas.openxmlformats.org/presentationml/2006/main" xmlns:c="http://schemas.openxmlformats.org/drawingml/2006/chart" xmlns:dgm="http://schemas.openxmlformats.org/drawingml/2006/diagram" xmlns:o="urn:schemas-microsoft-com:office:office" xmlns:v="urn:schemas-microsoft-com:vml" xmlns:pvml="urn:schemas-microsoft-com:office:powerpoint" xmlns:com="http://schemas.openxmlformats.org/drawingml/2006/compatibility" xmlns:p14="http://schemas.microsoft.com/office/powerpoint/2010/main" xmlns:p15="http://schemas.microsoft.com/office/powerpoint/2012/main" xmlns:ahyp="http://schemas.microsoft.com/office/drawing/2018/hyperlinkcolor" showMasterPhAnim="0" showMasterSp="0">
+<p:notes xmlns:a="http://schemas.openxmlformats.org/drawingml/2006/main" xmlns:r="http://schemas.openxmlformats.org/officeDocument/2006/relationships" xmlns:p="http://schemas.openxmlformats.org/presentationml/2006/main" showMasterSp="0" showMasterPhAnim="0">
   <p:cSld>
     <p:spTree>
       <p:nvGrpSpPr>
-        <p:cNvPr id="94" name="Shape 94"/>
+        <p:cNvPr id="1" name="Shape 94"/>
         <p:cNvGrpSpPr/>
         <p:nvPr/>
       </p:nvGrpSpPr>
@@ -924,20 +1070,26 @@
       <p:sp>
         <p:nvSpPr>
           <p:cNvPr id="95" name="Google Shape;95;g30672c15db7_0_746:notes"/>
-          <p:cNvSpPr/>
+          <p:cNvSpPr>
+            <a:spLocks noGrp="1" noRot="1" noChangeAspect="1"/>
+          </p:cNvSpPr>
           <p:nvPr>
-            <p:ph idx="2" type="sldImg"/>
+            <p:ph type="sldImg" idx="2"/>
           </p:nvPr>
         </p:nvSpPr>
         <p:spPr>
           <a:xfrm>
-            <a:off x="381300" y="685800"/>
+            <a:off x="381000" y="685800"/>
             <a:ext cx="6096000" cy="3429000"/>
           </a:xfrm>
           <a:custGeom>
-            <a:rect b="b" l="l" r="r" t="t"/>
+            <a:avLst/>
+            <a:gdLst/>
+            <a:ahLst/>
+            <a:cxnLst/>
+            <a:rect l="l" t="t" r="r" b="b"/>
             <a:pathLst>
-              <a:path extrusionOk="0" h="120000" w="120000">
+              <a:path w="120000" h="120000" extrusionOk="0">
                 <a:moveTo>
                   <a:pt x="0" y="0"/>
                 </a:moveTo>
@@ -959,9 +1111,11 @@
       <p:sp>
         <p:nvSpPr>
           <p:cNvPr id="96" name="Google Shape;96;g30672c15db7_0_746:notes"/>
-          <p:cNvSpPr txBox="1"/>
+          <p:cNvSpPr txBox="1">
+            <a:spLocks noGrp="1"/>
+          </p:cNvSpPr>
           <p:nvPr>
-            <p:ph idx="1" type="body"/>
+            <p:ph type="body" idx="1"/>
           </p:nvPr>
         </p:nvSpPr>
         <p:spPr>
@@ -974,12 +1128,12 @@
           </a:prstGeom>
         </p:spPr>
         <p:txBody>
-          <a:bodyPr anchorCtr="0" anchor="t" bIns="91425" lIns="91425" spcFirstLastPara="1" rIns="91425" wrap="square" tIns="91425">
+          <a:bodyPr spcFirstLastPara="1" wrap="square" lIns="91425" tIns="91425" rIns="91425" bIns="91425" anchor="t" anchorCtr="0">
             <a:noAutofit/>
           </a:bodyPr>
           <a:lstStyle/>
           <a:p>
-            <a:pPr indent="0" lvl="0" marL="0" rtl="0" algn="l">
+            <a:pPr marL="0" lvl="0" indent="0" algn="l" rtl="0">
               <a:spcBef>
                 <a:spcPts val="0"/>
               </a:spcBef>
@@ -988,9 +1142,6 @@
               </a:spcAft>
               <a:buNone/>
             </a:pPr>
-            <a:r>
-              <a:t/>
-            </a:r>
             <a:endParaRPr/>
           </a:p>
         </p:txBody>
@@ -1004,11 +1155,11 @@
 </file>
 
 <file path=ppt/notesSlides/notesSlide4.xml><?xml version="1.0" encoding="utf-8"?>
-<p:notes xmlns:a="http://schemas.openxmlformats.org/drawingml/2006/main" xmlns:r="http://schemas.openxmlformats.org/officeDocument/2006/relationships" xmlns:mc="http://schemas.openxmlformats.org/markup-compatibility/2006" xmlns:mv="urn:schemas-microsoft-com:mac:vml" xmlns:p="http://schemas.openxmlformats.org/presentationml/2006/main" xmlns:c="http://schemas.openxmlformats.org/drawingml/2006/chart" xmlns:dgm="http://schemas.openxmlformats.org/drawingml/2006/diagram" xmlns:o="urn:schemas-microsoft-com:office:office" xmlns:v="urn:schemas-microsoft-com:vml" xmlns:pvml="urn:schemas-microsoft-com:office:powerpoint" xmlns:com="http://schemas.openxmlformats.org/drawingml/2006/compatibility" xmlns:p14="http://schemas.microsoft.com/office/powerpoint/2010/main" xmlns:p15="http://schemas.microsoft.com/office/powerpoint/2012/main" xmlns:ahyp="http://schemas.microsoft.com/office/drawing/2018/hyperlinkcolor" showMasterPhAnim="0" showMasterSp="0">
+<p:notes xmlns:a="http://schemas.openxmlformats.org/drawingml/2006/main" xmlns:r="http://schemas.openxmlformats.org/officeDocument/2006/relationships" xmlns:p="http://schemas.openxmlformats.org/presentationml/2006/main" showMasterSp="0" showMasterPhAnim="0">
   <p:cSld>
     <p:spTree>
       <p:nvGrpSpPr>
-        <p:cNvPr id="100" name="Shape 100"/>
+        <p:cNvPr id="1" name="Shape 100"/>
         <p:cNvGrpSpPr/>
         <p:nvPr/>
       </p:nvGrpSpPr>
@@ -1023,20 +1174,26 @@
       <p:sp>
         <p:nvSpPr>
           <p:cNvPr id="101" name="Google Shape;101;g30672c15db7_0_757:notes"/>
-          <p:cNvSpPr/>
+          <p:cNvSpPr>
+            <a:spLocks noGrp="1" noRot="1" noChangeAspect="1"/>
+          </p:cNvSpPr>
           <p:nvPr>
-            <p:ph idx="2" type="sldImg"/>
+            <p:ph type="sldImg" idx="2"/>
           </p:nvPr>
         </p:nvSpPr>
         <p:spPr>
           <a:xfrm>
-            <a:off x="381300" y="685800"/>
+            <a:off x="381000" y="685800"/>
             <a:ext cx="6096000" cy="3429000"/>
           </a:xfrm>
           <a:custGeom>
-            <a:rect b="b" l="l" r="r" t="t"/>
+            <a:avLst/>
+            <a:gdLst/>
+            <a:ahLst/>
+            <a:cxnLst/>
+            <a:rect l="l" t="t" r="r" b="b"/>
             <a:pathLst>
-              <a:path extrusionOk="0" h="120000" w="120000">
+              <a:path w="120000" h="120000" extrusionOk="0">
                 <a:moveTo>
                   <a:pt x="0" y="0"/>
                 </a:moveTo>
@@ -1058,9 +1215,11 @@
       <p:sp>
         <p:nvSpPr>
           <p:cNvPr id="102" name="Google Shape;102;g30672c15db7_0_757:notes"/>
-          <p:cNvSpPr txBox="1"/>
+          <p:cNvSpPr txBox="1">
+            <a:spLocks noGrp="1"/>
+          </p:cNvSpPr>
           <p:nvPr>
-            <p:ph idx="1" type="body"/>
+            <p:ph type="body" idx="1"/>
           </p:nvPr>
         </p:nvSpPr>
         <p:spPr>
@@ -1073,12 +1232,12 @@
           </a:prstGeom>
         </p:spPr>
         <p:txBody>
-          <a:bodyPr anchorCtr="0" anchor="t" bIns="91425" lIns="91425" spcFirstLastPara="1" rIns="91425" wrap="square" tIns="91425">
+          <a:bodyPr spcFirstLastPara="1" wrap="square" lIns="91425" tIns="91425" rIns="91425" bIns="91425" anchor="t" anchorCtr="0">
             <a:noAutofit/>
           </a:bodyPr>
           <a:lstStyle/>
           <a:p>
-            <a:pPr indent="0" lvl="0" marL="0" rtl="0" algn="l">
+            <a:pPr marL="0" lvl="0" indent="0" algn="l" rtl="0">
               <a:spcBef>
                 <a:spcPts val="0"/>
               </a:spcBef>
@@ -1087,9 +1246,6 @@
               </a:spcAft>
               <a:buNone/>
             </a:pPr>
-            <a:r>
-              <a:t/>
-            </a:r>
             <a:endParaRPr/>
           </a:p>
         </p:txBody>
@@ -1103,11 +1259,11 @@
 </file>
 
 <file path=ppt/notesSlides/notesSlide5.xml><?xml version="1.0" encoding="utf-8"?>
-<p:notes xmlns:a="http://schemas.openxmlformats.org/drawingml/2006/main" xmlns:r="http://schemas.openxmlformats.org/officeDocument/2006/relationships" xmlns:mc="http://schemas.openxmlformats.org/markup-compatibility/2006" xmlns:mv="urn:schemas-microsoft-com:mac:vml" xmlns:p="http://schemas.openxmlformats.org/presentationml/2006/main" xmlns:c="http://schemas.openxmlformats.org/drawingml/2006/chart" xmlns:dgm="http://schemas.openxmlformats.org/drawingml/2006/diagram" xmlns:o="urn:schemas-microsoft-com:office:office" xmlns:v="urn:schemas-microsoft-com:vml" xmlns:pvml="urn:schemas-microsoft-com:office:powerpoint" xmlns:com="http://schemas.openxmlformats.org/drawingml/2006/compatibility" xmlns:p14="http://schemas.microsoft.com/office/powerpoint/2010/main" xmlns:p15="http://schemas.microsoft.com/office/powerpoint/2012/main" xmlns:ahyp="http://schemas.microsoft.com/office/drawing/2018/hyperlinkcolor" showMasterPhAnim="0" showMasterSp="0">
+<p:notes xmlns:a="http://schemas.openxmlformats.org/drawingml/2006/main" xmlns:r="http://schemas.openxmlformats.org/officeDocument/2006/relationships" xmlns:p="http://schemas.openxmlformats.org/presentationml/2006/main" showMasterSp="0" showMasterPhAnim="0">
   <p:cSld>
     <p:spTree>
       <p:nvGrpSpPr>
-        <p:cNvPr id="106" name="Shape 106"/>
+        <p:cNvPr id="1" name="Shape 106"/>
         <p:cNvGrpSpPr/>
         <p:nvPr/>
       </p:nvGrpSpPr>
@@ -1122,20 +1278,26 @@
       <p:sp>
         <p:nvSpPr>
           <p:cNvPr id="107" name="Google Shape;107;g30672c15db7_0_762:notes"/>
-          <p:cNvSpPr/>
+          <p:cNvSpPr>
+            <a:spLocks noGrp="1" noRot="1" noChangeAspect="1"/>
+          </p:cNvSpPr>
           <p:nvPr>
-            <p:ph idx="2" type="sldImg"/>
+            <p:ph type="sldImg" idx="2"/>
           </p:nvPr>
         </p:nvSpPr>
         <p:spPr>
           <a:xfrm>
-            <a:off x="381300" y="685800"/>
+            <a:off x="381000" y="685800"/>
             <a:ext cx="6096000" cy="3429000"/>
           </a:xfrm>
           <a:custGeom>
-            <a:rect b="b" l="l" r="r" t="t"/>
+            <a:avLst/>
+            <a:gdLst/>
+            <a:ahLst/>
+            <a:cxnLst/>
+            <a:rect l="l" t="t" r="r" b="b"/>
             <a:pathLst>
-              <a:path extrusionOk="0" h="120000" w="120000">
+              <a:path w="120000" h="120000" extrusionOk="0">
                 <a:moveTo>
                   <a:pt x="0" y="0"/>
                 </a:moveTo>
@@ -1157,9 +1319,11 @@
       <p:sp>
         <p:nvSpPr>
           <p:cNvPr id="108" name="Google Shape;108;g30672c15db7_0_762:notes"/>
-          <p:cNvSpPr txBox="1"/>
+          <p:cNvSpPr txBox="1">
+            <a:spLocks noGrp="1"/>
+          </p:cNvSpPr>
           <p:nvPr>
-            <p:ph idx="1" type="body"/>
+            <p:ph type="body" idx="1"/>
           </p:nvPr>
         </p:nvSpPr>
         <p:spPr>
@@ -1172,12 +1336,12 @@
           </a:prstGeom>
         </p:spPr>
         <p:txBody>
-          <a:bodyPr anchorCtr="0" anchor="t" bIns="91425" lIns="91425" spcFirstLastPara="1" rIns="91425" wrap="square" tIns="91425">
+          <a:bodyPr spcFirstLastPara="1" wrap="square" lIns="91425" tIns="91425" rIns="91425" bIns="91425" anchor="t" anchorCtr="0">
             <a:noAutofit/>
           </a:bodyPr>
           <a:lstStyle/>
           <a:p>
-            <a:pPr indent="0" lvl="0" marL="0" rtl="0" algn="l">
+            <a:pPr marL="0" lvl="0" indent="0" algn="l" rtl="0">
               <a:spcBef>
                 <a:spcPts val="0"/>
               </a:spcBef>
@@ -1186,9 +1350,6 @@
               </a:spcAft>
               <a:buNone/>
             </a:pPr>
-            <a:r>
-              <a:t/>
-            </a:r>
             <a:endParaRPr/>
           </a:p>
         </p:txBody>
@@ -1202,18 +1363,19 @@
 </file>
 
 <file path=ppt/slideLayouts/slideLayout1.xml><?xml version="1.0" encoding="utf-8"?>
-<p:sldLayout xmlns:a="http://schemas.openxmlformats.org/drawingml/2006/main" xmlns:r="http://schemas.openxmlformats.org/officeDocument/2006/relationships" xmlns:mc="http://schemas.openxmlformats.org/markup-compatibility/2006" xmlns:mv="urn:schemas-microsoft-com:mac:vml" xmlns:p="http://schemas.openxmlformats.org/presentationml/2006/main" xmlns:c="http://schemas.openxmlformats.org/drawingml/2006/chart" xmlns:dgm="http://schemas.openxmlformats.org/drawingml/2006/diagram" xmlns:o="urn:schemas-microsoft-com:office:office" xmlns:v="urn:schemas-microsoft-com:vml" xmlns:pvml="urn:schemas-microsoft-com:office:powerpoint" xmlns:com="http://schemas.openxmlformats.org/drawingml/2006/compatibility" xmlns:p14="http://schemas.microsoft.com/office/powerpoint/2010/main" xmlns:p15="http://schemas.microsoft.com/office/powerpoint/2012/main" xmlns:ahyp="http://schemas.microsoft.com/office/drawing/2018/hyperlinkcolor" matchingName="Title Slide" showMasterSp="0" type="title">
+<p:sldLayout xmlns:a="http://schemas.openxmlformats.org/drawingml/2006/main" xmlns:r="http://schemas.openxmlformats.org/officeDocument/2006/relationships" xmlns:p="http://schemas.openxmlformats.org/presentationml/2006/main" showMasterSp="0" matchingName="Title Slide" type="title">
   <p:cSld name="TITLE">
     <p:bg>
       <p:bgPr>
         <a:solidFill>
           <a:schemeClr val="lt1"/>
         </a:solidFill>
+        <a:effectLst/>
       </p:bgPr>
     </p:bg>
     <p:spTree>
       <p:nvGrpSpPr>
-        <p:cNvPr id="12" name="Shape 12"/>
+        <p:cNvPr id="1" name="Shape 12"/>
         <p:cNvGrpSpPr/>
         <p:nvPr/>
       </p:nvGrpSpPr>
@@ -1247,12 +1409,12 @@
           </a:ln>
         </p:spPr>
         <p:txBody>
-          <a:bodyPr anchorCtr="0" anchor="ctr" bIns="0" lIns="0" spcFirstLastPara="1" rIns="0" wrap="square" tIns="0">
+          <a:bodyPr spcFirstLastPara="1" wrap="square" lIns="0" tIns="0" rIns="0" bIns="0" anchor="ctr" anchorCtr="0">
             <a:noAutofit/>
           </a:bodyPr>
           <a:lstStyle/>
           <a:p>
-            <a:pPr indent="0" lvl="0" marL="0" marR="0" rtl="0" algn="l">
+            <a:pPr marL="0" marR="0" lvl="0" indent="0" algn="l" rtl="0">
               <a:spcBef>
                 <a:spcPts val="0"/>
               </a:spcBef>
@@ -1261,10 +1423,7 @@
               </a:spcAft>
               <a:buNone/>
             </a:pPr>
-            <a:r>
-              <a:t/>
-            </a:r>
-            <a:endParaRPr b="0" i="0" sz="1200" u="none" cap="none" strike="noStrike">
+            <a:endParaRPr sz="1200" b="0" i="0" u="none" strike="noStrike" cap="none">
               <a:solidFill>
                 <a:schemeClr val="dk1"/>
               </a:solidFill>
@@ -1297,7 +1456,7 @@
             <a:noFill/>
           </a:ln>
           <a:effectLst>
-            <a:outerShdw blurRad="254000" rotWithShape="0" dir="2700000" dist="25400">
+            <a:outerShdw blurRad="254000" dist="25400" dir="2700000" rotWithShape="0">
               <a:srgbClr val="1F2125">
                 <a:alpha val="14901"/>
               </a:srgbClr>
@@ -1305,12 +1464,12 @@
           </a:effectLst>
         </p:spPr>
         <p:txBody>
-          <a:bodyPr anchorCtr="0" anchor="ctr" bIns="0" lIns="0" spcFirstLastPara="1" rIns="0" wrap="square" tIns="0">
+          <a:bodyPr spcFirstLastPara="1" wrap="square" lIns="0" tIns="0" rIns="0" bIns="0" anchor="ctr" anchorCtr="0">
             <a:noAutofit/>
           </a:bodyPr>
           <a:lstStyle/>
           <a:p>
-            <a:pPr indent="0" lvl="0" marL="0" marR="0" rtl="0" algn="l">
+            <a:pPr marL="0" marR="0" lvl="0" indent="0" algn="l" rtl="0">
               <a:spcBef>
                 <a:spcPts val="0"/>
               </a:spcBef>
@@ -1319,10 +1478,7 @@
               </a:spcAft>
               <a:buNone/>
             </a:pPr>
-            <a:r>
-              <a:t/>
-            </a:r>
-            <a:endParaRPr b="0" i="0" sz="1200" u="none" cap="none" strike="noStrike">
+            <a:endParaRPr sz="1200" b="0" i="0" u="none" strike="noStrike" cap="none">
               <a:solidFill>
                 <a:schemeClr val="dk1"/>
               </a:solidFill>
@@ -1337,7 +1493,9 @@
       <p:sp>
         <p:nvSpPr>
           <p:cNvPr id="15" name="Google Shape;15;p2"/>
-          <p:cNvSpPr txBox="1"/>
+          <p:cNvSpPr txBox="1">
+            <a:spLocks noGrp="1"/>
+          </p:cNvSpPr>
           <p:nvPr>
             <p:ph type="ctrTitle"/>
           </p:nvPr>
@@ -1356,7 +1514,7 @@
           </a:ln>
         </p:spPr>
         <p:txBody>
-          <a:bodyPr anchorCtr="0" anchor="b" bIns="34275" lIns="68575" spcFirstLastPara="1" rIns="68575" wrap="square" tIns="34275">
+          <a:bodyPr spcFirstLastPara="1" wrap="square" lIns="68575" tIns="34275" rIns="68575" bIns="34275" anchor="b" anchorCtr="0">
             <a:normAutofit/>
           </a:bodyPr>
           <a:lstStyle>
@@ -1471,15 +1629,19 @@
               <a:defRPr/>
             </a:lvl9pPr>
           </a:lstStyle>
-          <a:p/>
+          <a:p>
+            <a:endParaRPr/>
+          </a:p>
         </p:txBody>
       </p:sp>
       <p:sp>
         <p:nvSpPr>
           <p:cNvPr id="16" name="Google Shape;16;p2"/>
-          <p:cNvSpPr txBox="1"/>
+          <p:cNvSpPr txBox="1">
+            <a:spLocks noGrp="1"/>
+          </p:cNvSpPr>
           <p:nvPr>
-            <p:ph idx="1" type="subTitle"/>
+            <p:ph type="subTitle" idx="1"/>
           </p:nvPr>
         </p:nvSpPr>
         <p:spPr>
@@ -1496,7 +1658,7 @@
           </a:ln>
         </p:spPr>
         <p:txBody>
-          <a:bodyPr anchorCtr="0" anchor="t" bIns="34275" lIns="68575" spcFirstLastPara="1" rIns="68575" wrap="square" tIns="34275">
+          <a:bodyPr spcFirstLastPara="1" wrap="square" lIns="68575" tIns="34275" rIns="68575" bIns="34275" anchor="t" anchorCtr="0">
             <a:normAutofit/>
           </a:bodyPr>
           <a:lstStyle>
@@ -1647,7 +1809,9 @@
               <a:defRPr sz="1500"/>
             </a:lvl9pPr>
           </a:lstStyle>
-          <a:p/>
+          <a:p>
+            <a:endParaRPr/>
+          </a:p>
         </p:txBody>
       </p:sp>
     </p:spTree>
@@ -1659,11 +1823,11 @@
 </file>
 
 <file path=ppt/slideLayouts/slideLayout10.xml><?xml version="1.0" encoding="utf-8"?>
-<p:sldLayout xmlns:a="http://schemas.openxmlformats.org/drawingml/2006/main" xmlns:r="http://schemas.openxmlformats.org/officeDocument/2006/relationships" xmlns:mc="http://schemas.openxmlformats.org/markup-compatibility/2006" xmlns:mv="urn:schemas-microsoft-com:mac:vml" xmlns:p="http://schemas.openxmlformats.org/presentationml/2006/main" xmlns:c="http://schemas.openxmlformats.org/drawingml/2006/chart" xmlns:dgm="http://schemas.openxmlformats.org/drawingml/2006/diagram" xmlns:o="urn:schemas-microsoft-com:office:office" xmlns:v="urn:schemas-microsoft-com:vml" xmlns:pvml="urn:schemas-microsoft-com:office:powerpoint" xmlns:com="http://schemas.openxmlformats.org/drawingml/2006/compatibility" xmlns:p14="http://schemas.microsoft.com/office/powerpoint/2010/main" xmlns:p15="http://schemas.microsoft.com/office/powerpoint/2012/main" xmlns:ahyp="http://schemas.microsoft.com/office/drawing/2018/hyperlinkcolor" matchingName="Title and body" type="tx">
+<p:sldLayout xmlns:a="http://schemas.openxmlformats.org/drawingml/2006/main" xmlns:r="http://schemas.openxmlformats.org/officeDocument/2006/relationships" xmlns:p="http://schemas.openxmlformats.org/presentationml/2006/main" matchingName="Title and body" type="tx">
   <p:cSld name="TITLE_AND_BODY">
     <p:spTree>
       <p:nvGrpSpPr>
-        <p:cNvPr id="71" name="Shape 71"/>
+        <p:cNvPr id="1" name="Shape 71"/>
         <p:cNvGrpSpPr/>
         <p:nvPr/>
       </p:nvGrpSpPr>
@@ -1711,12 +1875,12 @@
             </a:ln>
           </p:spPr>
           <p:txBody>
-            <a:bodyPr anchorCtr="0" anchor="ctr" bIns="91425" lIns="91425" spcFirstLastPara="1" rIns="91425" wrap="square" tIns="91425">
+            <a:bodyPr spcFirstLastPara="1" wrap="square" lIns="91425" tIns="91425" rIns="91425" bIns="91425" anchor="ctr" anchorCtr="0">
               <a:noAutofit/>
             </a:bodyPr>
             <a:lstStyle/>
             <a:p>
-              <a:pPr indent="0" lvl="0" marL="0" rtl="0" algn="l">
+              <a:pPr marL="0" lvl="0" indent="0" algn="l" rtl="0">
                 <a:spcBef>
                   <a:spcPts val="0"/>
                 </a:spcBef>
@@ -1725,9 +1889,6 @@
                 </a:spcAft>
                 <a:buNone/>
               </a:pPr>
-              <a:r>
-                <a:t/>
-              </a:r>
               <a:endParaRPr/>
             </a:p>
           </p:txBody>
@@ -1754,12 +1915,12 @@
             </a:ln>
           </p:spPr>
           <p:txBody>
-            <a:bodyPr anchorCtr="0" anchor="ctr" bIns="91425" lIns="91425" spcFirstLastPara="1" rIns="91425" wrap="square" tIns="91425">
+            <a:bodyPr spcFirstLastPara="1" wrap="square" lIns="91425" tIns="91425" rIns="91425" bIns="91425" anchor="ctr" anchorCtr="0">
               <a:noAutofit/>
             </a:bodyPr>
             <a:lstStyle/>
             <a:p>
-              <a:pPr indent="0" lvl="0" marL="0" rtl="0" algn="l">
+              <a:pPr marL="0" lvl="0" indent="0" algn="l" rtl="0">
                 <a:spcBef>
                   <a:spcPts val="0"/>
                 </a:spcBef>
@@ -1768,9 +1929,6 @@
                 </a:spcAft>
                 <a:buNone/>
               </a:pPr>
-              <a:r>
-                <a:t/>
-              </a:r>
               <a:endParaRPr/>
             </a:p>
           </p:txBody>
@@ -1797,12 +1955,12 @@
             </a:ln>
           </p:spPr>
           <p:txBody>
-            <a:bodyPr anchorCtr="0" anchor="ctr" bIns="91425" lIns="91425" spcFirstLastPara="1" rIns="91425" wrap="square" tIns="91425">
+            <a:bodyPr spcFirstLastPara="1" wrap="square" lIns="91425" tIns="91425" rIns="91425" bIns="91425" anchor="ctr" anchorCtr="0">
               <a:noAutofit/>
             </a:bodyPr>
             <a:lstStyle/>
             <a:p>
-              <a:pPr indent="0" lvl="0" marL="0" rtl="0" algn="l">
+              <a:pPr marL="0" lvl="0" indent="0" algn="l" rtl="0">
                 <a:spcBef>
                   <a:spcPts val="0"/>
                 </a:spcBef>
@@ -1811,9 +1969,6 @@
                 </a:spcAft>
                 <a:buNone/>
               </a:pPr>
-              <a:r>
-                <a:t/>
-              </a:r>
               <a:endParaRPr/>
             </a:p>
           </p:txBody>
@@ -1840,12 +1995,12 @@
             </a:ln>
           </p:spPr>
           <p:txBody>
-            <a:bodyPr anchorCtr="0" anchor="ctr" bIns="91425" lIns="91425" spcFirstLastPara="1" rIns="91425" wrap="square" tIns="91425">
+            <a:bodyPr spcFirstLastPara="1" wrap="square" lIns="91425" tIns="91425" rIns="91425" bIns="91425" anchor="ctr" anchorCtr="0">
               <a:noAutofit/>
             </a:bodyPr>
             <a:lstStyle/>
             <a:p>
-              <a:pPr indent="0" lvl="0" marL="0" rtl="0" algn="l">
+              <a:pPr marL="0" lvl="0" indent="0" algn="l" rtl="0">
                 <a:spcBef>
                   <a:spcPts val="0"/>
                 </a:spcBef>
@@ -1854,9 +2009,6 @@
                 </a:spcAft>
                 <a:buNone/>
               </a:pPr>
-              <a:r>
-                <a:t/>
-              </a:r>
               <a:endParaRPr/>
             </a:p>
           </p:txBody>
@@ -1883,12 +2035,12 @@
             </a:ln>
           </p:spPr>
           <p:txBody>
-            <a:bodyPr anchorCtr="0" anchor="ctr" bIns="91425" lIns="91425" spcFirstLastPara="1" rIns="91425" wrap="square" tIns="91425">
+            <a:bodyPr spcFirstLastPara="1" wrap="square" lIns="91425" tIns="91425" rIns="91425" bIns="91425" anchor="ctr" anchorCtr="0">
               <a:noAutofit/>
             </a:bodyPr>
             <a:lstStyle/>
             <a:p>
-              <a:pPr indent="0" lvl="0" marL="0" rtl="0" algn="l">
+              <a:pPr marL="0" lvl="0" indent="0" algn="l" rtl="0">
                 <a:spcBef>
                   <a:spcPts val="0"/>
                 </a:spcBef>
@@ -1897,9 +2049,6 @@
                 </a:spcAft>
                 <a:buNone/>
               </a:pPr>
-              <a:r>
-                <a:t/>
-              </a:r>
               <a:endParaRPr/>
             </a:p>
           </p:txBody>
@@ -1908,7 +2057,9 @@
       <p:sp>
         <p:nvSpPr>
           <p:cNvPr id="78" name="Google Shape;78;p11"/>
-          <p:cNvSpPr txBox="1"/>
+          <p:cNvSpPr txBox="1">
+            <a:spLocks noGrp="1"/>
+          </p:cNvSpPr>
           <p:nvPr>
             <p:ph type="title"/>
           </p:nvPr>
@@ -1923,7 +2074,7 @@
           </a:prstGeom>
         </p:spPr>
         <p:txBody>
-          <a:bodyPr anchorCtr="0" anchor="ctr" bIns="34275" lIns="68575" spcFirstLastPara="1" rIns="68575" wrap="square" tIns="34275">
+          <a:bodyPr spcFirstLastPara="1" wrap="square" lIns="68575" tIns="34275" rIns="68575" bIns="34275" anchor="ctr" anchorCtr="0">
             <a:normAutofit/>
           </a:bodyPr>
           <a:lstStyle>
@@ -2027,15 +2178,19 @@
               <a:defRPr/>
             </a:lvl9pPr>
           </a:lstStyle>
-          <a:p/>
+          <a:p>
+            <a:endParaRPr/>
+          </a:p>
         </p:txBody>
       </p:sp>
       <p:sp>
         <p:nvSpPr>
           <p:cNvPr id="79" name="Google Shape;79;p11"/>
-          <p:cNvSpPr txBox="1"/>
+          <p:cNvSpPr txBox="1">
+            <a:spLocks noGrp="1"/>
+          </p:cNvSpPr>
           <p:nvPr>
-            <p:ph idx="1" type="body"/>
+            <p:ph type="body" idx="1"/>
           </p:nvPr>
         </p:nvSpPr>
         <p:spPr>
@@ -2048,11 +2203,11 @@
           </a:prstGeom>
         </p:spPr>
         <p:txBody>
-          <a:bodyPr anchorCtr="0" anchor="t" bIns="34275" lIns="0" spcFirstLastPara="1" rIns="0" wrap="square" tIns="34275">
+          <a:bodyPr spcFirstLastPara="1" wrap="square" lIns="0" tIns="34275" rIns="0" bIns="34275" anchor="t" anchorCtr="0">
             <a:normAutofit/>
           </a:bodyPr>
           <a:lstStyle>
-            <a:lvl1pPr indent="-323850" lvl="0" marL="457200">
+            <a:lvl1pPr marL="457200" lvl="0" indent="-323850">
               <a:spcBef>
                 <a:spcPts val="900"/>
               </a:spcBef>
@@ -2063,7 +2218,7 @@
               <a:buChar char=" "/>
               <a:defRPr/>
             </a:lvl1pPr>
-            <a:lvl2pPr indent="-317500" lvl="1" marL="914400">
+            <a:lvl2pPr marL="914400" lvl="1" indent="-317500">
               <a:spcBef>
                 <a:spcPts val="200"/>
               </a:spcBef>
@@ -2074,7 +2229,7 @@
               <a:buChar char="◦"/>
               <a:defRPr/>
             </a:lvl2pPr>
-            <a:lvl3pPr indent="-298450" lvl="2" marL="1371600">
+            <a:lvl3pPr marL="1371600" lvl="2" indent="-298450">
               <a:spcBef>
                 <a:spcPts val="300"/>
               </a:spcBef>
@@ -2085,7 +2240,7 @@
               <a:buChar char="◦"/>
               <a:defRPr/>
             </a:lvl3pPr>
-            <a:lvl4pPr indent="-298450" lvl="3" marL="1828800">
+            <a:lvl4pPr marL="1828800" lvl="3" indent="-298450">
               <a:spcBef>
                 <a:spcPts val="300"/>
               </a:spcBef>
@@ -2096,7 +2251,7 @@
               <a:buChar char="◦"/>
               <a:defRPr/>
             </a:lvl4pPr>
-            <a:lvl5pPr indent="-298450" lvl="4" marL="2286000">
+            <a:lvl5pPr marL="2286000" lvl="4" indent="-298450">
               <a:spcBef>
                 <a:spcPts val="300"/>
               </a:spcBef>
@@ -2107,7 +2262,7 @@
               <a:buChar char="◦"/>
               <a:defRPr/>
             </a:lvl5pPr>
-            <a:lvl6pPr indent="-298450" lvl="5" marL="2743200">
+            <a:lvl6pPr marL="2743200" lvl="5" indent="-298450">
               <a:spcBef>
                 <a:spcPts val="300"/>
               </a:spcBef>
@@ -2118,7 +2273,7 @@
               <a:buChar char="◦"/>
               <a:defRPr/>
             </a:lvl6pPr>
-            <a:lvl7pPr indent="-298450" lvl="6" marL="3200400">
+            <a:lvl7pPr marL="3200400" lvl="6" indent="-298450">
               <a:spcBef>
                 <a:spcPts val="300"/>
               </a:spcBef>
@@ -2129,7 +2284,7 @@
               <a:buChar char="◦"/>
               <a:defRPr/>
             </a:lvl7pPr>
-            <a:lvl8pPr indent="-298450" lvl="7" marL="3657600">
+            <a:lvl8pPr marL="3657600" lvl="7" indent="-298450">
               <a:spcBef>
                 <a:spcPts val="300"/>
               </a:spcBef>
@@ -2140,7 +2295,7 @@
               <a:buChar char="◦"/>
               <a:defRPr/>
             </a:lvl8pPr>
-            <a:lvl9pPr indent="-298450" lvl="8" marL="4114800">
+            <a:lvl9pPr marL="4114800" lvl="8" indent="-298450">
               <a:spcBef>
                 <a:spcPts val="300"/>
               </a:spcBef>
@@ -2152,15 +2307,19 @@
               <a:defRPr/>
             </a:lvl9pPr>
           </a:lstStyle>
-          <a:p/>
+          <a:p>
+            <a:endParaRPr/>
+          </a:p>
         </p:txBody>
       </p:sp>
       <p:sp>
         <p:nvSpPr>
           <p:cNvPr id="80" name="Google Shape;80;p11"/>
-          <p:cNvSpPr txBox="1"/>
+          <p:cNvSpPr txBox="1">
+            <a:spLocks noGrp="1"/>
+          </p:cNvSpPr>
           <p:nvPr>
-            <p:ph idx="12" type="sldNum"/>
+            <p:ph type="sldNum" idx="12"/>
           </p:nvPr>
         </p:nvSpPr>
         <p:spPr>
@@ -2173,7 +2332,7 @@
           </a:prstGeom>
         </p:spPr>
         <p:txBody>
-          <a:bodyPr anchorCtr="0" anchor="ctr" bIns="34275" lIns="68575" spcFirstLastPara="1" rIns="68575" wrap="square" tIns="34275">
+          <a:bodyPr spcFirstLastPara="1" wrap="square" lIns="68575" tIns="34275" rIns="68575" bIns="34275" anchor="ctr" anchorCtr="0">
             <a:noAutofit/>
           </a:bodyPr>
           <a:lstStyle>
@@ -2215,7 +2374,7 @@
             </a:lvl9pPr>
           </a:lstStyle>
           <a:p>
-            <a:pPr indent="0" lvl="0" marL="0" rtl="0" algn="l">
+            <a:pPr marL="0" lvl="0" indent="0" algn="l" rtl="0">
               <a:spcBef>
                 <a:spcPts val="0"/>
               </a:spcBef>
@@ -2241,18 +2400,19 @@
 </file>
 
 <file path=ppt/slideLayouts/slideLayout2.xml><?xml version="1.0" encoding="utf-8"?>
-<p:sldLayout xmlns:a="http://schemas.openxmlformats.org/drawingml/2006/main" xmlns:r="http://schemas.openxmlformats.org/officeDocument/2006/relationships" xmlns:mc="http://schemas.openxmlformats.org/markup-compatibility/2006" xmlns:mv="urn:schemas-microsoft-com:mac:vml" xmlns:p="http://schemas.openxmlformats.org/presentationml/2006/main" xmlns:c="http://schemas.openxmlformats.org/drawingml/2006/chart" xmlns:dgm="http://schemas.openxmlformats.org/drawingml/2006/diagram" xmlns:o="urn:schemas-microsoft-com:office:office" xmlns:v="urn:schemas-microsoft-com:vml" xmlns:pvml="urn:schemas-microsoft-com:office:powerpoint" xmlns:com="http://schemas.openxmlformats.org/drawingml/2006/compatibility" xmlns:p14="http://schemas.microsoft.com/office/powerpoint/2010/main" xmlns:p15="http://schemas.microsoft.com/office/powerpoint/2012/main" xmlns:ahyp="http://schemas.microsoft.com/office/drawing/2018/hyperlinkcolor" matchingName="Title and Content">
+<p:sldLayout xmlns:a="http://schemas.openxmlformats.org/drawingml/2006/main" xmlns:r="http://schemas.openxmlformats.org/officeDocument/2006/relationships" xmlns:p="http://schemas.openxmlformats.org/presentationml/2006/main" matchingName="Title and Content">
   <p:cSld name="Title and Content">
     <p:bg>
       <p:bgPr>
         <a:solidFill>
           <a:schemeClr val="lt1"/>
         </a:solidFill>
+        <a:effectLst/>
       </p:bgPr>
     </p:bg>
     <p:spTree>
       <p:nvGrpSpPr>
-        <p:cNvPr id="17" name="Shape 17"/>
+        <p:cNvPr id="1" name="Shape 17"/>
         <p:cNvGrpSpPr/>
         <p:nvPr/>
       </p:nvGrpSpPr>
@@ -2285,7 +2445,7 @@
             <a:noFill/>
           </a:ln>
           <a:effectLst>
-            <a:outerShdw blurRad="254000" rotWithShape="0" dir="2700000" dist="25400">
+            <a:outerShdw blurRad="254000" dist="25400" dir="2700000" rotWithShape="0">
               <a:srgbClr val="1F2125">
                 <a:alpha val="14901"/>
               </a:srgbClr>
@@ -2293,12 +2453,12 @@
           </a:effectLst>
         </p:spPr>
         <p:txBody>
-          <a:bodyPr anchorCtr="0" anchor="ctr" bIns="0" lIns="0" spcFirstLastPara="1" rIns="0" wrap="square" tIns="0">
+          <a:bodyPr spcFirstLastPara="1" wrap="square" lIns="0" tIns="0" rIns="0" bIns="0" anchor="ctr" anchorCtr="0">
             <a:noAutofit/>
           </a:bodyPr>
           <a:lstStyle/>
           <a:p>
-            <a:pPr indent="0" lvl="0" marL="0" marR="0" rtl="0" algn="l">
+            <a:pPr marL="0" marR="0" lvl="0" indent="0" algn="l" rtl="0">
               <a:spcBef>
                 <a:spcPts val="0"/>
               </a:spcBef>
@@ -2307,10 +2467,7 @@
               </a:spcAft>
               <a:buNone/>
             </a:pPr>
-            <a:r>
-              <a:t/>
-            </a:r>
-            <a:endParaRPr b="0" i="0" sz="1200" u="none" cap="none" strike="noStrike">
+            <a:endParaRPr sz="1200" b="0" i="0" u="none" strike="noStrike" cap="none">
               <a:solidFill>
                 <a:schemeClr val="dk1"/>
               </a:solidFill>
@@ -2325,9 +2482,11 @@
       <p:sp>
         <p:nvSpPr>
           <p:cNvPr id="19" name="Google Shape;19;p3"/>
-          <p:cNvSpPr txBox="1"/>
+          <p:cNvSpPr txBox="1">
+            <a:spLocks noGrp="1"/>
+          </p:cNvSpPr>
           <p:nvPr>
-            <p:ph idx="1" type="body"/>
+            <p:ph type="body" idx="1"/>
           </p:nvPr>
         </p:nvSpPr>
         <p:spPr>
@@ -2344,11 +2503,11 @@
           </a:ln>
         </p:spPr>
         <p:txBody>
-          <a:bodyPr anchorCtr="0" anchor="t" bIns="34275" lIns="0" spcFirstLastPara="1" rIns="0" wrap="square" tIns="34275">
+          <a:bodyPr spcFirstLastPara="1" wrap="square" lIns="0" tIns="34275" rIns="0" bIns="34275" anchor="t" anchorCtr="0">
             <a:normAutofit/>
           </a:bodyPr>
           <a:lstStyle>
-            <a:lvl1pPr indent="-323850" lvl="0" marL="457200" algn="l">
+            <a:lvl1pPr marL="457200" lvl="0" indent="-323850" algn="l">
               <a:lnSpc>
                 <a:spcPct val="100000"/>
               </a:lnSpc>
@@ -2366,7 +2525,7 @@
                 </a:solidFill>
               </a:defRPr>
             </a:lvl1pPr>
-            <a:lvl2pPr indent="-317500" lvl="1" marL="914400" algn="l">
+            <a:lvl2pPr marL="914400" lvl="1" indent="-317500" algn="l">
               <a:lnSpc>
                 <a:spcPct val="100000"/>
               </a:lnSpc>
@@ -2387,7 +2546,7 @@
                 </a:solidFill>
               </a:defRPr>
             </a:lvl2pPr>
-            <a:lvl3pPr indent="-298450" lvl="2" marL="1371600" algn="l">
+            <a:lvl3pPr marL="1371600" lvl="2" indent="-298450" algn="l">
               <a:lnSpc>
                 <a:spcPct val="100000"/>
               </a:lnSpc>
@@ -2408,7 +2567,7 @@
                 </a:solidFill>
               </a:defRPr>
             </a:lvl3pPr>
-            <a:lvl4pPr indent="-298450" lvl="3" marL="1828800" algn="l">
+            <a:lvl4pPr marL="1828800" lvl="3" indent="-298450" algn="l">
               <a:lnSpc>
                 <a:spcPct val="100000"/>
               </a:lnSpc>
@@ -2429,7 +2588,7 @@
                 </a:solidFill>
               </a:defRPr>
             </a:lvl4pPr>
-            <a:lvl5pPr indent="-298450" lvl="4" marL="2286000" algn="l">
+            <a:lvl5pPr marL="2286000" lvl="4" indent="-298450" algn="l">
               <a:lnSpc>
                 <a:spcPct val="100000"/>
               </a:lnSpc>
@@ -2450,7 +2609,7 @@
                 </a:solidFill>
               </a:defRPr>
             </a:lvl5pPr>
-            <a:lvl6pPr indent="-317500" lvl="5" marL="2743200" algn="l">
+            <a:lvl6pPr marL="2743200" lvl="5" indent="-317500" algn="l">
               <a:lnSpc>
                 <a:spcPct val="90000"/>
               </a:lnSpc>
@@ -2464,7 +2623,7 @@
               <a:buChar char="◦"/>
               <a:defRPr/>
             </a:lvl6pPr>
-            <a:lvl7pPr indent="-317500" lvl="6" marL="3200400" algn="l">
+            <a:lvl7pPr marL="3200400" lvl="6" indent="-317500" algn="l">
               <a:lnSpc>
                 <a:spcPct val="90000"/>
               </a:lnSpc>
@@ -2478,7 +2637,7 @@
               <a:buChar char="◦"/>
               <a:defRPr/>
             </a:lvl7pPr>
-            <a:lvl8pPr indent="-317500" lvl="7" marL="3657600" algn="l">
+            <a:lvl8pPr marL="3657600" lvl="7" indent="-317500" algn="l">
               <a:lnSpc>
                 <a:spcPct val="90000"/>
               </a:lnSpc>
@@ -2492,7 +2651,7 @@
               <a:buChar char="◦"/>
               <a:defRPr/>
             </a:lvl8pPr>
-            <a:lvl9pPr indent="-317500" lvl="8" marL="4114800" algn="l">
+            <a:lvl9pPr marL="4114800" lvl="8" indent="-317500" algn="l">
               <a:lnSpc>
                 <a:spcPct val="90000"/>
               </a:lnSpc>
@@ -2507,13 +2666,17 @@
               <a:defRPr/>
             </a:lvl9pPr>
           </a:lstStyle>
-          <a:p/>
+          <a:p>
+            <a:endParaRPr/>
+          </a:p>
         </p:txBody>
       </p:sp>
       <p:sp>
         <p:nvSpPr>
           <p:cNvPr id="20" name="Google Shape;20;p3"/>
-          <p:cNvSpPr txBox="1"/>
+          <p:cNvSpPr txBox="1">
+            <a:spLocks noGrp="1"/>
+          </p:cNvSpPr>
           <p:nvPr>
             <p:ph type="title"/>
           </p:nvPr>
@@ -2532,7 +2695,7 @@
           </a:ln>
         </p:spPr>
         <p:txBody>
-          <a:bodyPr anchorCtr="0" anchor="ctr" bIns="34275" lIns="68575" spcFirstLastPara="1" rIns="68575" wrap="square" tIns="34275">
+          <a:bodyPr spcFirstLastPara="1" wrap="square" lIns="68575" tIns="34275" rIns="68575" bIns="34275" anchor="ctr" anchorCtr="0">
             <a:normAutofit/>
           </a:bodyPr>
           <a:lstStyle>
@@ -2643,7 +2806,9 @@
               <a:defRPr/>
             </a:lvl9pPr>
           </a:lstStyle>
-          <a:p/>
+          <a:p>
+            <a:endParaRPr/>
+          </a:p>
         </p:txBody>
       </p:sp>
     </p:spTree>
@@ -2653,7 +2818,7 @@
   </p:clrMapOvr>
   <p:extLst>
     <p:ext uri="{DCECCB84-F9BA-43D5-87BE-67443E8EF086}">
-      <p15:sldGuideLst>
+      <p15:sldGuideLst xmlns:p15="http://schemas.microsoft.com/office/powerpoint/2012/main">
         <p15:guide id="1" orient="horz" pos="810">
           <p15:clr>
             <a:srgbClr val="FBAE40"/>
@@ -2666,18 +2831,19 @@
 </file>
 
 <file path=ppt/slideLayouts/slideLayout3.xml><?xml version="1.0" encoding="utf-8"?>
-<p:sldLayout xmlns:a="http://schemas.openxmlformats.org/drawingml/2006/main" xmlns:r="http://schemas.openxmlformats.org/officeDocument/2006/relationships" xmlns:mc="http://schemas.openxmlformats.org/markup-compatibility/2006" xmlns:mv="urn:schemas-microsoft-com:mac:vml" xmlns:p="http://schemas.openxmlformats.org/presentationml/2006/main" xmlns:c="http://schemas.openxmlformats.org/drawingml/2006/chart" xmlns:dgm="http://schemas.openxmlformats.org/drawingml/2006/diagram" xmlns:o="urn:schemas-microsoft-com:office:office" xmlns:v="urn:schemas-microsoft-com:vml" xmlns:pvml="urn:schemas-microsoft-com:office:powerpoint" xmlns:com="http://schemas.openxmlformats.org/drawingml/2006/compatibility" xmlns:p14="http://schemas.microsoft.com/office/powerpoint/2010/main" xmlns:p15="http://schemas.microsoft.com/office/powerpoint/2012/main" xmlns:ahyp="http://schemas.microsoft.com/office/drawing/2018/hyperlinkcolor" matchingName="Agenda" showMasterSp="0">
+<p:sldLayout xmlns:a="http://schemas.openxmlformats.org/drawingml/2006/main" xmlns:r="http://schemas.openxmlformats.org/officeDocument/2006/relationships" xmlns:p="http://schemas.openxmlformats.org/presentationml/2006/main" showMasterSp="0" matchingName="Agenda">
   <p:cSld name="Agenda">
     <p:bg>
       <p:bgPr>
         <a:solidFill>
           <a:schemeClr val="lt1"/>
         </a:solidFill>
+        <a:effectLst/>
       </p:bgPr>
     </p:bg>
     <p:spTree>
       <p:nvGrpSpPr>
-        <p:cNvPr id="21" name="Shape 21"/>
+        <p:cNvPr id="1" name="Shape 21"/>
         <p:cNvGrpSpPr/>
         <p:nvPr/>
       </p:nvGrpSpPr>
@@ -2692,9 +2858,11 @@
       <p:sp>
         <p:nvSpPr>
           <p:cNvPr id="22" name="Google Shape;22;p4"/>
-          <p:cNvSpPr txBox="1"/>
+          <p:cNvSpPr txBox="1">
+            <a:spLocks noGrp="1"/>
+          </p:cNvSpPr>
           <p:nvPr>
-            <p:ph idx="10" type="dt"/>
+            <p:ph type="dt" idx="10"/>
           </p:nvPr>
         </p:nvSpPr>
         <p:spPr>
@@ -2711,7 +2879,7 @@
           </a:ln>
         </p:spPr>
         <p:txBody>
-          <a:bodyPr anchorCtr="0" anchor="ctr" bIns="34275" lIns="68575" spcFirstLastPara="1" rIns="68575" wrap="square" tIns="34275">
+          <a:bodyPr spcFirstLastPara="1" wrap="square" lIns="68575" tIns="34275" rIns="68575" bIns="34275" anchor="ctr" anchorCtr="0">
             <a:noAutofit/>
           </a:bodyPr>
           <a:lstStyle>
@@ -2815,15 +2983,19 @@
               <a:defRPr/>
             </a:lvl9pPr>
           </a:lstStyle>
-          <a:p/>
+          <a:p>
+            <a:endParaRPr/>
+          </a:p>
         </p:txBody>
       </p:sp>
       <p:sp>
         <p:nvSpPr>
           <p:cNvPr id="23" name="Google Shape;23;p4"/>
-          <p:cNvSpPr txBox="1"/>
+          <p:cNvSpPr txBox="1">
+            <a:spLocks noGrp="1"/>
+          </p:cNvSpPr>
           <p:nvPr>
-            <p:ph idx="12" type="sldNum"/>
+            <p:ph type="sldNum" idx="12"/>
           </p:nvPr>
         </p:nvSpPr>
         <p:spPr>
@@ -2840,67 +3012,67 @@
           </a:ln>
         </p:spPr>
         <p:txBody>
-          <a:bodyPr anchorCtr="0" anchor="ctr" bIns="34275" lIns="68575" spcFirstLastPara="1" rIns="68575" wrap="square" tIns="34275">
+          <a:bodyPr spcFirstLastPara="1" wrap="square" lIns="68575" tIns="34275" rIns="68575" bIns="34275" anchor="ctr" anchorCtr="0">
             <a:noAutofit/>
           </a:bodyPr>
           <a:lstStyle>
-            <a:lvl1pPr indent="0" lvl="0" marL="0" algn="l">
+            <a:lvl1pPr marL="0" lvl="0" indent="0" algn="l">
               <a:spcBef>
                 <a:spcPts val="0"/>
               </a:spcBef>
               <a:buNone/>
               <a:defRPr/>
             </a:lvl1pPr>
-            <a:lvl2pPr indent="0" lvl="1" marL="0" algn="l">
+            <a:lvl2pPr marL="0" lvl="1" indent="0" algn="l">
               <a:spcBef>
                 <a:spcPts val="0"/>
               </a:spcBef>
               <a:buNone/>
               <a:defRPr/>
             </a:lvl2pPr>
-            <a:lvl3pPr indent="0" lvl="2" marL="0" algn="l">
+            <a:lvl3pPr marL="0" lvl="2" indent="0" algn="l">
               <a:spcBef>
                 <a:spcPts val="0"/>
               </a:spcBef>
               <a:buNone/>
               <a:defRPr/>
             </a:lvl3pPr>
-            <a:lvl4pPr indent="0" lvl="3" marL="0" algn="l">
+            <a:lvl4pPr marL="0" lvl="3" indent="0" algn="l">
               <a:spcBef>
                 <a:spcPts val="0"/>
               </a:spcBef>
               <a:buNone/>
               <a:defRPr/>
             </a:lvl4pPr>
-            <a:lvl5pPr indent="0" lvl="4" marL="0" algn="l">
+            <a:lvl5pPr marL="0" lvl="4" indent="0" algn="l">
               <a:spcBef>
                 <a:spcPts val="0"/>
               </a:spcBef>
               <a:buNone/>
               <a:defRPr/>
             </a:lvl5pPr>
-            <a:lvl6pPr indent="0" lvl="5" marL="0" algn="l">
+            <a:lvl6pPr marL="0" lvl="5" indent="0" algn="l">
               <a:spcBef>
                 <a:spcPts val="0"/>
               </a:spcBef>
               <a:buNone/>
               <a:defRPr/>
             </a:lvl6pPr>
-            <a:lvl7pPr indent="0" lvl="6" marL="0" algn="l">
+            <a:lvl7pPr marL="0" lvl="6" indent="0" algn="l">
               <a:spcBef>
                 <a:spcPts val="0"/>
               </a:spcBef>
               <a:buNone/>
               <a:defRPr/>
             </a:lvl7pPr>
-            <a:lvl8pPr indent="0" lvl="7" marL="0" algn="l">
+            <a:lvl8pPr marL="0" lvl="7" indent="0" algn="l">
               <a:spcBef>
                 <a:spcPts val="0"/>
               </a:spcBef>
               <a:buNone/>
               <a:defRPr/>
             </a:lvl8pPr>
-            <a:lvl9pPr indent="0" lvl="8" marL="0" algn="l">
+            <a:lvl9pPr marL="0" lvl="8" indent="0" algn="l">
               <a:spcBef>
                 <a:spcPts val="0"/>
               </a:spcBef>
@@ -2909,7 +3081,7 @@
             </a:lvl9pPr>
           </a:lstStyle>
           <a:p>
-            <a:pPr indent="0" lvl="0" marL="0" rtl="0" algn="l">
+            <a:pPr marL="0" lvl="0" indent="0" algn="l" rtl="0">
               <a:spcBef>
                 <a:spcPts val="0"/>
               </a:spcBef>
@@ -2948,12 +3120,12 @@
           </a:ln>
         </p:spPr>
         <p:txBody>
-          <a:bodyPr anchorCtr="0" anchor="ctr" bIns="0" lIns="0" spcFirstLastPara="1" rIns="0" wrap="square" tIns="0">
+          <a:bodyPr spcFirstLastPara="1" wrap="square" lIns="0" tIns="0" rIns="0" bIns="0" anchor="ctr" anchorCtr="0">
             <a:noAutofit/>
           </a:bodyPr>
           <a:lstStyle/>
           <a:p>
-            <a:pPr indent="0" lvl="0" marL="0" marR="0" rtl="0" algn="l">
+            <a:pPr marL="0" marR="0" lvl="0" indent="0" algn="l" rtl="0">
               <a:spcBef>
                 <a:spcPts val="0"/>
               </a:spcBef>
@@ -2962,10 +3134,7 @@
               </a:spcAft>
               <a:buNone/>
             </a:pPr>
-            <a:r>
-              <a:t/>
-            </a:r>
-            <a:endParaRPr b="0" i="0" sz="1200" u="none" cap="none" strike="noStrike">
+            <a:endParaRPr sz="1200" b="0" i="0" u="none" strike="noStrike" cap="none">
               <a:solidFill>
                 <a:schemeClr val="dk1"/>
               </a:solidFill>
@@ -2998,7 +3167,7 @@
             <a:noFill/>
           </a:ln>
           <a:effectLst>
-            <a:outerShdw blurRad="254000" rotWithShape="0" dir="2700000" dist="25400">
+            <a:outerShdw blurRad="254000" dist="25400" dir="2700000" rotWithShape="0">
               <a:srgbClr val="1F2125">
                 <a:alpha val="14901"/>
               </a:srgbClr>
@@ -3006,12 +3175,12 @@
           </a:effectLst>
         </p:spPr>
         <p:txBody>
-          <a:bodyPr anchorCtr="0" anchor="ctr" bIns="0" lIns="0" spcFirstLastPara="1" rIns="0" wrap="square" tIns="0">
+          <a:bodyPr spcFirstLastPara="1" wrap="square" lIns="0" tIns="0" rIns="0" bIns="0" anchor="ctr" anchorCtr="0">
             <a:noAutofit/>
           </a:bodyPr>
           <a:lstStyle/>
           <a:p>
-            <a:pPr indent="0" lvl="0" marL="0" marR="0" rtl="0" algn="l">
+            <a:pPr marL="0" marR="0" lvl="0" indent="0" algn="l" rtl="0">
               <a:spcBef>
                 <a:spcPts val="0"/>
               </a:spcBef>
@@ -3020,10 +3189,7 @@
               </a:spcAft>
               <a:buNone/>
             </a:pPr>
-            <a:r>
-              <a:t/>
-            </a:r>
-            <a:endParaRPr b="0" i="0" sz="1200" u="none" cap="none" strike="noStrike">
+            <a:endParaRPr sz="1200" b="0" i="0" u="none" strike="noStrike" cap="none">
               <a:solidFill>
                 <a:schemeClr val="dk1"/>
               </a:solidFill>
@@ -3038,7 +3204,9 @@
       <p:sp>
         <p:nvSpPr>
           <p:cNvPr id="26" name="Google Shape;26;p4"/>
-          <p:cNvSpPr txBox="1"/>
+          <p:cNvSpPr txBox="1">
+            <a:spLocks noGrp="1"/>
+          </p:cNvSpPr>
           <p:nvPr>
             <p:ph type="title"/>
           </p:nvPr>
@@ -3057,7 +3225,7 @@
           </a:ln>
         </p:spPr>
         <p:txBody>
-          <a:bodyPr anchorCtr="0" anchor="ctr" bIns="34275" lIns="68575" spcFirstLastPara="1" rIns="68575" wrap="square" tIns="34275">
+          <a:bodyPr spcFirstLastPara="1" wrap="square" lIns="68575" tIns="34275" rIns="68575" bIns="34275" anchor="ctr" anchorCtr="0">
             <a:normAutofit/>
           </a:bodyPr>
           <a:lstStyle>
@@ -3168,15 +3336,19 @@
               <a:defRPr/>
             </a:lvl9pPr>
           </a:lstStyle>
-          <a:p/>
+          <a:p>
+            <a:endParaRPr/>
+          </a:p>
         </p:txBody>
       </p:sp>
       <p:sp>
         <p:nvSpPr>
           <p:cNvPr id="27" name="Google Shape;27;p4"/>
-          <p:cNvSpPr txBox="1"/>
+          <p:cNvSpPr txBox="1">
+            <a:spLocks noGrp="1"/>
+          </p:cNvSpPr>
           <p:nvPr>
-            <p:ph idx="1" type="body"/>
+            <p:ph type="body" idx="1"/>
           </p:nvPr>
         </p:nvSpPr>
         <p:spPr>
@@ -3193,11 +3365,11 @@
           </a:ln>
         </p:spPr>
         <p:txBody>
-          <a:bodyPr anchorCtr="0" anchor="ctr" bIns="34275" lIns="0" spcFirstLastPara="1" rIns="0" wrap="square" tIns="34275">
+          <a:bodyPr spcFirstLastPara="1" wrap="square" lIns="0" tIns="34275" rIns="0" bIns="34275" anchor="ctr" anchorCtr="0">
             <a:normAutofit/>
           </a:bodyPr>
           <a:lstStyle>
-            <a:lvl1pPr indent="-304800" lvl="0" marL="457200" algn="l">
+            <a:lvl1pPr marL="457200" lvl="0" indent="-304800" algn="l">
               <a:lnSpc>
                 <a:spcPct val="125000"/>
               </a:lnSpc>
@@ -3219,7 +3391,7 @@
                 </a:solidFill>
               </a:defRPr>
             </a:lvl1pPr>
-            <a:lvl2pPr indent="-304800" lvl="1" marL="914400" algn="l">
+            <a:lvl2pPr marL="914400" lvl="1" indent="-304800" algn="l">
               <a:lnSpc>
                 <a:spcPct val="125000"/>
               </a:lnSpc>
@@ -3241,7 +3413,7 @@
                 </a:solidFill>
               </a:defRPr>
             </a:lvl2pPr>
-            <a:lvl3pPr indent="-304800" lvl="2" marL="1371600" algn="l">
+            <a:lvl3pPr marL="1371600" lvl="2" indent="-304800" algn="l">
               <a:lnSpc>
                 <a:spcPct val="125000"/>
               </a:lnSpc>
@@ -3263,7 +3435,7 @@
                 </a:solidFill>
               </a:defRPr>
             </a:lvl3pPr>
-            <a:lvl4pPr indent="-304800" lvl="3" marL="1828800" algn="l">
+            <a:lvl4pPr marL="1828800" lvl="3" indent="-304800" algn="l">
               <a:lnSpc>
                 <a:spcPct val="125000"/>
               </a:lnSpc>
@@ -3285,7 +3457,7 @@
                 </a:solidFill>
               </a:defRPr>
             </a:lvl4pPr>
-            <a:lvl5pPr indent="-304800" lvl="4" marL="2286000" algn="l">
+            <a:lvl5pPr marL="2286000" lvl="4" indent="-304800" algn="l">
               <a:lnSpc>
                 <a:spcPct val="125000"/>
               </a:lnSpc>
@@ -3307,7 +3479,7 @@
                 </a:solidFill>
               </a:defRPr>
             </a:lvl5pPr>
-            <a:lvl6pPr indent="-317500" lvl="5" marL="2743200" algn="l">
+            <a:lvl6pPr marL="2743200" lvl="5" indent="-317500" algn="l">
               <a:lnSpc>
                 <a:spcPct val="90000"/>
               </a:lnSpc>
@@ -3321,7 +3493,7 @@
               <a:buChar char="◦"/>
               <a:defRPr/>
             </a:lvl6pPr>
-            <a:lvl7pPr indent="-317500" lvl="6" marL="3200400" algn="l">
+            <a:lvl7pPr marL="3200400" lvl="6" indent="-317500" algn="l">
               <a:lnSpc>
                 <a:spcPct val="90000"/>
               </a:lnSpc>
@@ -3335,7 +3507,7 @@
               <a:buChar char="◦"/>
               <a:defRPr/>
             </a:lvl7pPr>
-            <a:lvl8pPr indent="-317500" lvl="7" marL="3657600" algn="l">
+            <a:lvl8pPr marL="3657600" lvl="7" indent="-317500" algn="l">
               <a:lnSpc>
                 <a:spcPct val="90000"/>
               </a:lnSpc>
@@ -3349,7 +3521,7 @@
               <a:buChar char="◦"/>
               <a:defRPr/>
             </a:lvl8pPr>
-            <a:lvl9pPr indent="-317500" lvl="8" marL="4114800" algn="l">
+            <a:lvl9pPr marL="4114800" lvl="8" indent="-317500" algn="l">
               <a:lnSpc>
                 <a:spcPct val="90000"/>
               </a:lnSpc>
@@ -3364,7 +3536,9 @@
               <a:defRPr/>
             </a:lvl9pPr>
           </a:lstStyle>
-          <a:p/>
+          <a:p>
+            <a:endParaRPr/>
+          </a:p>
         </p:txBody>
       </p:sp>
     </p:spTree>
@@ -3376,18 +3550,19 @@
 </file>
 
 <file path=ppt/slideLayouts/slideLayout4.xml><?xml version="1.0" encoding="utf-8"?>
-<p:sldLayout xmlns:a="http://schemas.openxmlformats.org/drawingml/2006/main" xmlns:r="http://schemas.openxmlformats.org/officeDocument/2006/relationships" xmlns:mc="http://schemas.openxmlformats.org/markup-compatibility/2006" xmlns:mv="urn:schemas-microsoft-com:mac:vml" xmlns:p="http://schemas.openxmlformats.org/presentationml/2006/main" xmlns:c="http://schemas.openxmlformats.org/drawingml/2006/chart" xmlns:dgm="http://schemas.openxmlformats.org/drawingml/2006/diagram" xmlns:o="urn:schemas-microsoft-com:office:office" xmlns:v="urn:schemas-microsoft-com:vml" xmlns:pvml="urn:schemas-microsoft-com:office:powerpoint" xmlns:com="http://schemas.openxmlformats.org/drawingml/2006/compatibility" xmlns:p14="http://schemas.microsoft.com/office/powerpoint/2010/main" xmlns:p15="http://schemas.microsoft.com/office/powerpoint/2012/main" xmlns:ahyp="http://schemas.microsoft.com/office/drawing/2018/hyperlinkcolor" matchingName="Quote" showMasterSp="0">
+<p:sldLayout xmlns:a="http://schemas.openxmlformats.org/drawingml/2006/main" xmlns:r="http://schemas.openxmlformats.org/officeDocument/2006/relationships" xmlns:p="http://schemas.openxmlformats.org/presentationml/2006/main" showMasterSp="0" matchingName="Quote">
   <p:cSld name="Quote">
     <p:bg>
       <p:bgPr>
         <a:solidFill>
           <a:schemeClr val="lt1"/>
         </a:solidFill>
+        <a:effectLst/>
       </p:bgPr>
     </p:bg>
     <p:spTree>
       <p:nvGrpSpPr>
-        <p:cNvPr id="28" name="Shape 28"/>
+        <p:cNvPr id="1" name="Shape 28"/>
         <p:cNvGrpSpPr/>
         <p:nvPr/>
       </p:nvGrpSpPr>
@@ -3402,9 +3577,11 @@
       <p:sp>
         <p:nvSpPr>
           <p:cNvPr id="29" name="Google Shape;29;p5"/>
-          <p:cNvSpPr txBox="1"/>
+          <p:cNvSpPr txBox="1">
+            <a:spLocks noGrp="1"/>
+          </p:cNvSpPr>
           <p:nvPr>
-            <p:ph idx="10" type="dt"/>
+            <p:ph type="dt" idx="10"/>
           </p:nvPr>
         </p:nvSpPr>
         <p:spPr>
@@ -3421,7 +3598,7 @@
           </a:ln>
         </p:spPr>
         <p:txBody>
-          <a:bodyPr anchorCtr="0" anchor="ctr" bIns="34275" lIns="68575" spcFirstLastPara="1" rIns="68575" wrap="square" tIns="34275">
+          <a:bodyPr spcFirstLastPara="1" wrap="square" lIns="68575" tIns="34275" rIns="68575" bIns="34275" anchor="ctr" anchorCtr="0">
             <a:noAutofit/>
           </a:bodyPr>
           <a:lstStyle>
@@ -3525,15 +3702,19 @@
               <a:defRPr/>
             </a:lvl9pPr>
           </a:lstStyle>
-          <a:p/>
+          <a:p>
+            <a:endParaRPr/>
+          </a:p>
         </p:txBody>
       </p:sp>
       <p:sp>
         <p:nvSpPr>
           <p:cNvPr id="30" name="Google Shape;30;p5"/>
-          <p:cNvSpPr txBox="1"/>
+          <p:cNvSpPr txBox="1">
+            <a:spLocks noGrp="1"/>
+          </p:cNvSpPr>
           <p:nvPr>
-            <p:ph idx="11" type="ftr"/>
+            <p:ph type="ftr" idx="11"/>
           </p:nvPr>
         </p:nvSpPr>
         <p:spPr>
@@ -3550,7 +3731,7 @@
           </a:ln>
         </p:spPr>
         <p:txBody>
-          <a:bodyPr anchorCtr="0" anchor="ctr" bIns="34275" lIns="68575" spcFirstLastPara="1" rIns="68575" wrap="square" tIns="34275">
+          <a:bodyPr spcFirstLastPara="1" wrap="square" lIns="68575" tIns="34275" rIns="68575" bIns="34275" anchor="ctr" anchorCtr="0">
             <a:noAutofit/>
           </a:bodyPr>
           <a:lstStyle>
@@ -3654,15 +3835,19 @@
               <a:defRPr/>
             </a:lvl9pPr>
           </a:lstStyle>
-          <a:p/>
+          <a:p>
+            <a:endParaRPr/>
+          </a:p>
         </p:txBody>
       </p:sp>
       <p:sp>
         <p:nvSpPr>
           <p:cNvPr id="31" name="Google Shape;31;p5"/>
-          <p:cNvSpPr txBox="1"/>
+          <p:cNvSpPr txBox="1">
+            <a:spLocks noGrp="1"/>
+          </p:cNvSpPr>
           <p:nvPr>
-            <p:ph idx="12" type="sldNum"/>
+            <p:ph type="sldNum" idx="12"/>
           </p:nvPr>
         </p:nvSpPr>
         <p:spPr>
@@ -3679,67 +3864,67 @@
           </a:ln>
         </p:spPr>
         <p:txBody>
-          <a:bodyPr anchorCtr="0" anchor="ctr" bIns="34275" lIns="68575" spcFirstLastPara="1" rIns="68575" wrap="square" tIns="34275">
+          <a:bodyPr spcFirstLastPara="1" wrap="square" lIns="68575" tIns="34275" rIns="68575" bIns="34275" anchor="ctr" anchorCtr="0">
             <a:noAutofit/>
           </a:bodyPr>
           <a:lstStyle>
-            <a:lvl1pPr indent="0" lvl="0" marL="0" algn="l">
+            <a:lvl1pPr marL="0" lvl="0" indent="0" algn="l">
               <a:spcBef>
                 <a:spcPts val="0"/>
               </a:spcBef>
               <a:buNone/>
               <a:defRPr/>
             </a:lvl1pPr>
-            <a:lvl2pPr indent="0" lvl="1" marL="0" algn="l">
+            <a:lvl2pPr marL="0" lvl="1" indent="0" algn="l">
               <a:spcBef>
                 <a:spcPts val="0"/>
               </a:spcBef>
               <a:buNone/>
               <a:defRPr/>
             </a:lvl2pPr>
-            <a:lvl3pPr indent="0" lvl="2" marL="0" algn="l">
+            <a:lvl3pPr marL="0" lvl="2" indent="0" algn="l">
               <a:spcBef>
                 <a:spcPts val="0"/>
               </a:spcBef>
               <a:buNone/>
               <a:defRPr/>
             </a:lvl3pPr>
-            <a:lvl4pPr indent="0" lvl="3" marL="0" algn="l">
+            <a:lvl4pPr marL="0" lvl="3" indent="0" algn="l">
               <a:spcBef>
                 <a:spcPts val="0"/>
               </a:spcBef>
               <a:buNone/>
               <a:defRPr/>
             </a:lvl4pPr>
-            <a:lvl5pPr indent="0" lvl="4" marL="0" algn="l">
+            <a:lvl5pPr marL="0" lvl="4" indent="0" algn="l">
               <a:spcBef>
                 <a:spcPts val="0"/>
               </a:spcBef>
               <a:buNone/>
               <a:defRPr/>
             </a:lvl5pPr>
-            <a:lvl6pPr indent="0" lvl="5" marL="0" algn="l">
+            <a:lvl6pPr marL="0" lvl="5" indent="0" algn="l">
               <a:spcBef>
                 <a:spcPts val="0"/>
               </a:spcBef>
               <a:buNone/>
               <a:defRPr/>
             </a:lvl6pPr>
-            <a:lvl7pPr indent="0" lvl="6" marL="0" algn="l">
+            <a:lvl7pPr marL="0" lvl="6" indent="0" algn="l">
               <a:spcBef>
                 <a:spcPts val="0"/>
               </a:spcBef>
               <a:buNone/>
               <a:defRPr/>
             </a:lvl7pPr>
-            <a:lvl8pPr indent="0" lvl="7" marL="0" algn="l">
+            <a:lvl8pPr marL="0" lvl="7" indent="0" algn="l">
               <a:spcBef>
                 <a:spcPts val="0"/>
               </a:spcBef>
               <a:buNone/>
               <a:defRPr/>
             </a:lvl8pPr>
-            <a:lvl9pPr indent="0" lvl="8" marL="0" algn="l">
+            <a:lvl9pPr marL="0" lvl="8" indent="0" algn="l">
               <a:spcBef>
                 <a:spcPts val="0"/>
               </a:spcBef>
@@ -3748,7 +3933,7 @@
             </a:lvl9pPr>
           </a:lstStyle>
           <a:p>
-            <a:pPr indent="0" lvl="0" marL="0" rtl="0" algn="l">
+            <a:pPr marL="0" lvl="0" indent="0" algn="l" rtl="0">
               <a:spcBef>
                 <a:spcPts val="0"/>
               </a:spcBef>
@@ -3787,12 +3972,12 @@
           </a:ln>
         </p:spPr>
         <p:txBody>
-          <a:bodyPr anchorCtr="0" anchor="ctr" bIns="0" lIns="0" spcFirstLastPara="1" rIns="0" wrap="square" tIns="0">
+          <a:bodyPr spcFirstLastPara="1" wrap="square" lIns="0" tIns="0" rIns="0" bIns="0" anchor="ctr" anchorCtr="0">
             <a:noAutofit/>
           </a:bodyPr>
           <a:lstStyle/>
           <a:p>
-            <a:pPr indent="0" lvl="0" marL="0" marR="0" rtl="0" algn="l">
+            <a:pPr marL="0" marR="0" lvl="0" indent="0" algn="l" rtl="0">
               <a:spcBef>
                 <a:spcPts val="0"/>
               </a:spcBef>
@@ -3801,10 +3986,7 @@
               </a:spcAft>
               <a:buNone/>
             </a:pPr>
-            <a:r>
-              <a:t/>
-            </a:r>
-            <a:endParaRPr b="0" i="0" sz="1200" u="none" cap="none" strike="noStrike">
+            <a:endParaRPr sz="1200" b="0" i="0" u="none" strike="noStrike" cap="none">
               <a:solidFill>
                 <a:schemeClr val="dk1"/>
               </a:solidFill>
@@ -3837,7 +4019,7 @@
             <a:noFill/>
           </a:ln>
           <a:effectLst>
-            <a:outerShdw blurRad="254000" rotWithShape="0" dir="2700000" dist="25400">
+            <a:outerShdw blurRad="254000" dist="25400" dir="2700000" rotWithShape="0">
               <a:srgbClr val="1F2125">
                 <a:alpha val="14901"/>
               </a:srgbClr>
@@ -3845,12 +4027,12 @@
           </a:effectLst>
         </p:spPr>
         <p:txBody>
-          <a:bodyPr anchorCtr="0" anchor="ctr" bIns="0" lIns="0" spcFirstLastPara="1" rIns="0" wrap="square" tIns="0">
+          <a:bodyPr spcFirstLastPara="1" wrap="square" lIns="0" tIns="0" rIns="0" bIns="0" anchor="ctr" anchorCtr="0">
             <a:noAutofit/>
           </a:bodyPr>
           <a:lstStyle/>
           <a:p>
-            <a:pPr indent="0" lvl="0" marL="0" marR="0" rtl="0" algn="l">
+            <a:pPr marL="0" marR="0" lvl="0" indent="0" algn="l" rtl="0">
               <a:spcBef>
                 <a:spcPts val="0"/>
               </a:spcBef>
@@ -3859,10 +4041,7 @@
               </a:spcAft>
               <a:buNone/>
             </a:pPr>
-            <a:r>
-              <a:t/>
-            </a:r>
-            <a:endParaRPr b="0" i="0" sz="1200" u="none" cap="none" strike="noStrike">
+            <a:endParaRPr sz="1200" b="0" i="0" u="none" strike="noStrike" cap="none">
               <a:solidFill>
                 <a:schemeClr val="dk1"/>
               </a:solidFill>
@@ -3889,21 +4068,23 @@
             <a:avLst/>
           </a:prstGeom>
           <a:noFill/>
-          <a:ln cap="flat" cmpd="sng" w="12700">
+          <a:ln w="12700" cap="flat" cmpd="sng">
             <a:solidFill>
               <a:schemeClr val="dk1"/>
             </a:solidFill>
             <a:prstDash val="solid"/>
             <a:round/>
-            <a:headEnd len="sm" w="sm" type="none"/>
-            <a:tailEnd len="sm" w="sm" type="none"/>
+            <a:headEnd type="none" w="sm" len="sm"/>
+            <a:tailEnd type="none" w="sm" len="sm"/>
           </a:ln>
         </p:spPr>
       </p:cxnSp>
       <p:sp>
         <p:nvSpPr>
           <p:cNvPr id="35" name="Google Shape;35;p5"/>
-          <p:cNvSpPr txBox="1"/>
+          <p:cNvSpPr txBox="1">
+            <a:spLocks noGrp="1"/>
+          </p:cNvSpPr>
           <p:nvPr>
             <p:ph type="title"/>
           </p:nvPr>
@@ -3922,7 +4103,7 @@
           </a:ln>
         </p:spPr>
         <p:txBody>
-          <a:bodyPr anchorCtr="0" anchor="ctr" bIns="34275" lIns="68575" spcFirstLastPara="1" rIns="68575" wrap="square" tIns="34275">
+          <a:bodyPr spcFirstLastPara="1" wrap="square" lIns="68575" tIns="34275" rIns="68575" bIns="34275" anchor="ctr" anchorCtr="0">
             <a:noAutofit/>
           </a:bodyPr>
           <a:lstStyle>
@@ -4033,15 +4214,19 @@
               <a:defRPr/>
             </a:lvl9pPr>
           </a:lstStyle>
-          <a:p/>
+          <a:p>
+            <a:endParaRPr/>
+          </a:p>
         </p:txBody>
       </p:sp>
       <p:sp>
         <p:nvSpPr>
           <p:cNvPr id="36" name="Google Shape;36;p5"/>
-          <p:cNvSpPr txBox="1"/>
+          <p:cNvSpPr txBox="1">
+            <a:spLocks noGrp="1"/>
+          </p:cNvSpPr>
           <p:nvPr>
-            <p:ph idx="1" type="body"/>
+            <p:ph type="body" idx="1"/>
           </p:nvPr>
         </p:nvSpPr>
         <p:spPr>
@@ -4058,11 +4243,11 @@
           </a:ln>
         </p:spPr>
         <p:txBody>
-          <a:bodyPr anchorCtr="0" anchor="ctr" bIns="34275" lIns="0" spcFirstLastPara="1" rIns="0" wrap="square" tIns="34275">
+          <a:bodyPr spcFirstLastPara="1" wrap="square" lIns="0" tIns="34275" rIns="0" bIns="34275" anchor="ctr" anchorCtr="0">
             <a:normAutofit/>
           </a:bodyPr>
           <a:lstStyle>
-            <a:lvl1pPr indent="-304800" lvl="0" marL="457200" algn="l">
+            <a:lvl1pPr marL="457200" lvl="0" indent="-304800" algn="l">
               <a:lnSpc>
                 <a:spcPct val="100000"/>
               </a:lnSpc>
@@ -4084,7 +4269,7 @@
                 </a:solidFill>
               </a:defRPr>
             </a:lvl1pPr>
-            <a:lvl2pPr indent="-298450" lvl="1" marL="914400" algn="l">
+            <a:lvl2pPr marL="914400" lvl="1" indent="-298450" algn="l">
               <a:lnSpc>
                 <a:spcPct val="100000"/>
               </a:lnSpc>
@@ -4102,7 +4287,7 @@
               <a:buAutoNum type="arabicPeriod"/>
               <a:defRPr sz="1100"/>
             </a:lvl2pPr>
-            <a:lvl3pPr indent="-279400" lvl="2" marL="1371600" algn="l">
+            <a:lvl3pPr marL="1371600" lvl="2" indent="-279400" algn="l">
               <a:lnSpc>
                 <a:spcPct val="100000"/>
               </a:lnSpc>
@@ -4120,7 +4305,7 @@
               <a:buAutoNum type="arabicPeriod"/>
               <a:defRPr sz="800"/>
             </a:lvl3pPr>
-            <a:lvl4pPr indent="-279400" lvl="3" marL="1828800" algn="l">
+            <a:lvl4pPr marL="1828800" lvl="3" indent="-279400" algn="l">
               <a:lnSpc>
                 <a:spcPct val="100000"/>
               </a:lnSpc>
@@ -4138,7 +4323,7 @@
               <a:buAutoNum type="arabicPeriod"/>
               <a:defRPr sz="800"/>
             </a:lvl4pPr>
-            <a:lvl5pPr indent="-279400" lvl="4" marL="2286000" algn="l">
+            <a:lvl5pPr marL="2286000" lvl="4" indent="-279400" algn="l">
               <a:lnSpc>
                 <a:spcPct val="100000"/>
               </a:lnSpc>
@@ -4156,7 +4341,7 @@
               <a:buAutoNum type="arabicPeriod"/>
               <a:defRPr sz="800"/>
             </a:lvl5pPr>
-            <a:lvl6pPr indent="-317500" lvl="5" marL="2743200" algn="l">
+            <a:lvl6pPr marL="2743200" lvl="5" indent="-317500" algn="l">
               <a:lnSpc>
                 <a:spcPct val="90000"/>
               </a:lnSpc>
@@ -4170,7 +4355,7 @@
               <a:buChar char="◦"/>
               <a:defRPr/>
             </a:lvl6pPr>
-            <a:lvl7pPr indent="-317500" lvl="6" marL="3200400" algn="l">
+            <a:lvl7pPr marL="3200400" lvl="6" indent="-317500" algn="l">
               <a:lnSpc>
                 <a:spcPct val="90000"/>
               </a:lnSpc>
@@ -4184,7 +4369,7 @@
               <a:buChar char="◦"/>
               <a:defRPr/>
             </a:lvl7pPr>
-            <a:lvl8pPr indent="-317500" lvl="7" marL="3657600" algn="l">
+            <a:lvl8pPr marL="3657600" lvl="7" indent="-317500" algn="l">
               <a:lnSpc>
                 <a:spcPct val="90000"/>
               </a:lnSpc>
@@ -4198,7 +4383,7 @@
               <a:buChar char="◦"/>
               <a:defRPr/>
             </a:lvl8pPr>
-            <a:lvl9pPr indent="-317500" lvl="8" marL="4114800" algn="l">
+            <a:lvl9pPr marL="4114800" lvl="8" indent="-317500" algn="l">
               <a:lnSpc>
                 <a:spcPct val="90000"/>
               </a:lnSpc>
@@ -4213,7 +4398,9 @@
               <a:defRPr/>
             </a:lvl9pPr>
           </a:lstStyle>
-          <a:p/>
+          <a:p>
+            <a:endParaRPr/>
+          </a:p>
         </p:txBody>
       </p:sp>
     </p:spTree>
@@ -4225,18 +4412,19 @@
 </file>
 
 <file path=ppt/slideLayouts/slideLayout5.xml><?xml version="1.0" encoding="utf-8"?>
-<p:sldLayout xmlns:a="http://schemas.openxmlformats.org/drawingml/2006/main" xmlns:r="http://schemas.openxmlformats.org/officeDocument/2006/relationships" xmlns:mc="http://schemas.openxmlformats.org/markup-compatibility/2006" xmlns:mv="urn:schemas-microsoft-com:mac:vml" xmlns:p="http://schemas.openxmlformats.org/presentationml/2006/main" xmlns:c="http://schemas.openxmlformats.org/drawingml/2006/chart" xmlns:dgm="http://schemas.openxmlformats.org/drawingml/2006/diagram" xmlns:o="urn:schemas-microsoft-com:office:office" xmlns:v="urn:schemas-microsoft-com:vml" xmlns:pvml="urn:schemas-microsoft-com:office:powerpoint" xmlns:com="http://schemas.openxmlformats.org/drawingml/2006/compatibility" xmlns:p14="http://schemas.microsoft.com/office/powerpoint/2010/main" xmlns:p15="http://schemas.microsoft.com/office/powerpoint/2012/main" xmlns:ahyp="http://schemas.microsoft.com/office/drawing/2018/hyperlinkcolor" matchingName="Content and Image" showMasterSp="0">
+<p:sldLayout xmlns:a="http://schemas.openxmlformats.org/drawingml/2006/main" xmlns:r="http://schemas.openxmlformats.org/officeDocument/2006/relationships" xmlns:p="http://schemas.openxmlformats.org/presentationml/2006/main" showMasterSp="0" matchingName="Content and Image">
   <p:cSld name="Content and Image">
     <p:bg>
       <p:bgPr>
         <a:solidFill>
           <a:schemeClr val="lt1"/>
         </a:solidFill>
+        <a:effectLst/>
       </p:bgPr>
     </p:bg>
     <p:spTree>
       <p:nvGrpSpPr>
-        <p:cNvPr id="37" name="Shape 37"/>
+        <p:cNvPr id="1" name="Shape 37"/>
         <p:cNvGrpSpPr/>
         <p:nvPr/>
       </p:nvGrpSpPr>
@@ -4270,12 +4458,12 @@
           </a:ln>
         </p:spPr>
         <p:txBody>
-          <a:bodyPr anchorCtr="0" anchor="ctr" bIns="0" lIns="0" spcFirstLastPara="1" rIns="0" wrap="square" tIns="0">
+          <a:bodyPr spcFirstLastPara="1" wrap="square" lIns="0" tIns="0" rIns="0" bIns="0" anchor="ctr" anchorCtr="0">
             <a:noAutofit/>
           </a:bodyPr>
           <a:lstStyle/>
           <a:p>
-            <a:pPr indent="0" lvl="0" marL="0" marR="0" rtl="0" algn="l">
+            <a:pPr marL="0" marR="0" lvl="0" indent="0" algn="l" rtl="0">
               <a:spcBef>
                 <a:spcPts val="0"/>
               </a:spcBef>
@@ -4284,10 +4472,7 @@
               </a:spcAft>
               <a:buNone/>
             </a:pPr>
-            <a:r>
-              <a:t/>
-            </a:r>
-            <a:endParaRPr b="0" i="0" sz="1200" u="none" cap="none" strike="noStrike">
+            <a:endParaRPr sz="1200" b="0" i="0" u="none" strike="noStrike" cap="none">
               <a:solidFill>
                 <a:schemeClr val="dk1"/>
               </a:solidFill>
@@ -4320,7 +4505,7 @@
             <a:noFill/>
           </a:ln>
           <a:effectLst>
-            <a:outerShdw blurRad="254000" rotWithShape="0" dir="2700000" dist="25400">
+            <a:outerShdw blurRad="254000" dist="25400" dir="2700000" rotWithShape="0">
               <a:srgbClr val="1F2125">
                 <a:alpha val="14901"/>
               </a:srgbClr>
@@ -4328,12 +4513,12 @@
           </a:effectLst>
         </p:spPr>
         <p:txBody>
-          <a:bodyPr anchorCtr="0" anchor="ctr" bIns="0" lIns="0" spcFirstLastPara="1" rIns="0" wrap="square" tIns="0">
+          <a:bodyPr spcFirstLastPara="1" wrap="square" lIns="0" tIns="0" rIns="0" bIns="0" anchor="ctr" anchorCtr="0">
             <a:noAutofit/>
           </a:bodyPr>
           <a:lstStyle/>
           <a:p>
-            <a:pPr indent="0" lvl="0" marL="0" marR="0" rtl="0" algn="l">
+            <a:pPr marL="0" marR="0" lvl="0" indent="0" algn="l" rtl="0">
               <a:spcBef>
                 <a:spcPts val="0"/>
               </a:spcBef>
@@ -4342,10 +4527,7 @@
               </a:spcAft>
               <a:buNone/>
             </a:pPr>
-            <a:r>
-              <a:t/>
-            </a:r>
-            <a:endParaRPr b="0" i="0" sz="1200" u="none" cap="none" strike="noStrike">
+            <a:endParaRPr sz="1200" b="0" i="0" u="none" strike="noStrike" cap="none">
               <a:solidFill>
                 <a:schemeClr val="dk1"/>
               </a:solidFill>
@@ -4360,9 +4542,11 @@
       <p:sp>
         <p:nvSpPr>
           <p:cNvPr id="40" name="Google Shape;40;p6"/>
-          <p:cNvSpPr/>
+          <p:cNvSpPr>
+            <a:spLocks noGrp="1"/>
+          </p:cNvSpPr>
           <p:nvPr>
-            <p:ph idx="2" type="pic"/>
+            <p:ph type="pic" idx="2"/>
           </p:nvPr>
         </p:nvSpPr>
         <p:spPr>
@@ -4384,7 +4568,9 @@
       <p:sp>
         <p:nvSpPr>
           <p:cNvPr id="41" name="Google Shape;41;p6"/>
-          <p:cNvSpPr txBox="1"/>
+          <p:cNvSpPr txBox="1">
+            <a:spLocks noGrp="1"/>
+          </p:cNvSpPr>
           <p:nvPr>
             <p:ph type="title"/>
           </p:nvPr>
@@ -4403,7 +4589,7 @@
           </a:ln>
         </p:spPr>
         <p:txBody>
-          <a:bodyPr anchorCtr="0" anchor="ctr" bIns="34275" lIns="68575" spcFirstLastPara="1" rIns="68575" wrap="square" tIns="34275">
+          <a:bodyPr spcFirstLastPara="1" wrap="square" lIns="68575" tIns="34275" rIns="68575" bIns="34275" anchor="ctr" anchorCtr="0">
             <a:normAutofit/>
           </a:bodyPr>
           <a:lstStyle>
@@ -4514,15 +4700,19 @@
               <a:defRPr/>
             </a:lvl9pPr>
           </a:lstStyle>
-          <a:p/>
+          <a:p>
+            <a:endParaRPr/>
+          </a:p>
         </p:txBody>
       </p:sp>
       <p:sp>
         <p:nvSpPr>
           <p:cNvPr id="42" name="Google Shape;42;p6"/>
-          <p:cNvSpPr txBox="1"/>
+          <p:cNvSpPr txBox="1">
+            <a:spLocks noGrp="1"/>
+          </p:cNvSpPr>
           <p:nvPr>
-            <p:ph idx="1" type="body"/>
+            <p:ph type="body" idx="1"/>
           </p:nvPr>
         </p:nvSpPr>
         <p:spPr>
@@ -4539,11 +4729,11 @@
           </a:ln>
         </p:spPr>
         <p:txBody>
-          <a:bodyPr anchorCtr="0" anchor="t" bIns="34275" lIns="0" spcFirstLastPara="1" rIns="0" wrap="square" tIns="34275">
+          <a:bodyPr spcFirstLastPara="1" wrap="square" lIns="0" tIns="34275" rIns="0" bIns="34275" anchor="t" anchorCtr="0">
             <a:normAutofit/>
           </a:bodyPr>
           <a:lstStyle>
-            <a:lvl1pPr indent="-228600" lvl="0" marL="457200" algn="l">
+            <a:lvl1pPr marL="457200" lvl="0" indent="-228600" algn="l">
               <a:lnSpc>
                 <a:spcPct val="100000"/>
               </a:lnSpc>
@@ -4564,7 +4754,7 @@
                 </a:solidFill>
               </a:defRPr>
             </a:lvl1pPr>
-            <a:lvl2pPr indent="-228600" lvl="1" marL="914400" algn="l">
+            <a:lvl2pPr marL="914400" lvl="1" indent="-228600" algn="l">
               <a:lnSpc>
                 <a:spcPct val="100000"/>
               </a:lnSpc>
@@ -4586,7 +4776,7 @@
                 </a:solidFill>
               </a:defRPr>
             </a:lvl2pPr>
-            <a:lvl3pPr indent="-228600" lvl="2" marL="1371600" algn="l">
+            <a:lvl3pPr marL="1371600" lvl="2" indent="-228600" algn="l">
               <a:lnSpc>
                 <a:spcPct val="100000"/>
               </a:lnSpc>
@@ -4608,7 +4798,7 @@
                 </a:solidFill>
               </a:defRPr>
             </a:lvl3pPr>
-            <a:lvl4pPr indent="-228600" lvl="3" marL="1828800" algn="l">
+            <a:lvl4pPr marL="1828800" lvl="3" indent="-228600" algn="l">
               <a:lnSpc>
                 <a:spcPct val="100000"/>
               </a:lnSpc>
@@ -4630,7 +4820,7 @@
                 </a:solidFill>
               </a:defRPr>
             </a:lvl4pPr>
-            <a:lvl5pPr indent="-228600" lvl="4" marL="2286000" algn="l">
+            <a:lvl5pPr marL="2286000" lvl="4" indent="-228600" algn="l">
               <a:lnSpc>
                 <a:spcPct val="100000"/>
               </a:lnSpc>
@@ -4652,7 +4842,7 @@
                 </a:solidFill>
               </a:defRPr>
             </a:lvl5pPr>
-            <a:lvl6pPr indent="-317500" lvl="5" marL="2743200" algn="l">
+            <a:lvl6pPr marL="2743200" lvl="5" indent="-317500" algn="l">
               <a:lnSpc>
                 <a:spcPct val="90000"/>
               </a:lnSpc>
@@ -4666,7 +4856,7 @@
               <a:buChar char="◦"/>
               <a:defRPr/>
             </a:lvl6pPr>
-            <a:lvl7pPr indent="-317500" lvl="6" marL="3200400" algn="l">
+            <a:lvl7pPr marL="3200400" lvl="6" indent="-317500" algn="l">
               <a:lnSpc>
                 <a:spcPct val="90000"/>
               </a:lnSpc>
@@ -4680,7 +4870,7 @@
               <a:buChar char="◦"/>
               <a:defRPr/>
             </a:lvl7pPr>
-            <a:lvl8pPr indent="-317500" lvl="7" marL="3657600" algn="l">
+            <a:lvl8pPr marL="3657600" lvl="7" indent="-317500" algn="l">
               <a:lnSpc>
                 <a:spcPct val="90000"/>
               </a:lnSpc>
@@ -4694,7 +4884,7 @@
               <a:buChar char="◦"/>
               <a:defRPr/>
             </a:lvl8pPr>
-            <a:lvl9pPr indent="-317500" lvl="8" marL="4114800" algn="l">
+            <a:lvl9pPr marL="4114800" lvl="8" indent="-317500" algn="l">
               <a:lnSpc>
                 <a:spcPct val="90000"/>
               </a:lnSpc>
@@ -4709,7 +4899,9 @@
               <a:defRPr/>
             </a:lvl9pPr>
           </a:lstStyle>
-          <a:p/>
+          <a:p>
+            <a:endParaRPr/>
+          </a:p>
         </p:txBody>
       </p:sp>
     </p:spTree>
@@ -4721,18 +4913,19 @@
 </file>
 
 <file path=ppt/slideLayouts/slideLayout6.xml><?xml version="1.0" encoding="utf-8"?>
-<p:sldLayout xmlns:a="http://schemas.openxmlformats.org/drawingml/2006/main" xmlns:r="http://schemas.openxmlformats.org/officeDocument/2006/relationships" xmlns:mc="http://schemas.openxmlformats.org/markup-compatibility/2006" xmlns:mv="urn:schemas-microsoft-com:mac:vml" xmlns:p="http://schemas.openxmlformats.org/presentationml/2006/main" xmlns:c="http://schemas.openxmlformats.org/drawingml/2006/chart" xmlns:dgm="http://schemas.openxmlformats.org/drawingml/2006/diagram" xmlns:o="urn:schemas-microsoft-com:office:office" xmlns:v="urn:schemas-microsoft-com:vml" xmlns:pvml="urn:schemas-microsoft-com:office:powerpoint" xmlns:com="http://schemas.openxmlformats.org/drawingml/2006/compatibility" xmlns:p14="http://schemas.microsoft.com/office/powerpoint/2010/main" xmlns:p15="http://schemas.microsoft.com/office/powerpoint/2012/main" xmlns:ahyp="http://schemas.microsoft.com/office/drawing/2018/hyperlinkcolor" matchingName="Team ">
+<p:sldLayout xmlns:a="http://schemas.openxmlformats.org/drawingml/2006/main" xmlns:r="http://schemas.openxmlformats.org/officeDocument/2006/relationships" xmlns:p="http://schemas.openxmlformats.org/presentationml/2006/main" matchingName="Team ">
   <p:cSld name="Team ">
     <p:bg>
       <p:bgPr>
         <a:solidFill>
           <a:schemeClr val="lt1"/>
         </a:solidFill>
+        <a:effectLst/>
       </p:bgPr>
     </p:bg>
     <p:spTree>
       <p:nvGrpSpPr>
-        <p:cNvPr id="43" name="Shape 43"/>
+        <p:cNvPr id="1" name="Shape 43"/>
         <p:cNvGrpSpPr/>
         <p:nvPr/>
       </p:nvGrpSpPr>
@@ -4766,12 +4959,12 @@
           </a:ln>
         </p:spPr>
         <p:txBody>
-          <a:bodyPr anchorCtr="0" anchor="ctr" bIns="0" lIns="0" spcFirstLastPara="1" rIns="0" wrap="square" tIns="0">
+          <a:bodyPr spcFirstLastPara="1" wrap="square" lIns="0" tIns="0" rIns="0" bIns="0" anchor="ctr" anchorCtr="0">
             <a:noAutofit/>
           </a:bodyPr>
           <a:lstStyle/>
           <a:p>
-            <a:pPr indent="0" lvl="0" marL="0" marR="0" rtl="0" algn="l">
+            <a:pPr marL="0" marR="0" lvl="0" indent="0" algn="l" rtl="0">
               <a:spcBef>
                 <a:spcPts val="0"/>
               </a:spcBef>
@@ -4780,10 +4973,7 @@
               </a:spcAft>
               <a:buNone/>
             </a:pPr>
-            <a:r>
-              <a:t/>
-            </a:r>
-            <a:endParaRPr b="0" i="0" sz="1200" u="none" cap="none" strike="noStrike">
+            <a:endParaRPr sz="1200" b="0" i="0" u="none" strike="noStrike" cap="none">
               <a:solidFill>
                 <a:schemeClr val="dk1"/>
               </a:solidFill>
@@ -4816,7 +5006,7 @@
             <a:noFill/>
           </a:ln>
           <a:effectLst>
-            <a:outerShdw blurRad="254000" rotWithShape="0" dir="2700000" dist="25400">
+            <a:outerShdw blurRad="254000" dist="25400" dir="2700000" rotWithShape="0">
               <a:srgbClr val="1F2125">
                 <a:alpha val="14901"/>
               </a:srgbClr>
@@ -4824,12 +5014,12 @@
           </a:effectLst>
         </p:spPr>
         <p:txBody>
-          <a:bodyPr anchorCtr="0" anchor="ctr" bIns="0" lIns="0" spcFirstLastPara="1" rIns="0" wrap="square" tIns="0">
+          <a:bodyPr spcFirstLastPara="1" wrap="square" lIns="0" tIns="0" rIns="0" bIns="0" anchor="ctr" anchorCtr="0">
             <a:noAutofit/>
           </a:bodyPr>
           <a:lstStyle/>
           <a:p>
-            <a:pPr indent="0" lvl="0" marL="0" marR="0" rtl="0" algn="l">
+            <a:pPr marL="0" marR="0" lvl="0" indent="0" algn="l" rtl="0">
               <a:spcBef>
                 <a:spcPts val="0"/>
               </a:spcBef>
@@ -4838,10 +5028,7 @@
               </a:spcAft>
               <a:buNone/>
             </a:pPr>
-            <a:r>
-              <a:t/>
-            </a:r>
-            <a:endParaRPr b="0" i="0" sz="1200" u="none" cap="none" strike="noStrike">
+            <a:endParaRPr sz="1200" b="0" i="0" u="none" strike="noStrike" cap="none">
               <a:solidFill>
                 <a:schemeClr val="dk1"/>
               </a:solidFill>
@@ -4856,9 +5043,11 @@
       <p:sp>
         <p:nvSpPr>
           <p:cNvPr id="46" name="Google Shape;46;p7"/>
-          <p:cNvSpPr/>
+          <p:cNvSpPr>
+            <a:spLocks noGrp="1"/>
+          </p:cNvSpPr>
           <p:nvPr>
-            <p:ph idx="2" type="pic"/>
+            <p:ph type="pic" idx="2"/>
           </p:nvPr>
         </p:nvSpPr>
         <p:spPr>
@@ -4880,9 +5069,11 @@
       <p:sp>
         <p:nvSpPr>
           <p:cNvPr id="47" name="Google Shape;47;p7"/>
-          <p:cNvSpPr/>
+          <p:cNvSpPr>
+            <a:spLocks noGrp="1"/>
+          </p:cNvSpPr>
           <p:nvPr>
-            <p:ph idx="3" type="pic"/>
+            <p:ph type="pic" idx="3"/>
           </p:nvPr>
         </p:nvSpPr>
         <p:spPr>
@@ -4904,9 +5095,11 @@
       <p:sp>
         <p:nvSpPr>
           <p:cNvPr id="48" name="Google Shape;48;p7"/>
-          <p:cNvSpPr/>
+          <p:cNvSpPr>
+            <a:spLocks noGrp="1"/>
+          </p:cNvSpPr>
           <p:nvPr>
-            <p:ph idx="4" type="pic"/>
+            <p:ph type="pic" idx="4"/>
           </p:nvPr>
         </p:nvSpPr>
         <p:spPr>
@@ -4928,9 +5121,11 @@
       <p:sp>
         <p:nvSpPr>
           <p:cNvPr id="49" name="Google Shape;49;p7"/>
-          <p:cNvSpPr txBox="1"/>
+          <p:cNvSpPr txBox="1">
+            <a:spLocks noGrp="1"/>
+          </p:cNvSpPr>
           <p:nvPr>
-            <p:ph idx="1" type="body"/>
+            <p:ph type="body" idx="1"/>
           </p:nvPr>
         </p:nvSpPr>
         <p:spPr>
@@ -4947,11 +5142,11 @@
           </a:ln>
         </p:spPr>
         <p:txBody>
-          <a:bodyPr anchorCtr="0" anchor="ctr" bIns="34275" lIns="68575" spcFirstLastPara="1" rIns="68575" wrap="square" tIns="34275">
+          <a:bodyPr spcFirstLastPara="1" wrap="square" lIns="68575" tIns="34275" rIns="68575" bIns="34275" anchor="ctr" anchorCtr="0">
             <a:normAutofit/>
           </a:bodyPr>
           <a:lstStyle>
-            <a:lvl1pPr indent="-228600" lvl="0" marL="457200" algn="ctr">
+            <a:lvl1pPr marL="457200" lvl="0" indent="-228600" algn="ctr">
               <a:lnSpc>
                 <a:spcPct val="100000"/>
               </a:lnSpc>
@@ -4969,7 +5164,7 @@
                 </a:solidFill>
               </a:defRPr>
             </a:lvl1pPr>
-            <a:lvl2pPr indent="-228600" lvl="1" marL="914400" algn="l">
+            <a:lvl2pPr marL="914400" lvl="1" indent="-228600" algn="l">
               <a:lnSpc>
                 <a:spcPct val="100000"/>
               </a:lnSpc>
@@ -4986,7 +5181,7 @@
               <a:buNone/>
               <a:defRPr sz="900"/>
             </a:lvl2pPr>
-            <a:lvl3pPr indent="-228600" lvl="2" marL="1371600" algn="l">
+            <a:lvl3pPr marL="1371600" lvl="2" indent="-228600" algn="l">
               <a:lnSpc>
                 <a:spcPct val="100000"/>
               </a:lnSpc>
@@ -5003,7 +5198,7 @@
               <a:buNone/>
               <a:defRPr sz="800"/>
             </a:lvl3pPr>
-            <a:lvl4pPr indent="-228600" lvl="3" marL="1828800" algn="l">
+            <a:lvl4pPr marL="1828800" lvl="3" indent="-228600" algn="l">
               <a:lnSpc>
                 <a:spcPct val="100000"/>
               </a:lnSpc>
@@ -5020,7 +5215,7 @@
               <a:buNone/>
               <a:defRPr sz="700"/>
             </a:lvl4pPr>
-            <a:lvl5pPr indent="-228600" lvl="4" marL="2286000" algn="l">
+            <a:lvl5pPr marL="2286000" lvl="4" indent="-228600" algn="l">
               <a:lnSpc>
                 <a:spcPct val="100000"/>
               </a:lnSpc>
@@ -5037,7 +5232,7 @@
               <a:buNone/>
               <a:defRPr sz="700"/>
             </a:lvl5pPr>
-            <a:lvl6pPr indent="-228600" lvl="5" marL="2743200" algn="l">
+            <a:lvl6pPr marL="2743200" lvl="5" indent="-228600" algn="l">
               <a:lnSpc>
                 <a:spcPct val="90000"/>
               </a:lnSpc>
@@ -5051,7 +5246,7 @@
               <a:buNone/>
               <a:defRPr sz="700"/>
             </a:lvl6pPr>
-            <a:lvl7pPr indent="-228600" lvl="6" marL="3200400" algn="l">
+            <a:lvl7pPr marL="3200400" lvl="6" indent="-228600" algn="l">
               <a:lnSpc>
                 <a:spcPct val="90000"/>
               </a:lnSpc>
@@ -5065,7 +5260,7 @@
               <a:buNone/>
               <a:defRPr sz="700"/>
             </a:lvl7pPr>
-            <a:lvl8pPr indent="-228600" lvl="7" marL="3657600" algn="l">
+            <a:lvl8pPr marL="3657600" lvl="7" indent="-228600" algn="l">
               <a:lnSpc>
                 <a:spcPct val="90000"/>
               </a:lnSpc>
@@ -5079,7 +5274,7 @@
               <a:buNone/>
               <a:defRPr sz="700"/>
             </a:lvl8pPr>
-            <a:lvl9pPr indent="-228600" lvl="8" marL="4114800" algn="l">
+            <a:lvl9pPr marL="4114800" lvl="8" indent="-228600" algn="l">
               <a:lnSpc>
                 <a:spcPct val="90000"/>
               </a:lnSpc>
@@ -5094,15 +5289,19 @@
               <a:defRPr sz="700"/>
             </a:lvl9pPr>
           </a:lstStyle>
-          <a:p/>
+          <a:p>
+            <a:endParaRPr/>
+          </a:p>
         </p:txBody>
       </p:sp>
       <p:sp>
         <p:nvSpPr>
           <p:cNvPr id="50" name="Google Shape;50;p7"/>
-          <p:cNvSpPr txBox="1"/>
+          <p:cNvSpPr txBox="1">
+            <a:spLocks noGrp="1"/>
+          </p:cNvSpPr>
           <p:nvPr>
-            <p:ph idx="5" type="body"/>
+            <p:ph type="body" idx="5"/>
           </p:nvPr>
         </p:nvSpPr>
         <p:spPr>
@@ -5119,11 +5318,11 @@
           </a:ln>
         </p:spPr>
         <p:txBody>
-          <a:bodyPr anchorCtr="0" anchor="ctr" bIns="34275" lIns="68575" spcFirstLastPara="1" rIns="68575" wrap="square" tIns="34275">
+          <a:bodyPr spcFirstLastPara="1" wrap="square" lIns="68575" tIns="34275" rIns="68575" bIns="34275" anchor="ctr" anchorCtr="0">
             <a:normAutofit/>
           </a:bodyPr>
           <a:lstStyle>
-            <a:lvl1pPr indent="-228600" lvl="0" marL="457200" algn="ctr">
+            <a:lvl1pPr marL="457200" lvl="0" indent="-228600" algn="ctr">
               <a:lnSpc>
                 <a:spcPct val="100000"/>
               </a:lnSpc>
@@ -5141,7 +5340,7 @@
                 </a:solidFill>
               </a:defRPr>
             </a:lvl1pPr>
-            <a:lvl2pPr indent="-228600" lvl="1" marL="914400" algn="l">
+            <a:lvl2pPr marL="914400" lvl="1" indent="-228600" algn="l">
               <a:lnSpc>
                 <a:spcPct val="100000"/>
               </a:lnSpc>
@@ -5158,7 +5357,7 @@
               <a:buNone/>
               <a:defRPr sz="900"/>
             </a:lvl2pPr>
-            <a:lvl3pPr indent="-228600" lvl="2" marL="1371600" algn="l">
+            <a:lvl3pPr marL="1371600" lvl="2" indent="-228600" algn="l">
               <a:lnSpc>
                 <a:spcPct val="100000"/>
               </a:lnSpc>
@@ -5175,7 +5374,7 @@
               <a:buNone/>
               <a:defRPr sz="800"/>
             </a:lvl3pPr>
-            <a:lvl4pPr indent="-228600" lvl="3" marL="1828800" algn="l">
+            <a:lvl4pPr marL="1828800" lvl="3" indent="-228600" algn="l">
               <a:lnSpc>
                 <a:spcPct val="100000"/>
               </a:lnSpc>
@@ -5192,7 +5391,7 @@
               <a:buNone/>
               <a:defRPr sz="700"/>
             </a:lvl4pPr>
-            <a:lvl5pPr indent="-228600" lvl="4" marL="2286000" algn="l">
+            <a:lvl5pPr marL="2286000" lvl="4" indent="-228600" algn="l">
               <a:lnSpc>
                 <a:spcPct val="100000"/>
               </a:lnSpc>
@@ -5209,7 +5408,7 @@
               <a:buNone/>
               <a:defRPr sz="700"/>
             </a:lvl5pPr>
-            <a:lvl6pPr indent="-228600" lvl="5" marL="2743200" algn="l">
+            <a:lvl6pPr marL="2743200" lvl="5" indent="-228600" algn="l">
               <a:lnSpc>
                 <a:spcPct val="90000"/>
               </a:lnSpc>
@@ -5223,7 +5422,7 @@
               <a:buNone/>
               <a:defRPr sz="700"/>
             </a:lvl6pPr>
-            <a:lvl7pPr indent="-228600" lvl="6" marL="3200400" algn="l">
+            <a:lvl7pPr marL="3200400" lvl="6" indent="-228600" algn="l">
               <a:lnSpc>
                 <a:spcPct val="90000"/>
               </a:lnSpc>
@@ -5237,7 +5436,7 @@
               <a:buNone/>
               <a:defRPr sz="700"/>
             </a:lvl7pPr>
-            <a:lvl8pPr indent="-228600" lvl="7" marL="3657600" algn="l">
+            <a:lvl8pPr marL="3657600" lvl="7" indent="-228600" algn="l">
               <a:lnSpc>
                 <a:spcPct val="90000"/>
               </a:lnSpc>
@@ -5251,7 +5450,7 @@
               <a:buNone/>
               <a:defRPr sz="700"/>
             </a:lvl8pPr>
-            <a:lvl9pPr indent="-228600" lvl="8" marL="4114800" algn="l">
+            <a:lvl9pPr marL="4114800" lvl="8" indent="-228600" algn="l">
               <a:lnSpc>
                 <a:spcPct val="90000"/>
               </a:lnSpc>
@@ -5266,15 +5465,19 @@
               <a:defRPr sz="700"/>
             </a:lvl9pPr>
           </a:lstStyle>
-          <a:p/>
+          <a:p>
+            <a:endParaRPr/>
+          </a:p>
         </p:txBody>
       </p:sp>
       <p:sp>
         <p:nvSpPr>
           <p:cNvPr id="51" name="Google Shape;51;p7"/>
-          <p:cNvSpPr txBox="1"/>
+          <p:cNvSpPr txBox="1">
+            <a:spLocks noGrp="1"/>
+          </p:cNvSpPr>
           <p:nvPr>
-            <p:ph idx="6" type="body"/>
+            <p:ph type="body" idx="6"/>
           </p:nvPr>
         </p:nvSpPr>
         <p:spPr>
@@ -5291,11 +5494,11 @@
           </a:ln>
         </p:spPr>
         <p:txBody>
-          <a:bodyPr anchorCtr="0" anchor="ctr" bIns="34275" lIns="68575" spcFirstLastPara="1" rIns="68575" wrap="square" tIns="34275">
+          <a:bodyPr spcFirstLastPara="1" wrap="square" lIns="68575" tIns="34275" rIns="68575" bIns="34275" anchor="ctr" anchorCtr="0">
             <a:normAutofit/>
           </a:bodyPr>
           <a:lstStyle>
-            <a:lvl1pPr indent="-228600" lvl="0" marL="457200" algn="ctr">
+            <a:lvl1pPr marL="457200" lvl="0" indent="-228600" algn="ctr">
               <a:lnSpc>
                 <a:spcPct val="100000"/>
               </a:lnSpc>
@@ -5313,7 +5516,7 @@
                 </a:solidFill>
               </a:defRPr>
             </a:lvl1pPr>
-            <a:lvl2pPr indent="-228600" lvl="1" marL="914400" algn="l">
+            <a:lvl2pPr marL="914400" lvl="1" indent="-228600" algn="l">
               <a:lnSpc>
                 <a:spcPct val="100000"/>
               </a:lnSpc>
@@ -5330,7 +5533,7 @@
               <a:buNone/>
               <a:defRPr sz="900"/>
             </a:lvl2pPr>
-            <a:lvl3pPr indent="-228600" lvl="2" marL="1371600" algn="l">
+            <a:lvl3pPr marL="1371600" lvl="2" indent="-228600" algn="l">
               <a:lnSpc>
                 <a:spcPct val="100000"/>
               </a:lnSpc>
@@ -5347,7 +5550,7 @@
               <a:buNone/>
               <a:defRPr sz="800"/>
             </a:lvl3pPr>
-            <a:lvl4pPr indent="-228600" lvl="3" marL="1828800" algn="l">
+            <a:lvl4pPr marL="1828800" lvl="3" indent="-228600" algn="l">
               <a:lnSpc>
                 <a:spcPct val="100000"/>
               </a:lnSpc>
@@ -5364,7 +5567,7 @@
               <a:buNone/>
               <a:defRPr sz="700"/>
             </a:lvl4pPr>
-            <a:lvl5pPr indent="-228600" lvl="4" marL="2286000" algn="l">
+            <a:lvl5pPr marL="2286000" lvl="4" indent="-228600" algn="l">
               <a:lnSpc>
                 <a:spcPct val="100000"/>
               </a:lnSpc>
@@ -5381,7 +5584,7 @@
               <a:buNone/>
               <a:defRPr sz="700"/>
             </a:lvl5pPr>
-            <a:lvl6pPr indent="-228600" lvl="5" marL="2743200" algn="l">
+            <a:lvl6pPr marL="2743200" lvl="5" indent="-228600" algn="l">
               <a:lnSpc>
                 <a:spcPct val="90000"/>
               </a:lnSpc>
@@ -5395,7 +5598,7 @@
               <a:buNone/>
               <a:defRPr sz="700"/>
             </a:lvl6pPr>
-            <a:lvl7pPr indent="-228600" lvl="6" marL="3200400" algn="l">
+            <a:lvl7pPr marL="3200400" lvl="6" indent="-228600" algn="l">
               <a:lnSpc>
                 <a:spcPct val="90000"/>
               </a:lnSpc>
@@ -5409,7 +5612,7 @@
               <a:buNone/>
               <a:defRPr sz="700"/>
             </a:lvl7pPr>
-            <a:lvl8pPr indent="-228600" lvl="7" marL="3657600" algn="l">
+            <a:lvl8pPr marL="3657600" lvl="7" indent="-228600" algn="l">
               <a:lnSpc>
                 <a:spcPct val="90000"/>
               </a:lnSpc>
@@ -5423,7 +5626,7 @@
               <a:buNone/>
               <a:defRPr sz="700"/>
             </a:lvl8pPr>
-            <a:lvl9pPr indent="-228600" lvl="8" marL="4114800" algn="l">
+            <a:lvl9pPr marL="4114800" lvl="8" indent="-228600" algn="l">
               <a:lnSpc>
                 <a:spcPct val="90000"/>
               </a:lnSpc>
@@ -5438,13 +5641,17 @@
               <a:defRPr sz="700"/>
             </a:lvl9pPr>
           </a:lstStyle>
-          <a:p/>
+          <a:p>
+            <a:endParaRPr/>
+          </a:p>
         </p:txBody>
       </p:sp>
       <p:sp>
         <p:nvSpPr>
           <p:cNvPr id="52" name="Google Shape;52;p7"/>
-          <p:cNvSpPr txBox="1"/>
+          <p:cNvSpPr txBox="1">
+            <a:spLocks noGrp="1"/>
+          </p:cNvSpPr>
           <p:nvPr>
             <p:ph type="title"/>
           </p:nvPr>
@@ -5463,7 +5670,7 @@
           </a:ln>
         </p:spPr>
         <p:txBody>
-          <a:bodyPr anchorCtr="0" anchor="ctr" bIns="34275" lIns="68575" spcFirstLastPara="1" rIns="68575" wrap="square" tIns="34275">
+          <a:bodyPr spcFirstLastPara="1" wrap="square" lIns="68575" tIns="34275" rIns="68575" bIns="34275" anchor="ctr" anchorCtr="0">
             <a:normAutofit/>
           </a:bodyPr>
           <a:lstStyle>
@@ -5574,7 +5781,9 @@
               <a:defRPr/>
             </a:lvl9pPr>
           </a:lstStyle>
-          <a:p/>
+          <a:p>
+            <a:endParaRPr/>
+          </a:p>
         </p:txBody>
       </p:sp>
     </p:spTree>
@@ -5584,7 +5793,7 @@
   </p:clrMapOvr>
   <p:extLst>
     <p:ext uri="{DCECCB84-F9BA-43D5-87BE-67443E8EF086}">
-      <p15:sldGuideLst>
+      <p15:sldGuideLst xmlns:p15="http://schemas.microsoft.com/office/powerpoint/2012/main">
         <p15:guide id="1" orient="horz" pos="810">
           <p15:clr>
             <a:srgbClr val="FBAE40"/>
@@ -5597,18 +5806,19 @@
 </file>
 
 <file path=ppt/slideLayouts/slideLayout7.xml><?xml version="1.0" encoding="utf-8"?>
-<p:sldLayout xmlns:a="http://schemas.openxmlformats.org/drawingml/2006/main" xmlns:r="http://schemas.openxmlformats.org/officeDocument/2006/relationships" xmlns:mc="http://schemas.openxmlformats.org/markup-compatibility/2006" xmlns:mv="urn:schemas-microsoft-com:mac:vml" xmlns:p="http://schemas.openxmlformats.org/presentationml/2006/main" xmlns:c="http://schemas.openxmlformats.org/drawingml/2006/chart" xmlns:dgm="http://schemas.openxmlformats.org/drawingml/2006/diagram" xmlns:o="urn:schemas-microsoft-com:office:office" xmlns:v="urn:schemas-microsoft-com:vml" xmlns:pvml="urn:schemas-microsoft-com:office:powerpoint" xmlns:com="http://schemas.openxmlformats.org/drawingml/2006/compatibility" xmlns:p14="http://schemas.microsoft.com/office/powerpoint/2010/main" xmlns:p15="http://schemas.microsoft.com/office/powerpoint/2012/main" xmlns:ahyp="http://schemas.microsoft.com/office/drawing/2018/hyperlinkcolor" matchingName="Two Content" showMasterSp="0">
+<p:sldLayout xmlns:a="http://schemas.openxmlformats.org/drawingml/2006/main" xmlns:r="http://schemas.openxmlformats.org/officeDocument/2006/relationships" xmlns:p="http://schemas.openxmlformats.org/presentationml/2006/main" showMasterSp="0" matchingName="Two Content">
   <p:cSld name="Two Content">
     <p:bg>
       <p:bgPr>
         <a:solidFill>
           <a:schemeClr val="lt1"/>
         </a:solidFill>
+        <a:effectLst/>
       </p:bgPr>
     </p:bg>
     <p:spTree>
       <p:nvGrpSpPr>
-        <p:cNvPr id="53" name="Shape 53"/>
+        <p:cNvPr id="1" name="Shape 53"/>
         <p:cNvGrpSpPr/>
         <p:nvPr/>
       </p:nvGrpSpPr>
@@ -5642,12 +5852,12 @@
           </a:ln>
         </p:spPr>
         <p:txBody>
-          <a:bodyPr anchorCtr="0" anchor="ctr" bIns="0" lIns="0" spcFirstLastPara="1" rIns="0" wrap="square" tIns="0">
+          <a:bodyPr spcFirstLastPara="1" wrap="square" lIns="0" tIns="0" rIns="0" bIns="0" anchor="ctr" anchorCtr="0">
             <a:noAutofit/>
           </a:bodyPr>
           <a:lstStyle/>
           <a:p>
-            <a:pPr indent="0" lvl="0" marL="0" marR="0" rtl="0" algn="l">
+            <a:pPr marL="0" marR="0" lvl="0" indent="0" algn="l" rtl="0">
               <a:spcBef>
                 <a:spcPts val="0"/>
               </a:spcBef>
@@ -5656,10 +5866,7 @@
               </a:spcAft>
               <a:buNone/>
             </a:pPr>
-            <a:r>
-              <a:t/>
-            </a:r>
-            <a:endParaRPr b="0" i="0" sz="1200" u="none" cap="none" strike="noStrike">
+            <a:endParaRPr sz="1200" b="0" i="0" u="none" strike="noStrike" cap="none">
               <a:solidFill>
                 <a:schemeClr val="dk1"/>
               </a:solidFill>
@@ -5692,7 +5899,7 @@
             <a:noFill/>
           </a:ln>
           <a:effectLst>
-            <a:outerShdw blurRad="254000" rotWithShape="0" dir="2700000" dist="25400">
+            <a:outerShdw blurRad="254000" dist="25400" dir="2700000" rotWithShape="0">
               <a:srgbClr val="1F2125">
                 <a:alpha val="14901"/>
               </a:srgbClr>
@@ -5700,12 +5907,12 @@
           </a:effectLst>
         </p:spPr>
         <p:txBody>
-          <a:bodyPr anchorCtr="0" anchor="ctr" bIns="0" lIns="0" spcFirstLastPara="1" rIns="0" wrap="square" tIns="0">
+          <a:bodyPr spcFirstLastPara="1" wrap="square" lIns="0" tIns="0" rIns="0" bIns="0" anchor="ctr" anchorCtr="0">
             <a:noAutofit/>
           </a:bodyPr>
           <a:lstStyle/>
           <a:p>
-            <a:pPr indent="0" lvl="0" marL="0" marR="0" rtl="0" algn="l">
+            <a:pPr marL="0" marR="0" lvl="0" indent="0" algn="l" rtl="0">
               <a:spcBef>
                 <a:spcPts val="0"/>
               </a:spcBef>
@@ -5714,10 +5921,7 @@
               </a:spcAft>
               <a:buNone/>
             </a:pPr>
-            <a:r>
-              <a:t/>
-            </a:r>
-            <a:endParaRPr b="0" i="0" sz="1200" u="none" cap="none" strike="noStrike">
+            <a:endParaRPr sz="1200" b="0" i="0" u="none" strike="noStrike" cap="none">
               <a:solidFill>
                 <a:schemeClr val="dk1"/>
               </a:solidFill>
@@ -5732,7 +5936,9 @@
       <p:sp>
         <p:nvSpPr>
           <p:cNvPr id="56" name="Google Shape;56;p8"/>
-          <p:cNvSpPr txBox="1"/>
+          <p:cNvSpPr txBox="1">
+            <a:spLocks noGrp="1"/>
+          </p:cNvSpPr>
           <p:nvPr>
             <p:ph type="title"/>
           </p:nvPr>
@@ -5751,7 +5957,7 @@
           </a:ln>
         </p:spPr>
         <p:txBody>
-          <a:bodyPr anchorCtr="0" anchor="ctr" bIns="34275" lIns="68575" spcFirstLastPara="1" rIns="68575" wrap="square" tIns="34275">
+          <a:bodyPr spcFirstLastPara="1" wrap="square" lIns="68575" tIns="34275" rIns="68575" bIns="34275" anchor="ctr" anchorCtr="0">
             <a:normAutofit/>
           </a:bodyPr>
           <a:lstStyle>
@@ -5861,15 +6067,19 @@
               <a:defRPr/>
             </a:lvl9pPr>
           </a:lstStyle>
-          <a:p/>
+          <a:p>
+            <a:endParaRPr/>
+          </a:p>
         </p:txBody>
       </p:sp>
       <p:sp>
         <p:nvSpPr>
           <p:cNvPr id="57" name="Google Shape;57;p8"/>
-          <p:cNvSpPr txBox="1"/>
+          <p:cNvSpPr txBox="1">
+            <a:spLocks noGrp="1"/>
+          </p:cNvSpPr>
           <p:nvPr>
-            <p:ph idx="1" type="body"/>
+            <p:ph type="body" idx="1"/>
           </p:nvPr>
         </p:nvSpPr>
         <p:spPr>
@@ -5886,11 +6096,11 @@
           </a:ln>
         </p:spPr>
         <p:txBody>
-          <a:bodyPr anchorCtr="0" anchor="t" bIns="34275" lIns="0" spcFirstLastPara="1" rIns="0" wrap="square" tIns="34275">
+          <a:bodyPr spcFirstLastPara="1" wrap="square" lIns="0" tIns="34275" rIns="0" bIns="34275" anchor="t" anchorCtr="0">
             <a:normAutofit/>
           </a:bodyPr>
           <a:lstStyle>
-            <a:lvl1pPr indent="-304800" lvl="0" marL="457200" algn="l">
+            <a:lvl1pPr marL="457200" lvl="0" indent="-304800" algn="l">
               <a:lnSpc>
                 <a:spcPct val="100000"/>
               </a:lnSpc>
@@ -5911,7 +6121,7 @@
                 </a:solidFill>
               </a:defRPr>
             </a:lvl1pPr>
-            <a:lvl2pPr indent="-298450" lvl="1" marL="914400" algn="l">
+            <a:lvl2pPr marL="914400" lvl="1" indent="-298450" algn="l">
               <a:lnSpc>
                 <a:spcPct val="100000"/>
               </a:lnSpc>
@@ -5933,7 +6143,7 @@
                 </a:solidFill>
               </a:defRPr>
             </a:lvl2pPr>
-            <a:lvl3pPr indent="-279400" lvl="2" marL="1371600" algn="l">
+            <a:lvl3pPr marL="1371600" lvl="2" indent="-279400" algn="l">
               <a:lnSpc>
                 <a:spcPct val="100000"/>
               </a:lnSpc>
@@ -5955,7 +6165,7 @@
                 </a:solidFill>
               </a:defRPr>
             </a:lvl3pPr>
-            <a:lvl4pPr indent="-279400" lvl="3" marL="1828800" algn="l">
+            <a:lvl4pPr marL="1828800" lvl="3" indent="-279400" algn="l">
               <a:lnSpc>
                 <a:spcPct val="100000"/>
               </a:lnSpc>
@@ -5977,7 +6187,7 @@
                 </a:solidFill>
               </a:defRPr>
             </a:lvl4pPr>
-            <a:lvl5pPr indent="-279400" lvl="4" marL="2286000" algn="l">
+            <a:lvl5pPr marL="2286000" lvl="4" indent="-279400" algn="l">
               <a:lnSpc>
                 <a:spcPct val="100000"/>
               </a:lnSpc>
@@ -5999,7 +6209,7 @@
                 </a:solidFill>
               </a:defRPr>
             </a:lvl5pPr>
-            <a:lvl6pPr indent="-317500" lvl="5" marL="2743200" algn="l">
+            <a:lvl6pPr marL="2743200" lvl="5" indent="-317500" algn="l">
               <a:lnSpc>
                 <a:spcPct val="90000"/>
               </a:lnSpc>
@@ -6013,7 +6223,7 @@
               <a:buChar char="◦"/>
               <a:defRPr/>
             </a:lvl6pPr>
-            <a:lvl7pPr indent="-317500" lvl="6" marL="3200400" algn="l">
+            <a:lvl7pPr marL="3200400" lvl="6" indent="-317500" algn="l">
               <a:lnSpc>
                 <a:spcPct val="90000"/>
               </a:lnSpc>
@@ -6027,7 +6237,7 @@
               <a:buChar char="◦"/>
               <a:defRPr/>
             </a:lvl7pPr>
-            <a:lvl8pPr indent="-317500" lvl="7" marL="3657600" algn="l">
+            <a:lvl8pPr marL="3657600" lvl="7" indent="-317500" algn="l">
               <a:lnSpc>
                 <a:spcPct val="90000"/>
               </a:lnSpc>
@@ -6041,7 +6251,7 @@
               <a:buChar char="◦"/>
               <a:defRPr/>
             </a:lvl8pPr>
-            <a:lvl9pPr indent="-317500" lvl="8" marL="4114800" algn="l">
+            <a:lvl9pPr marL="4114800" lvl="8" indent="-317500" algn="l">
               <a:lnSpc>
                 <a:spcPct val="90000"/>
               </a:lnSpc>
@@ -6056,15 +6266,19 @@
               <a:defRPr/>
             </a:lvl9pPr>
           </a:lstStyle>
-          <a:p/>
+          <a:p>
+            <a:endParaRPr/>
+          </a:p>
         </p:txBody>
       </p:sp>
       <p:sp>
         <p:nvSpPr>
           <p:cNvPr id="58" name="Google Shape;58;p8"/>
-          <p:cNvSpPr txBox="1"/>
+          <p:cNvSpPr txBox="1">
+            <a:spLocks noGrp="1"/>
+          </p:cNvSpPr>
           <p:nvPr>
-            <p:ph idx="2" type="body"/>
+            <p:ph type="body" idx="2"/>
           </p:nvPr>
         </p:nvSpPr>
         <p:spPr>
@@ -6083,11 +6297,11 @@
           </a:ln>
         </p:spPr>
         <p:txBody>
-          <a:bodyPr anchorCtr="0" anchor="t" bIns="34275" lIns="0" spcFirstLastPara="1" rIns="0" wrap="square" tIns="34275">
+          <a:bodyPr spcFirstLastPara="1" wrap="square" lIns="0" tIns="34275" rIns="0" bIns="34275" anchor="t" anchorCtr="0">
             <a:normAutofit/>
           </a:bodyPr>
           <a:lstStyle>
-            <a:lvl1pPr indent="-304800" lvl="0" marL="457200" algn="l">
+            <a:lvl1pPr marL="457200" lvl="0" indent="-304800" algn="l">
               <a:lnSpc>
                 <a:spcPct val="100000"/>
               </a:lnSpc>
@@ -6108,7 +6322,7 @@
                 </a:solidFill>
               </a:defRPr>
             </a:lvl1pPr>
-            <a:lvl2pPr indent="-298450" lvl="1" marL="914400" algn="l">
+            <a:lvl2pPr marL="914400" lvl="1" indent="-298450" algn="l">
               <a:lnSpc>
                 <a:spcPct val="100000"/>
               </a:lnSpc>
@@ -6130,7 +6344,7 @@
                 </a:solidFill>
               </a:defRPr>
             </a:lvl2pPr>
-            <a:lvl3pPr indent="-279400" lvl="2" marL="1371600" algn="l">
+            <a:lvl3pPr marL="1371600" lvl="2" indent="-279400" algn="l">
               <a:lnSpc>
                 <a:spcPct val="100000"/>
               </a:lnSpc>
@@ -6152,7 +6366,7 @@
                 </a:solidFill>
               </a:defRPr>
             </a:lvl3pPr>
-            <a:lvl4pPr indent="-279400" lvl="3" marL="1828800" algn="l">
+            <a:lvl4pPr marL="1828800" lvl="3" indent="-279400" algn="l">
               <a:lnSpc>
                 <a:spcPct val="100000"/>
               </a:lnSpc>
@@ -6174,7 +6388,7 @@
                 </a:solidFill>
               </a:defRPr>
             </a:lvl4pPr>
-            <a:lvl5pPr indent="-279400" lvl="4" marL="2286000" algn="l">
+            <a:lvl5pPr marL="2286000" lvl="4" indent="-279400" algn="l">
               <a:lnSpc>
                 <a:spcPct val="100000"/>
               </a:lnSpc>
@@ -6196,7 +6410,7 @@
                 </a:solidFill>
               </a:defRPr>
             </a:lvl5pPr>
-            <a:lvl6pPr indent="-317500" lvl="5" marL="2743200" algn="l">
+            <a:lvl6pPr marL="2743200" lvl="5" indent="-317500" algn="l">
               <a:lnSpc>
                 <a:spcPct val="90000"/>
               </a:lnSpc>
@@ -6210,7 +6424,7 @@
               <a:buChar char="◦"/>
               <a:defRPr/>
             </a:lvl6pPr>
-            <a:lvl7pPr indent="-317500" lvl="6" marL="3200400" algn="l">
+            <a:lvl7pPr marL="3200400" lvl="6" indent="-317500" algn="l">
               <a:lnSpc>
                 <a:spcPct val="90000"/>
               </a:lnSpc>
@@ -6224,7 +6438,7 @@
               <a:buChar char="◦"/>
               <a:defRPr/>
             </a:lvl7pPr>
-            <a:lvl8pPr indent="-317500" lvl="7" marL="3657600" algn="l">
+            <a:lvl8pPr marL="3657600" lvl="7" indent="-317500" algn="l">
               <a:lnSpc>
                 <a:spcPct val="90000"/>
               </a:lnSpc>
@@ -6238,7 +6452,7 @@
               <a:buChar char="◦"/>
               <a:defRPr/>
             </a:lvl8pPr>
-            <a:lvl9pPr indent="-317500" lvl="8" marL="4114800" algn="l">
+            <a:lvl9pPr marL="4114800" lvl="8" indent="-317500" algn="l">
               <a:lnSpc>
                 <a:spcPct val="90000"/>
               </a:lnSpc>
@@ -6253,7 +6467,9 @@
               <a:defRPr/>
             </a:lvl9pPr>
           </a:lstStyle>
-          <a:p/>
+          <a:p>
+            <a:endParaRPr/>
+          </a:p>
         </p:txBody>
       </p:sp>
     </p:spTree>
@@ -6263,7 +6479,7 @@
   </p:clrMapOvr>
   <p:extLst>
     <p:ext uri="{DCECCB84-F9BA-43D5-87BE-67443E8EF086}">
-      <p15:sldGuideLst>
+      <p15:sldGuideLst xmlns:p15="http://schemas.microsoft.com/office/powerpoint/2012/main">
         <p15:guide id="1" orient="horz" pos="810">
           <p15:clr>
             <a:srgbClr val="FBAE40"/>
@@ -6276,18 +6492,19 @@
 </file>
 
 <file path=ppt/slideLayouts/slideLayout8.xml><?xml version="1.0" encoding="utf-8"?>
-<p:sldLayout xmlns:a="http://schemas.openxmlformats.org/drawingml/2006/main" xmlns:r="http://schemas.openxmlformats.org/officeDocument/2006/relationships" xmlns:mc="http://schemas.openxmlformats.org/markup-compatibility/2006" xmlns:mv="urn:schemas-microsoft-com:mac:vml" xmlns:p="http://schemas.openxmlformats.org/presentationml/2006/main" xmlns:c="http://schemas.openxmlformats.org/drawingml/2006/chart" xmlns:dgm="http://schemas.openxmlformats.org/drawingml/2006/diagram" xmlns:o="urn:schemas-microsoft-com:office:office" xmlns:v="urn:schemas-microsoft-com:vml" xmlns:pvml="urn:schemas-microsoft-com:office:powerpoint" xmlns:com="http://schemas.openxmlformats.org/drawingml/2006/compatibility" xmlns:p14="http://schemas.microsoft.com/office/powerpoint/2010/main" xmlns:p15="http://schemas.microsoft.com/office/powerpoint/2012/main" xmlns:ahyp="http://schemas.microsoft.com/office/drawing/2018/hyperlinkcolor" matchingName="1_Title and Vidow">
+<p:sldLayout xmlns:a="http://schemas.openxmlformats.org/drawingml/2006/main" xmlns:r="http://schemas.openxmlformats.org/officeDocument/2006/relationships" xmlns:p="http://schemas.openxmlformats.org/presentationml/2006/main" matchingName="1_Title and Vidow">
   <p:cSld name="1_Title and Vidow">
     <p:bg>
       <p:bgPr>
         <a:solidFill>
           <a:schemeClr val="lt1"/>
         </a:solidFill>
+        <a:effectLst/>
       </p:bgPr>
     </p:bg>
     <p:spTree>
       <p:nvGrpSpPr>
-        <p:cNvPr id="59" name="Shape 59"/>
+        <p:cNvPr id="1" name="Shape 59"/>
         <p:cNvGrpSpPr/>
         <p:nvPr/>
       </p:nvGrpSpPr>
@@ -6321,12 +6538,12 @@
           </a:ln>
         </p:spPr>
         <p:txBody>
-          <a:bodyPr anchorCtr="0" anchor="ctr" bIns="0" lIns="0" spcFirstLastPara="1" rIns="0" wrap="square" tIns="0">
+          <a:bodyPr spcFirstLastPara="1" wrap="square" lIns="0" tIns="0" rIns="0" bIns="0" anchor="ctr" anchorCtr="0">
             <a:noAutofit/>
           </a:bodyPr>
           <a:lstStyle/>
           <a:p>
-            <a:pPr indent="0" lvl="0" marL="0" marR="0" rtl="0" algn="l">
+            <a:pPr marL="0" marR="0" lvl="0" indent="0" algn="l" rtl="0">
               <a:spcBef>
                 <a:spcPts val="0"/>
               </a:spcBef>
@@ -6335,10 +6552,7 @@
               </a:spcAft>
               <a:buNone/>
             </a:pPr>
-            <a:r>
-              <a:t/>
-            </a:r>
-            <a:endParaRPr b="0" i="0" sz="1200" u="none" cap="none" strike="noStrike">
+            <a:endParaRPr sz="1200" b="0" i="0" u="none" strike="noStrike" cap="none">
               <a:solidFill>
                 <a:schemeClr val="dk1"/>
               </a:solidFill>
@@ -6371,7 +6585,7 @@
             <a:noFill/>
           </a:ln>
           <a:effectLst>
-            <a:outerShdw blurRad="254000" rotWithShape="0" dir="2700000" dist="25400">
+            <a:outerShdw blurRad="254000" dist="25400" dir="2700000" rotWithShape="0">
               <a:srgbClr val="1F2125">
                 <a:alpha val="14901"/>
               </a:srgbClr>
@@ -6379,12 +6593,12 @@
           </a:effectLst>
         </p:spPr>
         <p:txBody>
-          <a:bodyPr anchorCtr="0" anchor="ctr" bIns="0" lIns="0" spcFirstLastPara="1" rIns="0" wrap="square" tIns="0">
+          <a:bodyPr spcFirstLastPara="1" wrap="square" lIns="0" tIns="0" rIns="0" bIns="0" anchor="ctr" anchorCtr="0">
             <a:noAutofit/>
           </a:bodyPr>
           <a:lstStyle/>
           <a:p>
-            <a:pPr indent="0" lvl="0" marL="0" marR="0" rtl="0" algn="l">
+            <a:pPr marL="0" marR="0" lvl="0" indent="0" algn="l" rtl="0">
               <a:spcBef>
                 <a:spcPts val="0"/>
               </a:spcBef>
@@ -6393,10 +6607,7 @@
               </a:spcAft>
               <a:buNone/>
             </a:pPr>
-            <a:r>
-              <a:t/>
-            </a:r>
-            <a:endParaRPr b="0" i="0" sz="1200" u="none" cap="none" strike="noStrike">
+            <a:endParaRPr sz="1200" b="0" i="0" u="none" strike="noStrike" cap="none">
               <a:solidFill>
                 <a:schemeClr val="dk1"/>
               </a:solidFill>
@@ -6411,9 +6622,11 @@
       <p:sp>
         <p:nvSpPr>
           <p:cNvPr id="62" name="Google Shape;62;p9"/>
-          <p:cNvSpPr txBox="1"/>
+          <p:cNvSpPr txBox="1">
+            <a:spLocks noGrp="1"/>
+          </p:cNvSpPr>
           <p:nvPr>
-            <p:ph idx="1" type="body"/>
+            <p:ph type="body" idx="1"/>
           </p:nvPr>
         </p:nvSpPr>
         <p:spPr>
@@ -6432,11 +6645,11 @@
           </a:ln>
         </p:spPr>
         <p:txBody>
-          <a:bodyPr anchorCtr="0" anchor="t" bIns="34275" lIns="0" spcFirstLastPara="1" rIns="0" wrap="square" tIns="34275">
+          <a:bodyPr spcFirstLastPara="1" wrap="square" lIns="0" tIns="34275" rIns="0" bIns="34275" anchor="t" anchorCtr="0">
             <a:normAutofit/>
           </a:bodyPr>
           <a:lstStyle>
-            <a:lvl1pPr indent="-323850" lvl="0" marL="457200" algn="l">
+            <a:lvl1pPr marL="457200" lvl="0" indent="-323850" algn="l">
               <a:lnSpc>
                 <a:spcPct val="100000"/>
               </a:lnSpc>
@@ -6454,7 +6667,7 @@
                 </a:solidFill>
               </a:defRPr>
             </a:lvl1pPr>
-            <a:lvl2pPr indent="-317500" lvl="1" marL="914400" algn="l">
+            <a:lvl2pPr marL="914400" lvl="1" indent="-317500" algn="l">
               <a:lnSpc>
                 <a:spcPct val="100000"/>
               </a:lnSpc>
@@ -6475,7 +6688,7 @@
                 </a:solidFill>
               </a:defRPr>
             </a:lvl2pPr>
-            <a:lvl3pPr indent="-298450" lvl="2" marL="1371600" algn="l">
+            <a:lvl3pPr marL="1371600" lvl="2" indent="-298450" algn="l">
               <a:lnSpc>
                 <a:spcPct val="100000"/>
               </a:lnSpc>
@@ -6496,7 +6709,7 @@
                 </a:solidFill>
               </a:defRPr>
             </a:lvl3pPr>
-            <a:lvl4pPr indent="-298450" lvl="3" marL="1828800" algn="l">
+            <a:lvl4pPr marL="1828800" lvl="3" indent="-298450" algn="l">
               <a:lnSpc>
                 <a:spcPct val="100000"/>
               </a:lnSpc>
@@ -6517,7 +6730,7 @@
                 </a:solidFill>
               </a:defRPr>
             </a:lvl4pPr>
-            <a:lvl5pPr indent="-298450" lvl="4" marL="2286000" algn="l">
+            <a:lvl5pPr marL="2286000" lvl="4" indent="-298450" algn="l">
               <a:lnSpc>
                 <a:spcPct val="100000"/>
               </a:lnSpc>
@@ -6538,7 +6751,7 @@
                 </a:solidFill>
               </a:defRPr>
             </a:lvl5pPr>
-            <a:lvl6pPr indent="-317500" lvl="5" marL="2743200" algn="l">
+            <a:lvl6pPr marL="2743200" lvl="5" indent="-317500" algn="l">
               <a:lnSpc>
                 <a:spcPct val="90000"/>
               </a:lnSpc>
@@ -6552,7 +6765,7 @@
               <a:buChar char="◦"/>
               <a:defRPr/>
             </a:lvl6pPr>
-            <a:lvl7pPr indent="-317500" lvl="6" marL="3200400" algn="l">
+            <a:lvl7pPr marL="3200400" lvl="6" indent="-317500" algn="l">
               <a:lnSpc>
                 <a:spcPct val="90000"/>
               </a:lnSpc>
@@ -6566,7 +6779,7 @@
               <a:buChar char="◦"/>
               <a:defRPr/>
             </a:lvl7pPr>
-            <a:lvl8pPr indent="-317500" lvl="7" marL="3657600" algn="l">
+            <a:lvl8pPr marL="3657600" lvl="7" indent="-317500" algn="l">
               <a:lnSpc>
                 <a:spcPct val="90000"/>
               </a:lnSpc>
@@ -6580,7 +6793,7 @@
               <a:buChar char="◦"/>
               <a:defRPr/>
             </a:lvl8pPr>
-            <a:lvl9pPr indent="-317500" lvl="8" marL="4114800" algn="l">
+            <a:lvl9pPr marL="4114800" lvl="8" indent="-317500" algn="l">
               <a:lnSpc>
                 <a:spcPct val="90000"/>
               </a:lnSpc>
@@ -6595,13 +6808,17 @@
               <a:defRPr/>
             </a:lvl9pPr>
           </a:lstStyle>
-          <a:p/>
+          <a:p>
+            <a:endParaRPr/>
+          </a:p>
         </p:txBody>
       </p:sp>
       <p:sp>
         <p:nvSpPr>
           <p:cNvPr id="63" name="Google Shape;63;p9"/>
-          <p:cNvSpPr txBox="1"/>
+          <p:cNvSpPr txBox="1">
+            <a:spLocks noGrp="1"/>
+          </p:cNvSpPr>
           <p:nvPr>
             <p:ph type="title"/>
           </p:nvPr>
@@ -6620,7 +6837,7 @@
           </a:ln>
         </p:spPr>
         <p:txBody>
-          <a:bodyPr anchorCtr="0" anchor="ctr" bIns="34275" lIns="68575" spcFirstLastPara="1" rIns="68575" wrap="square" tIns="34275">
+          <a:bodyPr spcFirstLastPara="1" wrap="square" lIns="68575" tIns="34275" rIns="68575" bIns="34275" anchor="ctr" anchorCtr="0">
             <a:normAutofit/>
           </a:bodyPr>
           <a:lstStyle>
@@ -6731,7 +6948,9 @@
               <a:defRPr/>
             </a:lvl9pPr>
           </a:lstStyle>
-          <a:p/>
+          <a:p>
+            <a:endParaRPr/>
+          </a:p>
         </p:txBody>
       </p:sp>
     </p:spTree>
@@ -6741,7 +6960,7 @@
   </p:clrMapOvr>
   <p:extLst>
     <p:ext uri="{DCECCB84-F9BA-43D5-87BE-67443E8EF086}">
-      <p15:sldGuideLst>
+      <p15:sldGuideLst xmlns:p15="http://schemas.microsoft.com/office/powerpoint/2012/main">
         <p15:guide id="1" orient="horz" pos="810">
           <p15:clr>
             <a:srgbClr val="FBAE40"/>
@@ -6754,18 +6973,19 @@
 </file>
 
 <file path=ppt/slideLayouts/slideLayout9.xml><?xml version="1.0" encoding="utf-8"?>
-<p:sldLayout xmlns:a="http://schemas.openxmlformats.org/drawingml/2006/main" xmlns:r="http://schemas.openxmlformats.org/officeDocument/2006/relationships" xmlns:mc="http://schemas.openxmlformats.org/markup-compatibility/2006" xmlns:mv="urn:schemas-microsoft-com:mac:vml" xmlns:p="http://schemas.openxmlformats.org/presentationml/2006/main" xmlns:c="http://schemas.openxmlformats.org/drawingml/2006/chart" xmlns:dgm="http://schemas.openxmlformats.org/drawingml/2006/diagram" xmlns:o="urn:schemas-microsoft-com:office:office" xmlns:v="urn:schemas-microsoft-com:vml" xmlns:pvml="urn:schemas-microsoft-com:office:powerpoint" xmlns:com="http://schemas.openxmlformats.org/drawingml/2006/compatibility" xmlns:p14="http://schemas.microsoft.com/office/powerpoint/2010/main" xmlns:p15="http://schemas.microsoft.com/office/powerpoint/2012/main" xmlns:ahyp="http://schemas.microsoft.com/office/drawing/2018/hyperlinkcolor" matchingName="Picture with Caption" showMasterSp="0" type="picTx">
+<p:sldLayout xmlns:a="http://schemas.openxmlformats.org/drawingml/2006/main" xmlns:r="http://schemas.openxmlformats.org/officeDocument/2006/relationships" xmlns:p="http://schemas.openxmlformats.org/presentationml/2006/main" showMasterSp="0" matchingName="Picture with Caption" type="picTx">
   <p:cSld name="PICTURE_WITH_CAPTION_TEXT">
     <p:bg>
       <p:bgPr>
         <a:solidFill>
           <a:schemeClr val="lt1"/>
         </a:solidFill>
+        <a:effectLst/>
       </p:bgPr>
     </p:bg>
     <p:spTree>
       <p:nvGrpSpPr>
-        <p:cNvPr id="64" name="Shape 64"/>
+        <p:cNvPr id="1" name="Shape 64"/>
         <p:cNvGrpSpPr/>
         <p:nvPr/>
       </p:nvGrpSpPr>
@@ -6799,12 +7019,12 @@
           </a:ln>
         </p:spPr>
         <p:txBody>
-          <a:bodyPr anchorCtr="0" anchor="ctr" bIns="0" lIns="0" spcFirstLastPara="1" rIns="0" wrap="square" tIns="0">
+          <a:bodyPr spcFirstLastPara="1" wrap="square" lIns="0" tIns="0" rIns="0" bIns="0" anchor="ctr" anchorCtr="0">
             <a:noAutofit/>
           </a:bodyPr>
           <a:lstStyle/>
           <a:p>
-            <a:pPr indent="0" lvl="0" marL="0" marR="0" rtl="0" algn="l">
+            <a:pPr marL="0" marR="0" lvl="0" indent="0" algn="l" rtl="0">
               <a:spcBef>
                 <a:spcPts val="0"/>
               </a:spcBef>
@@ -6813,10 +7033,7 @@
               </a:spcAft>
               <a:buNone/>
             </a:pPr>
-            <a:r>
-              <a:t/>
-            </a:r>
-            <a:endParaRPr b="0" i="0" sz="1200" u="none" cap="none" strike="noStrike">
+            <a:endParaRPr sz="1200" b="0" i="0" u="none" strike="noStrike" cap="none">
               <a:solidFill>
                 <a:schemeClr val="dk1"/>
               </a:solidFill>
@@ -6849,7 +7066,7 @@
             <a:noFill/>
           </a:ln>
           <a:effectLst>
-            <a:outerShdw blurRad="254000" rotWithShape="0" dir="2700000" dist="25400">
+            <a:outerShdw blurRad="254000" dist="25400" dir="2700000" rotWithShape="0">
               <a:srgbClr val="1F2125">
                 <a:alpha val="14901"/>
               </a:srgbClr>
@@ -6857,12 +7074,12 @@
           </a:effectLst>
         </p:spPr>
         <p:txBody>
-          <a:bodyPr anchorCtr="0" anchor="ctr" bIns="0" lIns="0" spcFirstLastPara="1" rIns="0" wrap="square" tIns="0">
+          <a:bodyPr spcFirstLastPara="1" wrap="square" lIns="0" tIns="0" rIns="0" bIns="0" anchor="ctr" anchorCtr="0">
             <a:noAutofit/>
           </a:bodyPr>
           <a:lstStyle/>
           <a:p>
-            <a:pPr indent="0" lvl="0" marL="0" marR="0" rtl="0" algn="l">
+            <a:pPr marL="0" marR="0" lvl="0" indent="0" algn="l" rtl="0">
               <a:spcBef>
                 <a:spcPts val="0"/>
               </a:spcBef>
@@ -6871,10 +7088,7 @@
               </a:spcAft>
               <a:buNone/>
             </a:pPr>
-            <a:r>
-              <a:t/>
-            </a:r>
-            <a:endParaRPr b="0" i="0" sz="1200" u="none" cap="none" strike="noStrike">
+            <a:endParaRPr sz="1200" b="0" i="0" u="none" strike="noStrike" cap="none">
               <a:solidFill>
                 <a:schemeClr val="dk1"/>
               </a:solidFill>
@@ -6908,12 +7122,12 @@
           </a:ln>
         </p:spPr>
         <p:txBody>
-          <a:bodyPr anchorCtr="0" anchor="ctr" bIns="68575" lIns="68575" spcFirstLastPara="1" rIns="68575" wrap="square" tIns="68575">
+          <a:bodyPr spcFirstLastPara="1" wrap="square" lIns="68575" tIns="68575" rIns="68575" bIns="68575" anchor="ctr" anchorCtr="0">
             <a:noAutofit/>
           </a:bodyPr>
           <a:lstStyle/>
           <a:p>
-            <a:pPr indent="0" lvl="0" marL="0" rtl="0" algn="l">
+            <a:pPr marL="0" lvl="0" indent="0" algn="l" rtl="0">
               <a:spcBef>
                 <a:spcPts val="0"/>
               </a:spcBef>
@@ -6922,9 +7136,6 @@
               </a:spcAft>
               <a:buNone/>
             </a:pPr>
-            <a:r>
-              <a:t/>
-            </a:r>
             <a:endParaRPr/>
           </a:p>
         </p:txBody>
@@ -6932,9 +7143,11 @@
       <p:sp>
         <p:nvSpPr>
           <p:cNvPr id="68" name="Google Shape;68;p10"/>
-          <p:cNvSpPr/>
+          <p:cNvSpPr>
+            <a:spLocks noGrp="1"/>
+          </p:cNvSpPr>
           <p:nvPr>
-            <p:ph idx="2" type="pic"/>
+            <p:ph type="pic" idx="2"/>
           </p:nvPr>
         </p:nvSpPr>
         <p:spPr>
@@ -6956,7 +7169,9 @@
       <p:sp>
         <p:nvSpPr>
           <p:cNvPr id="69" name="Google Shape;69;p10"/>
-          <p:cNvSpPr txBox="1"/>
+          <p:cNvSpPr txBox="1">
+            <a:spLocks noGrp="1"/>
+          </p:cNvSpPr>
           <p:nvPr>
             <p:ph type="title"/>
           </p:nvPr>
@@ -6975,7 +7190,7 @@
           </a:ln>
         </p:spPr>
         <p:txBody>
-          <a:bodyPr anchorCtr="0" anchor="b" bIns="0" lIns="68575" spcFirstLastPara="1" rIns="68575" wrap="square" tIns="0">
+          <a:bodyPr spcFirstLastPara="1" wrap="square" lIns="68575" tIns="0" rIns="68575" bIns="0" anchor="b" anchorCtr="0">
             <a:noAutofit/>
           </a:bodyPr>
           <a:lstStyle>
@@ -6995,7 +7210,7 @@
               <a:buSzPts val="2700"/>
               <a:buFont typeface="Century Gothic"/>
               <a:buNone/>
-              <a:defRPr b="0" sz="2700">
+              <a:defRPr sz="2700" b="0">
                 <a:solidFill>
                   <a:schemeClr val="dk1"/>
                 </a:solidFill>
@@ -7090,15 +7305,19 @@
               <a:defRPr/>
             </a:lvl9pPr>
           </a:lstStyle>
-          <a:p/>
+          <a:p>
+            <a:endParaRPr/>
+          </a:p>
         </p:txBody>
       </p:sp>
       <p:sp>
         <p:nvSpPr>
           <p:cNvPr id="70" name="Google Shape;70;p10"/>
-          <p:cNvSpPr txBox="1"/>
+          <p:cNvSpPr txBox="1">
+            <a:spLocks noGrp="1"/>
+          </p:cNvSpPr>
           <p:nvPr>
-            <p:ph idx="1" type="body"/>
+            <p:ph type="body" idx="1"/>
           </p:nvPr>
         </p:nvSpPr>
         <p:spPr>
@@ -7115,11 +7334,11 @@
           </a:ln>
         </p:spPr>
         <p:txBody>
-          <a:bodyPr anchorCtr="0" anchor="t" bIns="0" lIns="68575" spcFirstLastPara="1" rIns="68575" wrap="square" tIns="0">
+          <a:bodyPr spcFirstLastPara="1" wrap="square" lIns="68575" tIns="0" rIns="68575" bIns="0" anchor="t" anchorCtr="0">
             <a:normAutofit/>
           </a:bodyPr>
           <a:lstStyle>
-            <a:lvl1pPr indent="-228600" lvl="0" marL="457200" algn="l">
+            <a:lvl1pPr marL="457200" lvl="0" indent="-228600" algn="l">
               <a:lnSpc>
                 <a:spcPct val="100000"/>
               </a:lnSpc>
@@ -7137,7 +7356,7 @@
                 </a:solidFill>
               </a:defRPr>
             </a:lvl1pPr>
-            <a:lvl2pPr indent="-228600" lvl="1" marL="914400" algn="l">
+            <a:lvl2pPr marL="914400" lvl="1" indent="-228600" algn="l">
               <a:lnSpc>
                 <a:spcPct val="100000"/>
               </a:lnSpc>
@@ -7154,7 +7373,7 @@
               <a:buNone/>
               <a:defRPr sz="900"/>
             </a:lvl2pPr>
-            <a:lvl3pPr indent="-228600" lvl="2" marL="1371600" algn="l">
+            <a:lvl3pPr marL="1371600" lvl="2" indent="-228600" algn="l">
               <a:lnSpc>
                 <a:spcPct val="100000"/>
               </a:lnSpc>
@@ -7171,7 +7390,7 @@
               <a:buNone/>
               <a:defRPr sz="800"/>
             </a:lvl3pPr>
-            <a:lvl4pPr indent="-228600" lvl="3" marL="1828800" algn="l">
+            <a:lvl4pPr marL="1828800" lvl="3" indent="-228600" algn="l">
               <a:lnSpc>
                 <a:spcPct val="100000"/>
               </a:lnSpc>
@@ -7188,7 +7407,7 @@
               <a:buNone/>
               <a:defRPr sz="700"/>
             </a:lvl4pPr>
-            <a:lvl5pPr indent="-228600" lvl="4" marL="2286000" algn="l">
+            <a:lvl5pPr marL="2286000" lvl="4" indent="-228600" algn="l">
               <a:lnSpc>
                 <a:spcPct val="100000"/>
               </a:lnSpc>
@@ -7205,7 +7424,7 @@
               <a:buNone/>
               <a:defRPr sz="700"/>
             </a:lvl5pPr>
-            <a:lvl6pPr indent="-228600" lvl="5" marL="2743200" algn="l">
+            <a:lvl6pPr marL="2743200" lvl="5" indent="-228600" algn="l">
               <a:lnSpc>
                 <a:spcPct val="90000"/>
               </a:lnSpc>
@@ -7219,7 +7438,7 @@
               <a:buNone/>
               <a:defRPr sz="700"/>
             </a:lvl6pPr>
-            <a:lvl7pPr indent="-228600" lvl="6" marL="3200400" algn="l">
+            <a:lvl7pPr marL="3200400" lvl="6" indent="-228600" algn="l">
               <a:lnSpc>
                 <a:spcPct val="90000"/>
               </a:lnSpc>
@@ -7233,7 +7452,7 @@
               <a:buNone/>
               <a:defRPr sz="700"/>
             </a:lvl7pPr>
-            <a:lvl8pPr indent="-228600" lvl="7" marL="3657600" algn="l">
+            <a:lvl8pPr marL="3657600" lvl="7" indent="-228600" algn="l">
               <a:lnSpc>
                 <a:spcPct val="90000"/>
               </a:lnSpc>
@@ -7247,7 +7466,7 @@
               <a:buNone/>
               <a:defRPr sz="700"/>
             </a:lvl8pPr>
-            <a:lvl9pPr indent="-228600" lvl="8" marL="4114800" algn="l">
+            <a:lvl9pPr marL="4114800" lvl="8" indent="-228600" algn="l">
               <a:lnSpc>
                 <a:spcPct val="90000"/>
               </a:lnSpc>
@@ -7262,7 +7481,9 @@
               <a:defRPr sz="700"/>
             </a:lvl9pPr>
           </a:lstStyle>
-          <a:p/>
+          <a:p>
+            <a:endParaRPr/>
+          </a:p>
         </p:txBody>
       </p:sp>
     </p:spTree>
@@ -7274,18 +7495,19 @@
 </file>
 
 <file path=ppt/slideMasters/slideMaster1.xml><?xml version="1.0" encoding="utf-8"?>
-<p:sldMaster xmlns:a="http://schemas.openxmlformats.org/drawingml/2006/main" xmlns:r="http://schemas.openxmlformats.org/officeDocument/2006/relationships" xmlns:mc="http://schemas.openxmlformats.org/markup-compatibility/2006" xmlns:mv="urn:schemas-microsoft-com:mac:vml" xmlns:p="http://schemas.openxmlformats.org/presentationml/2006/main" xmlns:c="http://schemas.openxmlformats.org/drawingml/2006/chart" xmlns:dgm="http://schemas.openxmlformats.org/drawingml/2006/diagram" xmlns:o="urn:schemas-microsoft-com:office:office" xmlns:v="urn:schemas-microsoft-com:vml" xmlns:pvml="urn:schemas-microsoft-com:office:powerpoint" xmlns:com="http://schemas.openxmlformats.org/drawingml/2006/compatibility" xmlns:p14="http://schemas.microsoft.com/office/powerpoint/2010/main" xmlns:p15="http://schemas.microsoft.com/office/powerpoint/2012/main" xmlns:ahyp="http://schemas.microsoft.com/office/drawing/2018/hyperlinkcolor">
+<p:sldMaster xmlns:a="http://schemas.openxmlformats.org/drawingml/2006/main" xmlns:r="http://schemas.openxmlformats.org/officeDocument/2006/relationships" xmlns:p="http://schemas.openxmlformats.org/presentationml/2006/main">
   <p:cSld>
     <p:bg>
       <p:bgPr>
         <a:solidFill>
           <a:schemeClr val="lt1"/>
         </a:solidFill>
+        <a:effectLst/>
       </p:bgPr>
     </p:bg>
     <p:spTree>
       <p:nvGrpSpPr>
-        <p:cNvPr id="5" name="Shape 5"/>
+        <p:cNvPr id="1" name="Shape 5"/>
         <p:cNvGrpSpPr/>
         <p:nvPr/>
       </p:nvGrpSpPr>
@@ -7318,7 +7540,7 @@
             <a:noFill/>
           </a:ln>
           <a:effectLst>
-            <a:outerShdw blurRad="254000" rotWithShape="0" dir="2700000" dist="25400">
+            <a:outerShdw blurRad="254000" dist="25400" dir="2700000" rotWithShape="0">
               <a:srgbClr val="1F2125">
                 <a:alpha val="14901"/>
               </a:srgbClr>
@@ -7326,12 +7548,12 @@
           </a:effectLst>
         </p:spPr>
         <p:txBody>
-          <a:bodyPr anchorCtr="0" anchor="ctr" bIns="0" lIns="0" spcFirstLastPara="1" rIns="0" wrap="square" tIns="0">
+          <a:bodyPr spcFirstLastPara="1" wrap="square" lIns="0" tIns="0" rIns="0" bIns="0" anchor="ctr" anchorCtr="0">
             <a:noAutofit/>
           </a:bodyPr>
           <a:lstStyle/>
           <a:p>
-            <a:pPr indent="0" lvl="0" marL="0" marR="0" rtl="0" algn="l">
+            <a:pPr marL="0" marR="0" lvl="0" indent="0" algn="l" rtl="0">
               <a:spcBef>
                 <a:spcPts val="0"/>
               </a:spcBef>
@@ -7340,10 +7562,7 @@
               </a:spcAft>
               <a:buNone/>
             </a:pPr>
-            <a:r>
-              <a:t/>
-            </a:r>
-            <a:endParaRPr b="0" i="0" sz="1200" u="none" cap="none" strike="noStrike">
+            <a:endParaRPr sz="1200" b="0" i="0" u="none" strike="noStrike" cap="none">
               <a:solidFill>
                 <a:schemeClr val="dk1"/>
               </a:solidFill>
@@ -7358,7 +7577,9 @@
       <p:sp>
         <p:nvSpPr>
           <p:cNvPr id="7" name="Google Shape;7;p1"/>
-          <p:cNvSpPr txBox="1"/>
+          <p:cNvSpPr txBox="1">
+            <a:spLocks noGrp="1"/>
+          </p:cNvSpPr>
           <p:nvPr>
             <p:ph type="title"/>
           </p:nvPr>
@@ -7377,11 +7598,11 @@
           </a:ln>
         </p:spPr>
         <p:txBody>
-          <a:bodyPr anchorCtr="0" anchor="ctr" bIns="34275" lIns="68575" spcFirstLastPara="1" rIns="68575" wrap="square" tIns="34275">
+          <a:bodyPr spcFirstLastPara="1" wrap="square" lIns="68575" tIns="34275" rIns="68575" bIns="34275" anchor="ctr" anchorCtr="0">
             <a:normAutofit/>
           </a:bodyPr>
           <a:lstStyle>
-            <a:lvl1pPr lvl="0" marR="0" rtl="0" algn="l">
+            <a:lvl1pPr marR="0" lvl="0" algn="l" rtl="0">
               <a:lnSpc>
                 <a:spcPct val="90000"/>
               </a:lnSpc>
@@ -7397,7 +7618,7 @@
               <a:buSzPts val="2100"/>
               <a:buFont typeface="Century Gothic"/>
               <a:buNone/>
-              <a:defRPr b="0" i="0" sz="2100" u="none" cap="none" strike="noStrike">
+              <a:defRPr sz="2100" b="0" i="0" u="none" strike="noStrike" cap="none">
                 <a:solidFill>
                   <a:srgbClr val="3F3F3F"/>
                 </a:solidFill>
@@ -7496,15 +7717,19 @@
               <a:defRPr sz="1400"/>
             </a:lvl9pPr>
           </a:lstStyle>
-          <a:p/>
+          <a:p>
+            <a:endParaRPr/>
+          </a:p>
         </p:txBody>
       </p:sp>
       <p:sp>
         <p:nvSpPr>
           <p:cNvPr id="8" name="Google Shape;8;p1"/>
-          <p:cNvSpPr txBox="1"/>
+          <p:cNvSpPr txBox="1">
+            <a:spLocks noGrp="1"/>
+          </p:cNvSpPr>
           <p:nvPr>
-            <p:ph idx="1" type="body"/>
+            <p:ph type="body" idx="1"/>
           </p:nvPr>
         </p:nvSpPr>
         <p:spPr>
@@ -7521,11 +7746,11 @@
           </a:ln>
         </p:spPr>
         <p:txBody>
-          <a:bodyPr anchorCtr="0" anchor="t" bIns="34275" lIns="0" spcFirstLastPara="1" rIns="0" wrap="square" tIns="34275">
+          <a:bodyPr spcFirstLastPara="1" wrap="square" lIns="0" tIns="34275" rIns="0" bIns="34275" anchor="t" anchorCtr="0">
             <a:normAutofit/>
           </a:bodyPr>
           <a:lstStyle>
-            <a:lvl1pPr indent="-323850" lvl="0" marL="457200" marR="0" rtl="0" algn="l">
+            <a:lvl1pPr marL="457200" marR="0" lvl="0" indent="-323850" algn="l" rtl="0">
               <a:lnSpc>
                 <a:spcPct val="100000"/>
               </a:lnSpc>
@@ -7541,7 +7766,7 @@
               <a:buSzPts val="1500"/>
               <a:buFont typeface="Calibri"/>
               <a:buChar char=" "/>
-              <a:defRPr b="0" i="0" sz="1500" u="none" cap="none" strike="noStrike">
+              <a:defRPr sz="1500" b="0" i="0" u="none" strike="noStrike" cap="none">
                 <a:solidFill>
                   <a:srgbClr val="3F3F3F"/>
                 </a:solidFill>
@@ -7551,7 +7776,7 @@
                 <a:sym typeface="Century Gothic"/>
               </a:defRPr>
             </a:lvl1pPr>
-            <a:lvl2pPr indent="-317500" lvl="1" marL="914400" marR="0" rtl="0" algn="l">
+            <a:lvl2pPr marL="914400" marR="0" lvl="1" indent="-317500" algn="l" rtl="0">
               <a:lnSpc>
                 <a:spcPct val="100000"/>
               </a:lnSpc>
@@ -7567,7 +7792,7 @@
               <a:buSzPts val="1400"/>
               <a:buFont typeface="Calibri"/>
               <a:buChar char="◦"/>
-              <a:defRPr b="0" i="0" sz="1400" u="none" cap="none" strike="noStrike">
+              <a:defRPr sz="1400" b="0" i="0" u="none" strike="noStrike" cap="none">
                 <a:solidFill>
                   <a:srgbClr val="3F3F3F"/>
                 </a:solidFill>
@@ -7577,7 +7802,7 @@
                 <a:sym typeface="Century Gothic"/>
               </a:defRPr>
             </a:lvl2pPr>
-            <a:lvl3pPr indent="-298450" lvl="2" marL="1371600" marR="0" rtl="0" algn="l">
+            <a:lvl3pPr marL="1371600" marR="0" lvl="2" indent="-298450" algn="l" rtl="0">
               <a:lnSpc>
                 <a:spcPct val="100000"/>
               </a:lnSpc>
@@ -7593,7 +7818,7 @@
               <a:buSzPts val="1100"/>
               <a:buFont typeface="Calibri"/>
               <a:buChar char="◦"/>
-              <a:defRPr b="0" i="0" sz="1100" u="none" cap="none" strike="noStrike">
+              <a:defRPr sz="1100" b="0" i="0" u="none" strike="noStrike" cap="none">
                 <a:solidFill>
                   <a:srgbClr val="3F3F3F"/>
                 </a:solidFill>
@@ -7603,7 +7828,7 @@
                 <a:sym typeface="Century Gothic"/>
               </a:defRPr>
             </a:lvl3pPr>
-            <a:lvl4pPr indent="-298450" lvl="3" marL="1828800" marR="0" rtl="0" algn="l">
+            <a:lvl4pPr marL="1828800" marR="0" lvl="3" indent="-298450" algn="l" rtl="0">
               <a:lnSpc>
                 <a:spcPct val="100000"/>
               </a:lnSpc>
@@ -7619,7 +7844,7 @@
               <a:buSzPts val="1100"/>
               <a:buFont typeface="Calibri"/>
               <a:buChar char="◦"/>
-              <a:defRPr b="0" i="0" sz="1100" u="none" cap="none" strike="noStrike">
+              <a:defRPr sz="1100" b="0" i="0" u="none" strike="noStrike" cap="none">
                 <a:solidFill>
                   <a:srgbClr val="3F3F3F"/>
                 </a:solidFill>
@@ -7629,7 +7854,7 @@
                 <a:sym typeface="Century Gothic"/>
               </a:defRPr>
             </a:lvl4pPr>
-            <a:lvl5pPr indent="-298450" lvl="4" marL="2286000" marR="0" rtl="0" algn="l">
+            <a:lvl5pPr marL="2286000" marR="0" lvl="4" indent="-298450" algn="l" rtl="0">
               <a:lnSpc>
                 <a:spcPct val="100000"/>
               </a:lnSpc>
@@ -7645,7 +7870,7 @@
               <a:buSzPts val="1100"/>
               <a:buFont typeface="Calibri"/>
               <a:buChar char="◦"/>
-              <a:defRPr b="0" i="0" sz="1100" u="none" cap="none" strike="noStrike">
+              <a:defRPr sz="1100" b="0" i="0" u="none" strike="noStrike" cap="none">
                 <a:solidFill>
                   <a:srgbClr val="3F3F3F"/>
                 </a:solidFill>
@@ -7655,7 +7880,7 @@
                 <a:sym typeface="Century Gothic"/>
               </a:defRPr>
             </a:lvl5pPr>
-            <a:lvl6pPr indent="-298450" lvl="5" marL="2743200" marR="0" rtl="0" algn="l">
+            <a:lvl6pPr marL="2743200" marR="0" lvl="5" indent="-298450" algn="l" rtl="0">
               <a:lnSpc>
                 <a:spcPct val="90000"/>
               </a:lnSpc>
@@ -7671,7 +7896,7 @@
               <a:buSzPts val="1100"/>
               <a:buFont typeface="Calibri"/>
               <a:buChar char="◦"/>
-              <a:defRPr b="0" i="0" sz="1100" u="none" cap="none" strike="noStrike">
+              <a:defRPr sz="1100" b="0" i="0" u="none" strike="noStrike" cap="none">
                 <a:solidFill>
                   <a:srgbClr val="3F3F3F"/>
                 </a:solidFill>
@@ -7681,7 +7906,7 @@
                 <a:sym typeface="Century Gothic"/>
               </a:defRPr>
             </a:lvl6pPr>
-            <a:lvl7pPr indent="-298450" lvl="6" marL="3200400" marR="0" rtl="0" algn="l">
+            <a:lvl7pPr marL="3200400" marR="0" lvl="6" indent="-298450" algn="l" rtl="0">
               <a:lnSpc>
                 <a:spcPct val="90000"/>
               </a:lnSpc>
@@ -7697,7 +7922,7 @@
               <a:buSzPts val="1100"/>
               <a:buFont typeface="Calibri"/>
               <a:buChar char="◦"/>
-              <a:defRPr b="0" i="0" sz="1100" u="none" cap="none" strike="noStrike">
+              <a:defRPr sz="1100" b="0" i="0" u="none" strike="noStrike" cap="none">
                 <a:solidFill>
                   <a:srgbClr val="3F3F3F"/>
                 </a:solidFill>
@@ -7707,7 +7932,7 @@
                 <a:sym typeface="Century Gothic"/>
               </a:defRPr>
             </a:lvl7pPr>
-            <a:lvl8pPr indent="-298450" lvl="7" marL="3657600" marR="0" rtl="0" algn="l">
+            <a:lvl8pPr marL="3657600" marR="0" lvl="7" indent="-298450" algn="l" rtl="0">
               <a:lnSpc>
                 <a:spcPct val="90000"/>
               </a:lnSpc>
@@ -7723,7 +7948,7 @@
               <a:buSzPts val="1100"/>
               <a:buFont typeface="Calibri"/>
               <a:buChar char="◦"/>
-              <a:defRPr b="0" i="0" sz="1100" u="none" cap="none" strike="noStrike">
+              <a:defRPr sz="1100" b="0" i="0" u="none" strike="noStrike" cap="none">
                 <a:solidFill>
                   <a:srgbClr val="3F3F3F"/>
                 </a:solidFill>
@@ -7733,7 +7958,7 @@
                 <a:sym typeface="Century Gothic"/>
               </a:defRPr>
             </a:lvl8pPr>
-            <a:lvl9pPr indent="-298450" lvl="8" marL="4114800" marR="0" rtl="0" algn="l">
+            <a:lvl9pPr marL="4114800" marR="0" lvl="8" indent="-298450" algn="l" rtl="0">
               <a:lnSpc>
                 <a:spcPct val="90000"/>
               </a:lnSpc>
@@ -7749,7 +7974,7 @@
               <a:buSzPts val="1100"/>
               <a:buFont typeface="Calibri"/>
               <a:buChar char="◦"/>
-              <a:defRPr b="0" i="0" sz="1100" u="none" cap="none" strike="noStrike">
+              <a:defRPr sz="1100" b="0" i="0" u="none" strike="noStrike" cap="none">
                 <a:solidFill>
                   <a:srgbClr val="3F3F3F"/>
                 </a:solidFill>
@@ -7760,15 +7985,19 @@
               </a:defRPr>
             </a:lvl9pPr>
           </a:lstStyle>
-          <a:p/>
+          <a:p>
+            <a:endParaRPr/>
+          </a:p>
         </p:txBody>
       </p:sp>
       <p:sp>
         <p:nvSpPr>
           <p:cNvPr id="9" name="Google Shape;9;p1"/>
-          <p:cNvSpPr txBox="1"/>
+          <p:cNvSpPr txBox="1">
+            <a:spLocks noGrp="1"/>
+          </p:cNvSpPr>
           <p:nvPr>
-            <p:ph idx="10" type="dt"/>
+            <p:ph type="dt" idx="10"/>
           </p:nvPr>
         </p:nvSpPr>
         <p:spPr>
@@ -7785,20 +8014,20 @@
           </a:ln>
         </p:spPr>
         <p:txBody>
-          <a:bodyPr anchorCtr="0" anchor="ctr" bIns="34275" lIns="68575" spcFirstLastPara="1" rIns="68575" wrap="square" tIns="34275">
+          <a:bodyPr spcFirstLastPara="1" wrap="square" lIns="68575" tIns="34275" rIns="68575" bIns="34275" anchor="ctr" anchorCtr="0">
             <a:noAutofit/>
           </a:bodyPr>
           <a:lstStyle>
-            <a:lvl1pPr lvl="0" marR="0" rtl="0" algn="r">
-              <a:spcBef>
-                <a:spcPts val="0"/>
-              </a:spcBef>
-              <a:spcAft>
-                <a:spcPts val="0"/>
-              </a:spcAft>
-              <a:buSzPts val="1100"/>
-              <a:buNone/>
-              <a:defRPr b="0" i="0" sz="700" u="none" cap="none" strike="noStrike">
+            <a:lvl1pPr marR="0" lvl="0" algn="r" rtl="0">
+              <a:spcBef>
+                <a:spcPts val="0"/>
+              </a:spcBef>
+              <a:spcAft>
+                <a:spcPts val="0"/>
+              </a:spcAft>
+              <a:buSzPts val="1100"/>
+              <a:buNone/>
+              <a:defRPr sz="700" b="0" i="0" u="none" strike="noStrike" cap="none">
                 <a:solidFill>
                   <a:srgbClr val="FFFFFF"/>
                 </a:solidFill>
@@ -7808,16 +8037,16 @@
                 <a:sym typeface="Century Gothic"/>
               </a:defRPr>
             </a:lvl1pPr>
-            <a:lvl2pPr lvl="1" marR="0" rtl="0" algn="l">
-              <a:spcBef>
-                <a:spcPts val="0"/>
-              </a:spcBef>
-              <a:spcAft>
-                <a:spcPts val="0"/>
-              </a:spcAft>
-              <a:buSzPts val="1100"/>
-              <a:buNone/>
-              <a:defRPr b="0" i="0" sz="1400" u="none" cap="none" strike="noStrike">
+            <a:lvl2pPr marR="0" lvl="1" algn="l" rtl="0">
+              <a:spcBef>
+                <a:spcPts val="0"/>
+              </a:spcBef>
+              <a:spcAft>
+                <a:spcPts val="0"/>
+              </a:spcAft>
+              <a:buSzPts val="1100"/>
+              <a:buNone/>
+              <a:defRPr sz="1400" b="0" i="0" u="none" strike="noStrike" cap="none">
                 <a:solidFill>
                   <a:schemeClr val="dk1"/>
                 </a:solidFill>
@@ -7827,16 +8056,16 @@
                 <a:sym typeface="Century Gothic"/>
               </a:defRPr>
             </a:lvl2pPr>
-            <a:lvl3pPr lvl="2" marR="0" rtl="0" algn="l">
-              <a:spcBef>
-                <a:spcPts val="0"/>
-              </a:spcBef>
-              <a:spcAft>
-                <a:spcPts val="0"/>
-              </a:spcAft>
-              <a:buSzPts val="1100"/>
-              <a:buNone/>
-              <a:defRPr b="0" i="0" sz="1400" u="none" cap="none" strike="noStrike">
+            <a:lvl3pPr marR="0" lvl="2" algn="l" rtl="0">
+              <a:spcBef>
+                <a:spcPts val="0"/>
+              </a:spcBef>
+              <a:spcAft>
+                <a:spcPts val="0"/>
+              </a:spcAft>
+              <a:buSzPts val="1100"/>
+              <a:buNone/>
+              <a:defRPr sz="1400" b="0" i="0" u="none" strike="noStrike" cap="none">
                 <a:solidFill>
                   <a:schemeClr val="dk1"/>
                 </a:solidFill>
@@ -7846,16 +8075,16 @@
                 <a:sym typeface="Century Gothic"/>
               </a:defRPr>
             </a:lvl3pPr>
-            <a:lvl4pPr lvl="3" marR="0" rtl="0" algn="l">
-              <a:spcBef>
-                <a:spcPts val="0"/>
-              </a:spcBef>
-              <a:spcAft>
-                <a:spcPts val="0"/>
-              </a:spcAft>
-              <a:buSzPts val="1100"/>
-              <a:buNone/>
-              <a:defRPr b="0" i="0" sz="1400" u="none" cap="none" strike="noStrike">
+            <a:lvl4pPr marR="0" lvl="3" algn="l" rtl="0">
+              <a:spcBef>
+                <a:spcPts val="0"/>
+              </a:spcBef>
+              <a:spcAft>
+                <a:spcPts val="0"/>
+              </a:spcAft>
+              <a:buSzPts val="1100"/>
+              <a:buNone/>
+              <a:defRPr sz="1400" b="0" i="0" u="none" strike="noStrike" cap="none">
                 <a:solidFill>
                   <a:schemeClr val="dk1"/>
                 </a:solidFill>
@@ -7865,16 +8094,16 @@
                 <a:sym typeface="Century Gothic"/>
               </a:defRPr>
             </a:lvl4pPr>
-            <a:lvl5pPr lvl="4" marR="0" rtl="0" algn="l">
-              <a:spcBef>
-                <a:spcPts val="0"/>
-              </a:spcBef>
-              <a:spcAft>
-                <a:spcPts val="0"/>
-              </a:spcAft>
-              <a:buSzPts val="1100"/>
-              <a:buNone/>
-              <a:defRPr b="0" i="0" sz="1400" u="none" cap="none" strike="noStrike">
+            <a:lvl5pPr marR="0" lvl="4" algn="l" rtl="0">
+              <a:spcBef>
+                <a:spcPts val="0"/>
+              </a:spcBef>
+              <a:spcAft>
+                <a:spcPts val="0"/>
+              </a:spcAft>
+              <a:buSzPts val="1100"/>
+              <a:buNone/>
+              <a:defRPr sz="1400" b="0" i="0" u="none" strike="noStrike" cap="none">
                 <a:solidFill>
                   <a:schemeClr val="dk1"/>
                 </a:solidFill>
@@ -7884,16 +8113,16 @@
                 <a:sym typeface="Century Gothic"/>
               </a:defRPr>
             </a:lvl5pPr>
-            <a:lvl6pPr lvl="5" marR="0" rtl="0" algn="l">
-              <a:spcBef>
-                <a:spcPts val="0"/>
-              </a:spcBef>
-              <a:spcAft>
-                <a:spcPts val="0"/>
-              </a:spcAft>
-              <a:buSzPts val="1100"/>
-              <a:buNone/>
-              <a:defRPr b="0" i="0" sz="1400" u="none" cap="none" strike="noStrike">
+            <a:lvl6pPr marR="0" lvl="5" algn="l" rtl="0">
+              <a:spcBef>
+                <a:spcPts val="0"/>
+              </a:spcBef>
+              <a:spcAft>
+                <a:spcPts val="0"/>
+              </a:spcAft>
+              <a:buSzPts val="1100"/>
+              <a:buNone/>
+              <a:defRPr sz="1400" b="0" i="0" u="none" strike="noStrike" cap="none">
                 <a:solidFill>
                   <a:schemeClr val="dk1"/>
                 </a:solidFill>
@@ -7903,16 +8132,16 @@
                 <a:sym typeface="Century Gothic"/>
               </a:defRPr>
             </a:lvl6pPr>
-            <a:lvl7pPr lvl="6" marR="0" rtl="0" algn="l">
-              <a:spcBef>
-                <a:spcPts val="0"/>
-              </a:spcBef>
-              <a:spcAft>
-                <a:spcPts val="0"/>
-              </a:spcAft>
-              <a:buSzPts val="1100"/>
-              <a:buNone/>
-              <a:defRPr b="0" i="0" sz="1400" u="none" cap="none" strike="noStrike">
+            <a:lvl7pPr marR="0" lvl="6" algn="l" rtl="0">
+              <a:spcBef>
+                <a:spcPts val="0"/>
+              </a:spcBef>
+              <a:spcAft>
+                <a:spcPts val="0"/>
+              </a:spcAft>
+              <a:buSzPts val="1100"/>
+              <a:buNone/>
+              <a:defRPr sz="1400" b="0" i="0" u="none" strike="noStrike" cap="none">
                 <a:solidFill>
                   <a:schemeClr val="dk1"/>
                 </a:solidFill>
@@ -7922,16 +8151,16 @@
                 <a:sym typeface="Century Gothic"/>
               </a:defRPr>
             </a:lvl7pPr>
-            <a:lvl8pPr lvl="7" marR="0" rtl="0" algn="l">
-              <a:spcBef>
-                <a:spcPts val="0"/>
-              </a:spcBef>
-              <a:spcAft>
-                <a:spcPts val="0"/>
-              </a:spcAft>
-              <a:buSzPts val="1100"/>
-              <a:buNone/>
-              <a:defRPr b="0" i="0" sz="1400" u="none" cap="none" strike="noStrike">
+            <a:lvl8pPr marR="0" lvl="7" algn="l" rtl="0">
+              <a:spcBef>
+                <a:spcPts val="0"/>
+              </a:spcBef>
+              <a:spcAft>
+                <a:spcPts val="0"/>
+              </a:spcAft>
+              <a:buSzPts val="1100"/>
+              <a:buNone/>
+              <a:defRPr sz="1400" b="0" i="0" u="none" strike="noStrike" cap="none">
                 <a:solidFill>
                   <a:schemeClr val="dk1"/>
                 </a:solidFill>
@@ -7941,16 +8170,16 @@
                 <a:sym typeface="Century Gothic"/>
               </a:defRPr>
             </a:lvl8pPr>
-            <a:lvl9pPr lvl="8" marR="0" rtl="0" algn="l">
-              <a:spcBef>
-                <a:spcPts val="0"/>
-              </a:spcBef>
-              <a:spcAft>
-                <a:spcPts val="0"/>
-              </a:spcAft>
-              <a:buSzPts val="1100"/>
-              <a:buNone/>
-              <a:defRPr b="0" i="0" sz="1400" u="none" cap="none" strike="noStrike">
+            <a:lvl9pPr marR="0" lvl="8" algn="l" rtl="0">
+              <a:spcBef>
+                <a:spcPts val="0"/>
+              </a:spcBef>
+              <a:spcAft>
+                <a:spcPts val="0"/>
+              </a:spcAft>
+              <a:buSzPts val="1100"/>
+              <a:buNone/>
+              <a:defRPr sz="1400" b="0" i="0" u="none" strike="noStrike" cap="none">
                 <a:solidFill>
                   <a:schemeClr val="dk1"/>
                 </a:solidFill>
@@ -7961,15 +8190,19 @@
               </a:defRPr>
             </a:lvl9pPr>
           </a:lstStyle>
-          <a:p/>
+          <a:p>
+            <a:endParaRPr/>
+          </a:p>
         </p:txBody>
       </p:sp>
       <p:sp>
         <p:nvSpPr>
           <p:cNvPr id="10" name="Google Shape;10;p1"/>
-          <p:cNvSpPr txBox="1"/>
+          <p:cNvSpPr txBox="1">
+            <a:spLocks noGrp="1"/>
+          </p:cNvSpPr>
           <p:nvPr>
-            <p:ph idx="11" type="ftr"/>
+            <p:ph type="ftr" idx="11"/>
           </p:nvPr>
         </p:nvSpPr>
         <p:spPr>
@@ -7986,20 +8219,20 @@
           </a:ln>
         </p:spPr>
         <p:txBody>
-          <a:bodyPr anchorCtr="0" anchor="ctr" bIns="34275" lIns="68575" spcFirstLastPara="1" rIns="68575" wrap="square" tIns="34275">
+          <a:bodyPr spcFirstLastPara="1" wrap="square" lIns="68575" tIns="34275" rIns="68575" bIns="34275" anchor="ctr" anchorCtr="0">
             <a:noAutofit/>
           </a:bodyPr>
           <a:lstStyle>
-            <a:lvl1pPr lvl="0" marR="0" rtl="0" algn="l">
-              <a:spcBef>
-                <a:spcPts val="0"/>
-              </a:spcBef>
-              <a:spcAft>
-                <a:spcPts val="0"/>
-              </a:spcAft>
-              <a:buSzPts val="1100"/>
-              <a:buNone/>
-              <a:defRPr b="0" i="0" sz="700" u="none" cap="none" strike="noStrike">
+            <a:lvl1pPr marR="0" lvl="0" algn="l" rtl="0">
+              <a:spcBef>
+                <a:spcPts val="0"/>
+              </a:spcBef>
+              <a:spcAft>
+                <a:spcPts val="0"/>
+              </a:spcAft>
+              <a:buSzPts val="1100"/>
+              <a:buNone/>
+              <a:defRPr sz="700" b="0" i="0" u="none" strike="noStrike" cap="none">
                 <a:solidFill>
                   <a:srgbClr val="FFFFFF"/>
                 </a:solidFill>
@@ -8009,16 +8242,16 @@
                 <a:sym typeface="Century Gothic"/>
               </a:defRPr>
             </a:lvl1pPr>
-            <a:lvl2pPr lvl="1" marR="0" rtl="0" algn="l">
-              <a:spcBef>
-                <a:spcPts val="0"/>
-              </a:spcBef>
-              <a:spcAft>
-                <a:spcPts val="0"/>
-              </a:spcAft>
-              <a:buSzPts val="1100"/>
-              <a:buNone/>
-              <a:defRPr b="0" i="0" sz="1400" u="none" cap="none" strike="noStrike">
+            <a:lvl2pPr marR="0" lvl="1" algn="l" rtl="0">
+              <a:spcBef>
+                <a:spcPts val="0"/>
+              </a:spcBef>
+              <a:spcAft>
+                <a:spcPts val="0"/>
+              </a:spcAft>
+              <a:buSzPts val="1100"/>
+              <a:buNone/>
+              <a:defRPr sz="1400" b="0" i="0" u="none" strike="noStrike" cap="none">
                 <a:solidFill>
                   <a:schemeClr val="dk1"/>
                 </a:solidFill>
@@ -8028,16 +8261,16 @@
                 <a:sym typeface="Century Gothic"/>
               </a:defRPr>
             </a:lvl2pPr>
-            <a:lvl3pPr lvl="2" marR="0" rtl="0" algn="l">
-              <a:spcBef>
-                <a:spcPts val="0"/>
-              </a:spcBef>
-              <a:spcAft>
-                <a:spcPts val="0"/>
-              </a:spcAft>
-              <a:buSzPts val="1100"/>
-              <a:buNone/>
-              <a:defRPr b="0" i="0" sz="1400" u="none" cap="none" strike="noStrike">
+            <a:lvl3pPr marR="0" lvl="2" algn="l" rtl="0">
+              <a:spcBef>
+                <a:spcPts val="0"/>
+              </a:spcBef>
+              <a:spcAft>
+                <a:spcPts val="0"/>
+              </a:spcAft>
+              <a:buSzPts val="1100"/>
+              <a:buNone/>
+              <a:defRPr sz="1400" b="0" i="0" u="none" strike="noStrike" cap="none">
                 <a:solidFill>
                   <a:schemeClr val="dk1"/>
                 </a:solidFill>
@@ -8047,16 +8280,16 @@
                 <a:sym typeface="Century Gothic"/>
               </a:defRPr>
             </a:lvl3pPr>
-            <a:lvl4pPr lvl="3" marR="0" rtl="0" algn="l">
-              <a:spcBef>
-                <a:spcPts val="0"/>
-              </a:spcBef>
-              <a:spcAft>
-                <a:spcPts val="0"/>
-              </a:spcAft>
-              <a:buSzPts val="1100"/>
-              <a:buNone/>
-              <a:defRPr b="0" i="0" sz="1400" u="none" cap="none" strike="noStrike">
+            <a:lvl4pPr marR="0" lvl="3" algn="l" rtl="0">
+              <a:spcBef>
+                <a:spcPts val="0"/>
+              </a:spcBef>
+              <a:spcAft>
+                <a:spcPts val="0"/>
+              </a:spcAft>
+              <a:buSzPts val="1100"/>
+              <a:buNone/>
+              <a:defRPr sz="1400" b="0" i="0" u="none" strike="noStrike" cap="none">
                 <a:solidFill>
                   <a:schemeClr val="dk1"/>
                 </a:solidFill>
@@ -8066,16 +8299,16 @@
                 <a:sym typeface="Century Gothic"/>
               </a:defRPr>
             </a:lvl4pPr>
-            <a:lvl5pPr lvl="4" marR="0" rtl="0" algn="l">
-              <a:spcBef>
-                <a:spcPts val="0"/>
-              </a:spcBef>
-              <a:spcAft>
-                <a:spcPts val="0"/>
-              </a:spcAft>
-              <a:buSzPts val="1100"/>
-              <a:buNone/>
-              <a:defRPr b="0" i="0" sz="1400" u="none" cap="none" strike="noStrike">
+            <a:lvl5pPr marR="0" lvl="4" algn="l" rtl="0">
+              <a:spcBef>
+                <a:spcPts val="0"/>
+              </a:spcBef>
+              <a:spcAft>
+                <a:spcPts val="0"/>
+              </a:spcAft>
+              <a:buSzPts val="1100"/>
+              <a:buNone/>
+              <a:defRPr sz="1400" b="0" i="0" u="none" strike="noStrike" cap="none">
                 <a:solidFill>
                   <a:schemeClr val="dk1"/>
                 </a:solidFill>
@@ -8085,16 +8318,16 @@
                 <a:sym typeface="Century Gothic"/>
               </a:defRPr>
             </a:lvl5pPr>
-            <a:lvl6pPr lvl="5" marR="0" rtl="0" algn="l">
-              <a:spcBef>
-                <a:spcPts val="0"/>
-              </a:spcBef>
-              <a:spcAft>
-                <a:spcPts val="0"/>
-              </a:spcAft>
-              <a:buSzPts val="1100"/>
-              <a:buNone/>
-              <a:defRPr b="0" i="0" sz="1400" u="none" cap="none" strike="noStrike">
+            <a:lvl6pPr marR="0" lvl="5" algn="l" rtl="0">
+              <a:spcBef>
+                <a:spcPts val="0"/>
+              </a:spcBef>
+              <a:spcAft>
+                <a:spcPts val="0"/>
+              </a:spcAft>
+              <a:buSzPts val="1100"/>
+              <a:buNone/>
+              <a:defRPr sz="1400" b="0" i="0" u="none" strike="noStrike" cap="none">
                 <a:solidFill>
                   <a:schemeClr val="dk1"/>
                 </a:solidFill>
@@ -8104,16 +8337,16 @@
                 <a:sym typeface="Century Gothic"/>
               </a:defRPr>
             </a:lvl6pPr>
-            <a:lvl7pPr lvl="6" marR="0" rtl="0" algn="l">
-              <a:spcBef>
-                <a:spcPts val="0"/>
-              </a:spcBef>
-              <a:spcAft>
-                <a:spcPts val="0"/>
-              </a:spcAft>
-              <a:buSzPts val="1100"/>
-              <a:buNone/>
-              <a:defRPr b="0" i="0" sz="1400" u="none" cap="none" strike="noStrike">
+            <a:lvl7pPr marR="0" lvl="6" algn="l" rtl="0">
+              <a:spcBef>
+                <a:spcPts val="0"/>
+              </a:spcBef>
+              <a:spcAft>
+                <a:spcPts val="0"/>
+              </a:spcAft>
+              <a:buSzPts val="1100"/>
+              <a:buNone/>
+              <a:defRPr sz="1400" b="0" i="0" u="none" strike="noStrike" cap="none">
                 <a:solidFill>
                   <a:schemeClr val="dk1"/>
                 </a:solidFill>
@@ -8123,16 +8356,16 @@
                 <a:sym typeface="Century Gothic"/>
               </a:defRPr>
             </a:lvl7pPr>
-            <a:lvl8pPr lvl="7" marR="0" rtl="0" algn="l">
-              <a:spcBef>
-                <a:spcPts val="0"/>
-              </a:spcBef>
-              <a:spcAft>
-                <a:spcPts val="0"/>
-              </a:spcAft>
-              <a:buSzPts val="1100"/>
-              <a:buNone/>
-              <a:defRPr b="0" i="0" sz="1400" u="none" cap="none" strike="noStrike">
+            <a:lvl8pPr marR="0" lvl="7" algn="l" rtl="0">
+              <a:spcBef>
+                <a:spcPts val="0"/>
+              </a:spcBef>
+              <a:spcAft>
+                <a:spcPts val="0"/>
+              </a:spcAft>
+              <a:buSzPts val="1100"/>
+              <a:buNone/>
+              <a:defRPr sz="1400" b="0" i="0" u="none" strike="noStrike" cap="none">
                 <a:solidFill>
                   <a:schemeClr val="dk1"/>
                 </a:solidFill>
@@ -8142,16 +8375,16 @@
                 <a:sym typeface="Century Gothic"/>
               </a:defRPr>
             </a:lvl8pPr>
-            <a:lvl9pPr lvl="8" marR="0" rtl="0" algn="l">
-              <a:spcBef>
-                <a:spcPts val="0"/>
-              </a:spcBef>
-              <a:spcAft>
-                <a:spcPts val="0"/>
-              </a:spcAft>
-              <a:buSzPts val="1100"/>
-              <a:buNone/>
-              <a:defRPr b="0" i="0" sz="1400" u="none" cap="none" strike="noStrike">
+            <a:lvl9pPr marR="0" lvl="8" algn="l" rtl="0">
+              <a:spcBef>
+                <a:spcPts val="0"/>
+              </a:spcBef>
+              <a:spcAft>
+                <a:spcPts val="0"/>
+              </a:spcAft>
+              <a:buSzPts val="1100"/>
+              <a:buNone/>
+              <a:defRPr sz="1400" b="0" i="0" u="none" strike="noStrike" cap="none">
                 <a:solidFill>
                   <a:schemeClr val="dk1"/>
                 </a:solidFill>
@@ -8162,15 +8395,19 @@
               </a:defRPr>
             </a:lvl9pPr>
           </a:lstStyle>
-          <a:p/>
+          <a:p>
+            <a:endParaRPr/>
+          </a:p>
         </p:txBody>
       </p:sp>
       <p:sp>
         <p:nvSpPr>
           <p:cNvPr id="11" name="Google Shape;11;p1"/>
-          <p:cNvSpPr txBox="1"/>
+          <p:cNvSpPr txBox="1">
+            <a:spLocks noGrp="1"/>
+          </p:cNvSpPr>
           <p:nvPr>
-            <p:ph idx="12" type="sldNum"/>
+            <p:ph type="sldNum" idx="12"/>
           </p:nvPr>
         </p:nvSpPr>
         <p:spPr>
@@ -8187,16 +8424,16 @@
           </a:ln>
         </p:spPr>
         <p:txBody>
-          <a:bodyPr anchorCtr="0" anchor="ctr" bIns="34275" lIns="68575" spcFirstLastPara="1" rIns="68575" wrap="square" tIns="34275">
+          <a:bodyPr spcFirstLastPara="1" wrap="square" lIns="68575" tIns="34275" rIns="68575" bIns="34275" anchor="ctr" anchorCtr="0">
             <a:noAutofit/>
           </a:bodyPr>
           <a:lstStyle>
-            <a:lvl1pPr indent="0" lvl="0" marL="0" marR="0" rtl="0" algn="l">
-              <a:spcBef>
-                <a:spcPts val="0"/>
-              </a:spcBef>
-              <a:buNone/>
-              <a:defRPr b="0" i="0" sz="800" u="none" cap="none" strike="noStrike">
+            <a:lvl1pPr marL="0" marR="0" lvl="0" indent="0" algn="l" rtl="0">
+              <a:spcBef>
+                <a:spcPts val="0"/>
+              </a:spcBef>
+              <a:buNone/>
+              <a:defRPr sz="800" b="0" i="0" u="none" strike="noStrike" cap="none">
                 <a:solidFill>
                   <a:srgbClr val="FFFFFF"/>
                 </a:solidFill>
@@ -8206,12 +8443,12 @@
                 <a:sym typeface="Century Gothic"/>
               </a:defRPr>
             </a:lvl1pPr>
-            <a:lvl2pPr indent="0" lvl="1" marL="0" marR="0" rtl="0" algn="l">
-              <a:spcBef>
-                <a:spcPts val="0"/>
-              </a:spcBef>
-              <a:buNone/>
-              <a:defRPr b="0" i="0" sz="800" u="none" cap="none" strike="noStrike">
+            <a:lvl2pPr marL="0" marR="0" lvl="1" indent="0" algn="l" rtl="0">
+              <a:spcBef>
+                <a:spcPts val="0"/>
+              </a:spcBef>
+              <a:buNone/>
+              <a:defRPr sz="800" b="0" i="0" u="none" strike="noStrike" cap="none">
                 <a:solidFill>
                   <a:srgbClr val="FFFFFF"/>
                 </a:solidFill>
@@ -8221,12 +8458,12 @@
                 <a:sym typeface="Century Gothic"/>
               </a:defRPr>
             </a:lvl2pPr>
-            <a:lvl3pPr indent="0" lvl="2" marL="0" marR="0" rtl="0" algn="l">
-              <a:spcBef>
-                <a:spcPts val="0"/>
-              </a:spcBef>
-              <a:buNone/>
-              <a:defRPr b="0" i="0" sz="800" u="none" cap="none" strike="noStrike">
+            <a:lvl3pPr marL="0" marR="0" lvl="2" indent="0" algn="l" rtl="0">
+              <a:spcBef>
+                <a:spcPts val="0"/>
+              </a:spcBef>
+              <a:buNone/>
+              <a:defRPr sz="800" b="0" i="0" u="none" strike="noStrike" cap="none">
                 <a:solidFill>
                   <a:srgbClr val="FFFFFF"/>
                 </a:solidFill>
@@ -8236,12 +8473,12 @@
                 <a:sym typeface="Century Gothic"/>
               </a:defRPr>
             </a:lvl3pPr>
-            <a:lvl4pPr indent="0" lvl="3" marL="0" marR="0" rtl="0" algn="l">
-              <a:spcBef>
-                <a:spcPts val="0"/>
-              </a:spcBef>
-              <a:buNone/>
-              <a:defRPr b="0" i="0" sz="800" u="none" cap="none" strike="noStrike">
+            <a:lvl4pPr marL="0" marR="0" lvl="3" indent="0" algn="l" rtl="0">
+              <a:spcBef>
+                <a:spcPts val="0"/>
+              </a:spcBef>
+              <a:buNone/>
+              <a:defRPr sz="800" b="0" i="0" u="none" strike="noStrike" cap="none">
                 <a:solidFill>
                   <a:srgbClr val="FFFFFF"/>
                 </a:solidFill>
@@ -8251,12 +8488,12 @@
                 <a:sym typeface="Century Gothic"/>
               </a:defRPr>
             </a:lvl4pPr>
-            <a:lvl5pPr indent="0" lvl="4" marL="0" marR="0" rtl="0" algn="l">
-              <a:spcBef>
-                <a:spcPts val="0"/>
-              </a:spcBef>
-              <a:buNone/>
-              <a:defRPr b="0" i="0" sz="800" u="none" cap="none" strike="noStrike">
+            <a:lvl5pPr marL="0" marR="0" lvl="4" indent="0" algn="l" rtl="0">
+              <a:spcBef>
+                <a:spcPts val="0"/>
+              </a:spcBef>
+              <a:buNone/>
+              <a:defRPr sz="800" b="0" i="0" u="none" strike="noStrike" cap="none">
                 <a:solidFill>
                   <a:srgbClr val="FFFFFF"/>
                 </a:solidFill>
@@ -8266,12 +8503,12 @@
                 <a:sym typeface="Century Gothic"/>
               </a:defRPr>
             </a:lvl5pPr>
-            <a:lvl6pPr indent="0" lvl="5" marL="0" marR="0" rtl="0" algn="l">
-              <a:spcBef>
-                <a:spcPts val="0"/>
-              </a:spcBef>
-              <a:buNone/>
-              <a:defRPr b="0" i="0" sz="800" u="none" cap="none" strike="noStrike">
+            <a:lvl6pPr marL="0" marR="0" lvl="5" indent="0" algn="l" rtl="0">
+              <a:spcBef>
+                <a:spcPts val="0"/>
+              </a:spcBef>
+              <a:buNone/>
+              <a:defRPr sz="800" b="0" i="0" u="none" strike="noStrike" cap="none">
                 <a:solidFill>
                   <a:srgbClr val="FFFFFF"/>
                 </a:solidFill>
@@ -8281,12 +8518,12 @@
                 <a:sym typeface="Century Gothic"/>
               </a:defRPr>
             </a:lvl6pPr>
-            <a:lvl7pPr indent="0" lvl="6" marL="0" marR="0" rtl="0" algn="l">
-              <a:spcBef>
-                <a:spcPts val="0"/>
-              </a:spcBef>
-              <a:buNone/>
-              <a:defRPr b="0" i="0" sz="800" u="none" cap="none" strike="noStrike">
+            <a:lvl7pPr marL="0" marR="0" lvl="6" indent="0" algn="l" rtl="0">
+              <a:spcBef>
+                <a:spcPts val="0"/>
+              </a:spcBef>
+              <a:buNone/>
+              <a:defRPr sz="800" b="0" i="0" u="none" strike="noStrike" cap="none">
                 <a:solidFill>
                   <a:srgbClr val="FFFFFF"/>
                 </a:solidFill>
@@ -8296,12 +8533,12 @@
                 <a:sym typeface="Century Gothic"/>
               </a:defRPr>
             </a:lvl7pPr>
-            <a:lvl8pPr indent="0" lvl="7" marL="0" marR="0" rtl="0" algn="l">
-              <a:spcBef>
-                <a:spcPts val="0"/>
-              </a:spcBef>
-              <a:buNone/>
-              <a:defRPr b="0" i="0" sz="800" u="none" cap="none" strike="noStrike">
+            <a:lvl8pPr marL="0" marR="0" lvl="7" indent="0" algn="l" rtl="0">
+              <a:spcBef>
+                <a:spcPts val="0"/>
+              </a:spcBef>
+              <a:buNone/>
+              <a:defRPr sz="800" b="0" i="0" u="none" strike="noStrike" cap="none">
                 <a:solidFill>
                   <a:srgbClr val="FFFFFF"/>
                 </a:solidFill>
@@ -8311,12 +8548,12 @@
                 <a:sym typeface="Century Gothic"/>
               </a:defRPr>
             </a:lvl8pPr>
-            <a:lvl9pPr indent="0" lvl="8" marL="0" marR="0" rtl="0" algn="l">
-              <a:spcBef>
-                <a:spcPts val="0"/>
-              </a:spcBef>
-              <a:buNone/>
-              <a:defRPr b="0" i="0" sz="800" u="none" cap="none" strike="noStrike">
+            <a:lvl9pPr marL="0" marR="0" lvl="8" indent="0" algn="l" rtl="0">
+              <a:spcBef>
+                <a:spcPts val="0"/>
+              </a:spcBef>
+              <a:buNone/>
+              <a:defRPr sz="800" b="0" i="0" u="none" strike="noStrike" cap="none">
                 <a:solidFill>
                   <a:srgbClr val="FFFFFF"/>
                 </a:solidFill>
@@ -8328,7 +8565,7 @@
             </a:lvl9pPr>
           </a:lstStyle>
           <a:p>
-            <a:pPr indent="0" lvl="0" marL="0" rtl="0" algn="l">
+            <a:pPr marL="0" lvl="0" indent="0" algn="l" rtl="0">
               <a:spcBef>
                 <a:spcPts val="0"/>
               </a:spcBef>
@@ -8347,7 +8584,7 @@
       </p:sp>
     </p:spTree>
   </p:cSld>
-  <p:clrMap accent1="accent1" accent2="accent2" accent3="accent3" accent4="accent4" accent5="accent5" accent6="accent6" bg1="lt1" bg2="dk2" tx1="dk1" tx2="lt2" folHlink="folHlink" hlink="hlink"/>
+  <p:clrMap bg1="lt1" tx1="dk1" bg2="dk2" tx2="lt2" accent1="accent1" accent2="accent2" accent3="accent3" accent4="accent4" accent5="accent5" accent6="accent6" hlink="hlink" folHlink="folHlink"/>
   <p:sldLayoutIdLst>
     <p:sldLayoutId id="2147483648" r:id="rId1"/>
     <p:sldLayoutId id="2147483649" r:id="rId2"/>
@@ -8360,10 +8597,10 @@
     <p:sldLayoutId id="2147483656" r:id="rId9"/>
     <p:sldLayoutId id="2147483657" r:id="rId10"/>
   </p:sldLayoutIdLst>
-  <p:hf dt="0" ftr="0" hdr="0" sldNum="0"/>
+  <p:hf sldNum="0" hdr="0" ftr="0" dt="0"/>
   <p:txStyles>
     <p:titleStyle>
-      <a:defPPr lvl="0" marR="0" rtl="0" algn="l">
+      <a:defPPr marR="0" lvl="0" algn="l" rtl="0">
         <a:lnSpc>
           <a:spcPct val="100000"/>
         </a:lnSpc>
@@ -8374,7 +8611,7 @@
           <a:spcPts val="0"/>
         </a:spcAft>
       </a:defPPr>
-      <a:lvl1pPr lvl="0" marR="0" rtl="0" algn="l">
+      <a:lvl1pPr marR="0" lvl="0" algn="l" rtl="0">
         <a:lnSpc>
           <a:spcPct val="100000"/>
         </a:lnSpc>
@@ -8388,7 +8625,7 @@
           <a:srgbClr val="000000"/>
         </a:buClr>
         <a:buFont typeface="Arial"/>
-        <a:defRPr b="0" i="0" sz="1400" u="none" cap="none" strike="noStrike">
+        <a:defRPr sz="1400" b="0" i="0" u="none" strike="noStrike" cap="none">
           <a:solidFill>
             <a:srgbClr val="000000"/>
           </a:solidFill>
@@ -8398,7 +8635,7 @@
           <a:sym typeface="Arial"/>
         </a:defRPr>
       </a:lvl1pPr>
-      <a:lvl2pPr lvl="1" marR="0" rtl="0" algn="l">
+      <a:lvl2pPr marR="0" lvl="1" algn="l" rtl="0">
         <a:lnSpc>
           <a:spcPct val="100000"/>
         </a:lnSpc>
@@ -8412,7 +8649,7 @@
           <a:srgbClr val="000000"/>
         </a:buClr>
         <a:buFont typeface="Arial"/>
-        <a:defRPr b="0" i="0" sz="1400" u="none" cap="none" strike="noStrike">
+        <a:defRPr sz="1400" b="0" i="0" u="none" strike="noStrike" cap="none">
           <a:solidFill>
             <a:srgbClr val="000000"/>
           </a:solidFill>
@@ -8422,7 +8659,7 @@
           <a:sym typeface="Arial"/>
         </a:defRPr>
       </a:lvl2pPr>
-      <a:lvl3pPr lvl="2" marR="0" rtl="0" algn="l">
+      <a:lvl3pPr marR="0" lvl="2" algn="l" rtl="0">
         <a:lnSpc>
           <a:spcPct val="100000"/>
         </a:lnSpc>
@@ -8436,7 +8673,7 @@
           <a:srgbClr val="000000"/>
         </a:buClr>
         <a:buFont typeface="Arial"/>
-        <a:defRPr b="0" i="0" sz="1400" u="none" cap="none" strike="noStrike">
+        <a:defRPr sz="1400" b="0" i="0" u="none" strike="noStrike" cap="none">
           <a:solidFill>
             <a:srgbClr val="000000"/>
           </a:solidFill>
@@ -8446,7 +8683,7 @@
           <a:sym typeface="Arial"/>
         </a:defRPr>
       </a:lvl3pPr>
-      <a:lvl4pPr lvl="3" marR="0" rtl="0" algn="l">
+      <a:lvl4pPr marR="0" lvl="3" algn="l" rtl="0">
         <a:lnSpc>
           <a:spcPct val="100000"/>
         </a:lnSpc>
@@ -8460,7 +8697,7 @@
           <a:srgbClr val="000000"/>
         </a:buClr>
         <a:buFont typeface="Arial"/>
-        <a:defRPr b="0" i="0" sz="1400" u="none" cap="none" strike="noStrike">
+        <a:defRPr sz="1400" b="0" i="0" u="none" strike="noStrike" cap="none">
           <a:solidFill>
             <a:srgbClr val="000000"/>
           </a:solidFill>
@@ -8470,7 +8707,7 @@
           <a:sym typeface="Arial"/>
         </a:defRPr>
       </a:lvl4pPr>
-      <a:lvl5pPr lvl="4" marR="0" rtl="0" algn="l">
+      <a:lvl5pPr marR="0" lvl="4" algn="l" rtl="0">
         <a:lnSpc>
           <a:spcPct val="100000"/>
         </a:lnSpc>
@@ -8484,7 +8721,7 @@
           <a:srgbClr val="000000"/>
         </a:buClr>
         <a:buFont typeface="Arial"/>
-        <a:defRPr b="0" i="0" sz="1400" u="none" cap="none" strike="noStrike">
+        <a:defRPr sz="1400" b="0" i="0" u="none" strike="noStrike" cap="none">
           <a:solidFill>
             <a:srgbClr val="000000"/>
           </a:solidFill>
@@ -8494,7 +8731,7 @@
           <a:sym typeface="Arial"/>
         </a:defRPr>
       </a:lvl5pPr>
-      <a:lvl6pPr lvl="5" marR="0" rtl="0" algn="l">
+      <a:lvl6pPr marR="0" lvl="5" algn="l" rtl="0">
         <a:lnSpc>
           <a:spcPct val="100000"/>
         </a:lnSpc>
@@ -8508,7 +8745,7 @@
           <a:srgbClr val="000000"/>
         </a:buClr>
         <a:buFont typeface="Arial"/>
-        <a:defRPr b="0" i="0" sz="1400" u="none" cap="none" strike="noStrike">
+        <a:defRPr sz="1400" b="0" i="0" u="none" strike="noStrike" cap="none">
           <a:solidFill>
             <a:srgbClr val="000000"/>
           </a:solidFill>
@@ -8518,7 +8755,7 @@
           <a:sym typeface="Arial"/>
         </a:defRPr>
       </a:lvl6pPr>
-      <a:lvl7pPr lvl="6" marR="0" rtl="0" algn="l">
+      <a:lvl7pPr marR="0" lvl="6" algn="l" rtl="0">
         <a:lnSpc>
           <a:spcPct val="100000"/>
         </a:lnSpc>
@@ -8532,7 +8769,7 @@
           <a:srgbClr val="000000"/>
         </a:buClr>
         <a:buFont typeface="Arial"/>
-        <a:defRPr b="0" i="0" sz="1400" u="none" cap="none" strike="noStrike">
+        <a:defRPr sz="1400" b="0" i="0" u="none" strike="noStrike" cap="none">
           <a:solidFill>
             <a:srgbClr val="000000"/>
           </a:solidFill>
@@ -8542,7 +8779,7 @@
           <a:sym typeface="Arial"/>
         </a:defRPr>
       </a:lvl7pPr>
-      <a:lvl8pPr lvl="7" marR="0" rtl="0" algn="l">
+      <a:lvl8pPr marR="0" lvl="7" algn="l" rtl="0">
         <a:lnSpc>
           <a:spcPct val="100000"/>
         </a:lnSpc>
@@ -8556,7 +8793,7 @@
           <a:srgbClr val="000000"/>
         </a:buClr>
         <a:buFont typeface="Arial"/>
-        <a:defRPr b="0" i="0" sz="1400" u="none" cap="none" strike="noStrike">
+        <a:defRPr sz="1400" b="0" i="0" u="none" strike="noStrike" cap="none">
           <a:solidFill>
             <a:srgbClr val="000000"/>
           </a:solidFill>
@@ -8566,7 +8803,7 @@
           <a:sym typeface="Arial"/>
         </a:defRPr>
       </a:lvl8pPr>
-      <a:lvl9pPr lvl="8" marR="0" rtl="0" algn="l">
+      <a:lvl9pPr marR="0" lvl="8" algn="l" rtl="0">
         <a:lnSpc>
           <a:spcPct val="100000"/>
         </a:lnSpc>
@@ -8580,7 +8817,7 @@
           <a:srgbClr val="000000"/>
         </a:buClr>
         <a:buFont typeface="Arial"/>
-        <a:defRPr b="0" i="0" sz="1400" u="none" cap="none" strike="noStrike">
+        <a:defRPr sz="1400" b="0" i="0" u="none" strike="noStrike" cap="none">
           <a:solidFill>
             <a:srgbClr val="000000"/>
           </a:solidFill>
@@ -8592,7 +8829,7 @@
       </a:lvl9pPr>
     </p:titleStyle>
     <p:bodyStyle>
-      <a:defPPr lvl="0" marR="0" rtl="0" algn="l">
+      <a:defPPr marR="0" lvl="0" algn="l" rtl="0">
         <a:lnSpc>
           <a:spcPct val="100000"/>
         </a:lnSpc>
@@ -8603,7 +8840,7 @@
           <a:spcPts val="0"/>
         </a:spcAft>
       </a:defPPr>
-      <a:lvl1pPr lvl="0" marR="0" rtl="0" algn="l">
+      <a:lvl1pPr marR="0" lvl="0" algn="l" rtl="0">
         <a:lnSpc>
           <a:spcPct val="100000"/>
         </a:lnSpc>
@@ -8617,7 +8854,7 @@
           <a:srgbClr val="000000"/>
         </a:buClr>
         <a:buFont typeface="Arial"/>
-        <a:defRPr b="0" i="0" sz="1400" u="none" cap="none" strike="noStrike">
+        <a:defRPr sz="1400" b="0" i="0" u="none" strike="noStrike" cap="none">
           <a:solidFill>
             <a:srgbClr val="000000"/>
           </a:solidFill>
@@ -8627,7 +8864,7 @@
           <a:sym typeface="Arial"/>
         </a:defRPr>
       </a:lvl1pPr>
-      <a:lvl2pPr lvl="1" marR="0" rtl="0" algn="l">
+      <a:lvl2pPr marR="0" lvl="1" algn="l" rtl="0">
         <a:lnSpc>
           <a:spcPct val="100000"/>
         </a:lnSpc>
@@ -8641,7 +8878,7 @@
           <a:srgbClr val="000000"/>
         </a:buClr>
         <a:buFont typeface="Arial"/>
-        <a:defRPr b="0" i="0" sz="1400" u="none" cap="none" strike="noStrike">
+        <a:defRPr sz="1400" b="0" i="0" u="none" strike="noStrike" cap="none">
           <a:solidFill>
             <a:srgbClr val="000000"/>
           </a:solidFill>
@@ -8651,7 +8888,7 @@
           <a:sym typeface="Arial"/>
         </a:defRPr>
       </a:lvl2pPr>
-      <a:lvl3pPr lvl="2" marR="0" rtl="0" algn="l">
+      <a:lvl3pPr marR="0" lvl="2" algn="l" rtl="0">
         <a:lnSpc>
           <a:spcPct val="100000"/>
         </a:lnSpc>
@@ -8665,7 +8902,7 @@
           <a:srgbClr val="000000"/>
         </a:buClr>
         <a:buFont typeface="Arial"/>
-        <a:defRPr b="0" i="0" sz="1400" u="none" cap="none" strike="noStrike">
+        <a:defRPr sz="1400" b="0" i="0" u="none" strike="noStrike" cap="none">
           <a:solidFill>
             <a:srgbClr val="000000"/>
           </a:solidFill>
@@ -8675,7 +8912,7 @@
           <a:sym typeface="Arial"/>
         </a:defRPr>
       </a:lvl3pPr>
-      <a:lvl4pPr lvl="3" marR="0" rtl="0" algn="l">
+      <a:lvl4pPr marR="0" lvl="3" algn="l" rtl="0">
         <a:lnSpc>
           <a:spcPct val="100000"/>
         </a:lnSpc>
@@ -8689,7 +8926,7 @@
           <a:srgbClr val="000000"/>
         </a:buClr>
         <a:buFont typeface="Arial"/>
-        <a:defRPr b="0" i="0" sz="1400" u="none" cap="none" strike="noStrike">
+        <a:defRPr sz="1400" b="0" i="0" u="none" strike="noStrike" cap="none">
           <a:solidFill>
             <a:srgbClr val="000000"/>
           </a:solidFill>
@@ -8699,7 +8936,7 @@
           <a:sym typeface="Arial"/>
         </a:defRPr>
       </a:lvl4pPr>
-      <a:lvl5pPr lvl="4" marR="0" rtl="0" algn="l">
+      <a:lvl5pPr marR="0" lvl="4" algn="l" rtl="0">
         <a:lnSpc>
           <a:spcPct val="100000"/>
         </a:lnSpc>
@@ -8713,7 +8950,7 @@
           <a:srgbClr val="000000"/>
         </a:buClr>
         <a:buFont typeface="Arial"/>
-        <a:defRPr b="0" i="0" sz="1400" u="none" cap="none" strike="noStrike">
+        <a:defRPr sz="1400" b="0" i="0" u="none" strike="noStrike" cap="none">
           <a:solidFill>
             <a:srgbClr val="000000"/>
           </a:solidFill>
@@ -8723,7 +8960,7 @@
           <a:sym typeface="Arial"/>
         </a:defRPr>
       </a:lvl5pPr>
-      <a:lvl6pPr lvl="5" marR="0" rtl="0" algn="l">
+      <a:lvl6pPr marR="0" lvl="5" algn="l" rtl="0">
         <a:lnSpc>
           <a:spcPct val="100000"/>
         </a:lnSpc>
@@ -8737,7 +8974,7 @@
           <a:srgbClr val="000000"/>
         </a:buClr>
         <a:buFont typeface="Arial"/>
-        <a:defRPr b="0" i="0" sz="1400" u="none" cap="none" strike="noStrike">
+        <a:defRPr sz="1400" b="0" i="0" u="none" strike="noStrike" cap="none">
           <a:solidFill>
             <a:srgbClr val="000000"/>
           </a:solidFill>
@@ -8747,7 +8984,7 @@
           <a:sym typeface="Arial"/>
         </a:defRPr>
       </a:lvl6pPr>
-      <a:lvl7pPr lvl="6" marR="0" rtl="0" algn="l">
+      <a:lvl7pPr marR="0" lvl="6" algn="l" rtl="0">
         <a:lnSpc>
           <a:spcPct val="100000"/>
         </a:lnSpc>
@@ -8761,7 +8998,7 @@
           <a:srgbClr val="000000"/>
         </a:buClr>
         <a:buFont typeface="Arial"/>
-        <a:defRPr b="0" i="0" sz="1400" u="none" cap="none" strike="noStrike">
+        <a:defRPr sz="1400" b="0" i="0" u="none" strike="noStrike" cap="none">
           <a:solidFill>
             <a:srgbClr val="000000"/>
           </a:solidFill>
@@ -8771,7 +9008,7 @@
           <a:sym typeface="Arial"/>
         </a:defRPr>
       </a:lvl7pPr>
-      <a:lvl8pPr lvl="7" marR="0" rtl="0" algn="l">
+      <a:lvl8pPr marR="0" lvl="7" algn="l" rtl="0">
         <a:lnSpc>
           <a:spcPct val="100000"/>
         </a:lnSpc>
@@ -8785,7 +9022,7 @@
           <a:srgbClr val="000000"/>
         </a:buClr>
         <a:buFont typeface="Arial"/>
-        <a:defRPr b="0" i="0" sz="1400" u="none" cap="none" strike="noStrike">
+        <a:defRPr sz="1400" b="0" i="0" u="none" strike="noStrike" cap="none">
           <a:solidFill>
             <a:srgbClr val="000000"/>
           </a:solidFill>
@@ -8795,7 +9032,7 @@
           <a:sym typeface="Arial"/>
         </a:defRPr>
       </a:lvl8pPr>
-      <a:lvl9pPr lvl="8" marR="0" rtl="0" algn="l">
+      <a:lvl9pPr marR="0" lvl="8" algn="l" rtl="0">
         <a:lnSpc>
           <a:spcPct val="100000"/>
         </a:lnSpc>
@@ -8809,7 +9046,7 @@
           <a:srgbClr val="000000"/>
         </a:buClr>
         <a:buFont typeface="Arial"/>
-        <a:defRPr b="0" i="0" sz="1400" u="none" cap="none" strike="noStrike">
+        <a:defRPr sz="1400" b="0" i="0" u="none" strike="noStrike" cap="none">
           <a:solidFill>
             <a:srgbClr val="000000"/>
           </a:solidFill>
@@ -8821,7 +9058,7 @@
       </a:lvl9pPr>
     </p:bodyStyle>
     <p:otherStyle>
-      <a:defPPr lvl="0" marR="0" rtl="0" algn="l">
+      <a:defPPr marR="0" lvl="0" algn="l" rtl="0">
         <a:lnSpc>
           <a:spcPct val="100000"/>
         </a:lnSpc>
@@ -8832,7 +9069,7 @@
           <a:spcPts val="0"/>
         </a:spcAft>
       </a:defPPr>
-      <a:lvl1pPr lvl="0" marR="0" rtl="0" algn="l">
+      <a:lvl1pPr marR="0" lvl="0" algn="l" rtl="0">
         <a:lnSpc>
           <a:spcPct val="100000"/>
         </a:lnSpc>
@@ -8846,7 +9083,7 @@
           <a:srgbClr val="000000"/>
         </a:buClr>
         <a:buFont typeface="Arial"/>
-        <a:defRPr b="0" i="0" sz="1400" u="none" cap="none" strike="noStrike">
+        <a:defRPr sz="1400" b="0" i="0" u="none" strike="noStrike" cap="none">
           <a:solidFill>
             <a:srgbClr val="000000"/>
           </a:solidFill>
@@ -8856,7 +9093,7 @@
           <a:sym typeface="Arial"/>
         </a:defRPr>
       </a:lvl1pPr>
-      <a:lvl2pPr lvl="1" marR="0" rtl="0" algn="l">
+      <a:lvl2pPr marR="0" lvl="1" algn="l" rtl="0">
         <a:lnSpc>
           <a:spcPct val="100000"/>
         </a:lnSpc>
@@ -8870,7 +9107,7 @@
           <a:srgbClr val="000000"/>
         </a:buClr>
         <a:buFont typeface="Arial"/>
-        <a:defRPr b="0" i="0" sz="1400" u="none" cap="none" strike="noStrike">
+        <a:defRPr sz="1400" b="0" i="0" u="none" strike="noStrike" cap="none">
           <a:solidFill>
             <a:srgbClr val="000000"/>
           </a:solidFill>
@@ -8880,7 +9117,7 @@
           <a:sym typeface="Arial"/>
         </a:defRPr>
       </a:lvl2pPr>
-      <a:lvl3pPr lvl="2" marR="0" rtl="0" algn="l">
+      <a:lvl3pPr marR="0" lvl="2" algn="l" rtl="0">
         <a:lnSpc>
           <a:spcPct val="100000"/>
         </a:lnSpc>
@@ -8894,7 +9131,7 @@
           <a:srgbClr val="000000"/>
         </a:buClr>
         <a:buFont typeface="Arial"/>
-        <a:defRPr b="0" i="0" sz="1400" u="none" cap="none" strike="noStrike">
+        <a:defRPr sz="1400" b="0" i="0" u="none" strike="noStrike" cap="none">
           <a:solidFill>
             <a:srgbClr val="000000"/>
           </a:solidFill>
@@ -8904,7 +9141,7 @@
           <a:sym typeface="Arial"/>
         </a:defRPr>
       </a:lvl3pPr>
-      <a:lvl4pPr lvl="3" marR="0" rtl="0" algn="l">
+      <a:lvl4pPr marR="0" lvl="3" algn="l" rtl="0">
         <a:lnSpc>
           <a:spcPct val="100000"/>
         </a:lnSpc>
@@ -8918,7 +9155,7 @@
           <a:srgbClr val="000000"/>
         </a:buClr>
         <a:buFont typeface="Arial"/>
-        <a:defRPr b="0" i="0" sz="1400" u="none" cap="none" strike="noStrike">
+        <a:defRPr sz="1400" b="0" i="0" u="none" strike="noStrike" cap="none">
           <a:solidFill>
             <a:srgbClr val="000000"/>
           </a:solidFill>
@@ -8928,7 +9165,7 @@
           <a:sym typeface="Arial"/>
         </a:defRPr>
       </a:lvl4pPr>
-      <a:lvl5pPr lvl="4" marR="0" rtl="0" algn="l">
+      <a:lvl5pPr marR="0" lvl="4" algn="l" rtl="0">
         <a:lnSpc>
           <a:spcPct val="100000"/>
         </a:lnSpc>
@@ -8942,7 +9179,7 @@
           <a:srgbClr val="000000"/>
         </a:buClr>
         <a:buFont typeface="Arial"/>
-        <a:defRPr b="0" i="0" sz="1400" u="none" cap="none" strike="noStrike">
+        <a:defRPr sz="1400" b="0" i="0" u="none" strike="noStrike" cap="none">
           <a:solidFill>
             <a:srgbClr val="000000"/>
           </a:solidFill>
@@ -8952,7 +9189,7 @@
           <a:sym typeface="Arial"/>
         </a:defRPr>
       </a:lvl5pPr>
-      <a:lvl6pPr lvl="5" marR="0" rtl="0" algn="l">
+      <a:lvl6pPr marR="0" lvl="5" algn="l" rtl="0">
         <a:lnSpc>
           <a:spcPct val="100000"/>
         </a:lnSpc>
@@ -8966,7 +9203,7 @@
           <a:srgbClr val="000000"/>
         </a:buClr>
         <a:buFont typeface="Arial"/>
-        <a:defRPr b="0" i="0" sz="1400" u="none" cap="none" strike="noStrike">
+        <a:defRPr sz="1400" b="0" i="0" u="none" strike="noStrike" cap="none">
           <a:solidFill>
             <a:srgbClr val="000000"/>
           </a:solidFill>
@@ -8976,7 +9213,7 @@
           <a:sym typeface="Arial"/>
         </a:defRPr>
       </a:lvl6pPr>
-      <a:lvl7pPr lvl="6" marR="0" rtl="0" algn="l">
+      <a:lvl7pPr marR="0" lvl="6" algn="l" rtl="0">
         <a:lnSpc>
           <a:spcPct val="100000"/>
         </a:lnSpc>
@@ -8990,7 +9227,7 @@
           <a:srgbClr val="000000"/>
         </a:buClr>
         <a:buFont typeface="Arial"/>
-        <a:defRPr b="0" i="0" sz="1400" u="none" cap="none" strike="noStrike">
+        <a:defRPr sz="1400" b="0" i="0" u="none" strike="noStrike" cap="none">
           <a:solidFill>
             <a:srgbClr val="000000"/>
           </a:solidFill>
@@ -9000,7 +9237,7 @@
           <a:sym typeface="Arial"/>
         </a:defRPr>
       </a:lvl7pPr>
-      <a:lvl8pPr lvl="7" marR="0" rtl="0" algn="l">
+      <a:lvl8pPr marR="0" lvl="7" algn="l" rtl="0">
         <a:lnSpc>
           <a:spcPct val="100000"/>
         </a:lnSpc>
@@ -9014,7 +9251,7 @@
           <a:srgbClr val="000000"/>
         </a:buClr>
         <a:buFont typeface="Arial"/>
-        <a:defRPr b="0" i="0" sz="1400" u="none" cap="none" strike="noStrike">
+        <a:defRPr sz="1400" b="0" i="0" u="none" strike="noStrike" cap="none">
           <a:solidFill>
             <a:srgbClr val="000000"/>
           </a:solidFill>
@@ -9024,7 +9261,7 @@
           <a:sym typeface="Arial"/>
         </a:defRPr>
       </a:lvl8pPr>
-      <a:lvl9pPr lvl="8" marR="0" rtl="0" algn="l">
+      <a:lvl9pPr marR="0" lvl="8" algn="l" rtl="0">
         <a:lnSpc>
           <a:spcPct val="100000"/>
         </a:lnSpc>
@@ -9038,7 +9275,7 @@
           <a:srgbClr val="000000"/>
         </a:buClr>
         <a:buFont typeface="Arial"/>
-        <a:defRPr b="0" i="0" sz="1400" u="none" cap="none" strike="noStrike">
+        <a:defRPr sz="1400" b="0" i="0" u="none" strike="noStrike" cap="none">
           <a:solidFill>
             <a:srgbClr val="000000"/>
           </a:solidFill>
@@ -9054,11 +9291,11 @@
 </file>
 
 <file path=ppt/slides/slide1.xml><?xml version="1.0" encoding="utf-8"?>
-<p:sld xmlns:a="http://schemas.openxmlformats.org/drawingml/2006/main" xmlns:r="http://schemas.openxmlformats.org/officeDocument/2006/relationships" xmlns:mc="http://schemas.openxmlformats.org/markup-compatibility/2006" xmlns:mv="urn:schemas-microsoft-com:mac:vml" xmlns:p="http://schemas.openxmlformats.org/presentationml/2006/main" xmlns:c="http://schemas.openxmlformats.org/drawingml/2006/chart" xmlns:dgm="http://schemas.openxmlformats.org/drawingml/2006/diagram" xmlns:o="urn:schemas-microsoft-com:office:office" xmlns:v="urn:schemas-microsoft-com:vml" xmlns:pvml="urn:schemas-microsoft-com:office:powerpoint" xmlns:com="http://schemas.openxmlformats.org/drawingml/2006/compatibility" xmlns:p14="http://schemas.microsoft.com/office/powerpoint/2010/main" xmlns:p15="http://schemas.microsoft.com/office/powerpoint/2012/main" xmlns:ahyp="http://schemas.microsoft.com/office/drawing/2018/hyperlinkcolor">
+<p:sld xmlns:a="http://schemas.openxmlformats.org/drawingml/2006/main" xmlns:r="http://schemas.openxmlformats.org/officeDocument/2006/relationships" xmlns:p="http://schemas.openxmlformats.org/presentationml/2006/main">
   <p:cSld>
     <p:spTree>
       <p:nvGrpSpPr>
-        <p:cNvPr id="84" name="Shape 84"/>
+        <p:cNvPr id="1" name="Shape 84"/>
         <p:cNvGrpSpPr/>
         <p:nvPr/>
       </p:nvGrpSpPr>
@@ -9090,12 +9327,12 @@
           </a:ln>
         </p:spPr>
         <p:txBody>
-          <a:bodyPr anchorCtr="0" anchor="t" bIns="91425" lIns="91425" spcFirstLastPara="1" rIns="91425" wrap="square" tIns="91425">
+          <a:bodyPr spcFirstLastPara="1" wrap="square" lIns="91425" tIns="91425" rIns="91425" bIns="91425" anchor="t" anchorCtr="0">
             <a:noAutofit/>
           </a:bodyPr>
           <a:lstStyle/>
           <a:p>
-            <a:pPr indent="0" lvl="0" marL="0" rtl="0" algn="ctr">
+            <a:pPr marL="0" lvl="0" indent="0" algn="ctr" rtl="0">
               <a:spcBef>
                 <a:spcPts val="0"/>
               </a:spcBef>
@@ -9105,7 +9342,7 @@
               <a:buNone/>
             </a:pPr>
             <a:r>
-              <a:rPr b="1" lang="en" sz="3100">
+              <a:rPr lang="en" sz="4800" b="1" dirty="0">
                 <a:solidFill>
                   <a:srgbClr val="3F3F3F"/>
                 </a:solidFill>
@@ -9116,7 +9353,7 @@
               </a:rPr>
               <a:t>Datum</a:t>
             </a:r>
-            <a:endParaRPr b="1" sz="3100">
+            <a:endParaRPr sz="4800" b="1" dirty="0">
               <a:solidFill>
                 <a:srgbClr val="3F3F3F"/>
               </a:solidFill>
@@ -9127,7 +9364,7 @@
             </a:endParaRPr>
           </a:p>
           <a:p>
-            <a:pPr indent="0" lvl="0" marL="0" rtl="0" algn="l">
+            <a:pPr marL="0" lvl="0" indent="0" algn="l" rtl="0">
               <a:spcBef>
                 <a:spcPts val="0"/>
               </a:spcBef>
@@ -9136,10 +9373,7 @@
               </a:spcAft>
               <a:buNone/>
             </a:pPr>
-            <a:r>
-              <a:t/>
-            </a:r>
-            <a:endParaRPr sz="1500">
+            <a:endParaRPr sz="1500" dirty="0">
               <a:solidFill>
                 <a:srgbClr val="3F3F3F"/>
               </a:solidFill>
@@ -9159,8 +9393,8 @@
         </p:nvSpPr>
         <p:spPr>
           <a:xfrm>
-            <a:off x="2045200" y="2090225"/>
-            <a:ext cx="4941000" cy="763200"/>
+            <a:off x="2045200" y="2243824"/>
+            <a:ext cx="4941000" cy="726021"/>
           </a:xfrm>
           <a:prstGeom prst="rect">
             <a:avLst/>
@@ -9171,12 +9405,12 @@
           </a:ln>
         </p:spPr>
         <p:txBody>
-          <a:bodyPr anchorCtr="0" anchor="t" bIns="91425" lIns="91425" spcFirstLastPara="1" rIns="91425" wrap="square" tIns="91425">
+          <a:bodyPr spcFirstLastPara="1" wrap="square" lIns="91425" tIns="91425" rIns="91425" bIns="91425" anchor="t" anchorCtr="0">
             <a:noAutofit/>
           </a:bodyPr>
           <a:lstStyle/>
           <a:p>
-            <a:pPr indent="0" lvl="0" marL="0" rtl="0" algn="ctr">
+            <a:pPr marL="0" lvl="0" indent="0" algn="ctr" rtl="0">
               <a:spcBef>
                 <a:spcPts val="0"/>
               </a:spcBef>
@@ -9186,7 +9420,7 @@
               <a:buNone/>
             </a:pPr>
             <a:r>
-              <a:rPr b="1" lang="en" sz="4400">
+              <a:rPr lang="en" sz="3200" b="1" dirty="0">
                 <a:solidFill>
                   <a:srgbClr val="0B5394"/>
                 </a:solidFill>
@@ -9197,7 +9431,7 @@
               </a:rPr>
               <a:t>Syntax Analyzer</a:t>
             </a:r>
-            <a:endParaRPr b="1" sz="4400">
+            <a:endParaRPr sz="3200" b="1" dirty="0">
               <a:solidFill>
                 <a:srgbClr val="0B5394"/>
               </a:solidFill>
@@ -9219,7 +9453,7 @@
           <a:blip r:embed="rId3">
             <a:alphaModFix/>
           </a:blip>
-          <a:srcRect b="23515" l="17210" r="17575" t="21036"/>
+          <a:srcRect l="17210" t="21036" r="17575" b="23515"/>
           <a:stretch/>
         </p:blipFill>
         <p:spPr>
@@ -9244,32 +9478,32 @@
   <p:timing>
     <p:tnLst>
       <p:par>
-        <p:cTn dur="indefinite" nodeType="tmRoot" restart="never">
+        <p:cTn id="1" dur="indefinite" restart="never" nodeType="tmRoot">
           <p:childTnLst>
             <p:seq concurrent="1" nextAc="seek">
-              <p:cTn dur="indefinite" id="2" nodeType="mainSeq">
+              <p:cTn id="2" dur="indefinite" nodeType="mainSeq">
                 <p:childTnLst>
                   <p:par>
-                    <p:cTn fill="hold">
+                    <p:cTn id="3" fill="hold">
                       <p:stCondLst>
                         <p:cond delay="indefinite"/>
                       </p:stCondLst>
                       <p:childTnLst>
                         <p:par>
-                          <p:cTn fill="hold">
+                          <p:cTn id="4" fill="hold">
                             <p:stCondLst>
                               <p:cond delay="0"/>
                             </p:stCondLst>
                             <p:childTnLst>
                               <p:par>
-                                <p:cTn fill="hold" nodeType="clickEffect" presetClass="entr" presetID="1" presetSubtype="0">
+                                <p:cTn id="5" presetID="1" presetClass="entr" presetSubtype="0" fill="hold" nodeType="clickEffect">
                                   <p:stCondLst>
                                     <p:cond delay="0"/>
                                   </p:stCondLst>
                                   <p:childTnLst>
                                     <p:set>
                                       <p:cBhvr>
-                                        <p:cTn dur="1" fill="hold">
+                                        <p:cTn id="6" dur="1" fill="hold">
                                           <p:stCondLst>
                                             <p:cond delay="0"/>
                                           </p:stCondLst>
@@ -9297,14 +9531,14 @@
                 </p:childTnLst>
               </p:cTn>
               <p:prevCondLst>
-                <p:cond evt="onPrev">
+                <p:cond evt="onPrev" delay="0">
                   <p:tgtEl>
                     <p:sldTgt/>
                   </p:tgtEl>
                 </p:cond>
               </p:prevCondLst>
               <p:nextCondLst>
-                <p:cond evt="onNext">
+                <p:cond evt="onNext" delay="0">
                   <p:tgtEl>
                     <p:sldTgt/>
                   </p:tgtEl>
@@ -9320,11 +9554,11 @@
 </file>
 
 <file path=ppt/slides/slide2.xml><?xml version="1.0" encoding="utf-8"?>
-<p:sld xmlns:a="http://schemas.openxmlformats.org/drawingml/2006/main" xmlns:r="http://schemas.openxmlformats.org/officeDocument/2006/relationships" xmlns:mc="http://schemas.openxmlformats.org/markup-compatibility/2006" xmlns:mv="urn:schemas-microsoft-com:mac:vml" xmlns:p="http://schemas.openxmlformats.org/presentationml/2006/main" xmlns:c="http://schemas.openxmlformats.org/drawingml/2006/chart" xmlns:dgm="http://schemas.openxmlformats.org/drawingml/2006/diagram" xmlns:o="urn:schemas-microsoft-com:office:office" xmlns:v="urn:schemas-microsoft-com:vml" xmlns:pvml="urn:schemas-microsoft-com:office:powerpoint" xmlns:com="http://schemas.openxmlformats.org/drawingml/2006/compatibility" xmlns:p14="http://schemas.microsoft.com/office/powerpoint/2010/main" xmlns:p15="http://schemas.microsoft.com/office/powerpoint/2012/main" xmlns:ahyp="http://schemas.microsoft.com/office/drawing/2018/hyperlinkcolor">
+<p:sld xmlns:a="http://schemas.openxmlformats.org/drawingml/2006/main" xmlns:r="http://schemas.openxmlformats.org/officeDocument/2006/relationships" xmlns:p="http://schemas.openxmlformats.org/presentationml/2006/main">
   <p:cSld>
     <p:spTree>
       <p:nvGrpSpPr>
-        <p:cNvPr id="91" name="Shape 91"/>
+        <p:cNvPr id="1" name="Shape 91"/>
         <p:cNvGrpSpPr/>
         <p:nvPr/>
       </p:nvGrpSpPr>
@@ -9339,7 +9573,9 @@
       <p:sp>
         <p:nvSpPr>
           <p:cNvPr id="92" name="Google Shape;92;p13"/>
-          <p:cNvSpPr txBox="1"/>
+          <p:cNvSpPr txBox="1">
+            <a:spLocks noGrp="1"/>
+          </p:cNvSpPr>
           <p:nvPr>
             <p:ph type="title"/>
           </p:nvPr>
@@ -9354,12 +9590,12 @@
           </a:prstGeom>
         </p:spPr>
         <p:txBody>
-          <a:bodyPr anchorCtr="0" anchor="ctr" bIns="34275" lIns="68575" spcFirstLastPara="1" rIns="68575" wrap="square" tIns="34275">
+          <a:bodyPr spcFirstLastPara="1" wrap="square" lIns="68575" tIns="34275" rIns="68575" bIns="34275" anchor="ctr" anchorCtr="0">
             <a:normAutofit/>
           </a:bodyPr>
           <a:lstStyle/>
           <a:p>
-            <a:pPr indent="0" lvl="0" marL="0" rtl="0" algn="l">
+            <a:pPr marL="0" lvl="0" indent="0" algn="l" rtl="0">
               <a:spcBef>
                 <a:spcPts val="0"/>
               </a:spcBef>
@@ -9369,7 +9605,7 @@
               <a:buNone/>
             </a:pPr>
             <a:r>
-              <a:rPr b="1" lang="en">
+              <a:rPr lang="en" b="1">
                 <a:solidFill>
                   <a:srgbClr val="073763"/>
                 </a:solidFill>
@@ -9387,9 +9623,11 @@
       <p:sp>
         <p:nvSpPr>
           <p:cNvPr id="93" name="Google Shape;93;p13"/>
-          <p:cNvSpPr txBox="1"/>
+          <p:cNvSpPr txBox="1">
+            <a:spLocks noGrp="1"/>
+          </p:cNvSpPr>
           <p:nvPr>
-            <p:ph idx="1" type="body"/>
+            <p:ph type="body" idx="1"/>
           </p:nvPr>
         </p:nvSpPr>
         <p:spPr>
@@ -9402,12 +9640,12 @@
           </a:prstGeom>
         </p:spPr>
         <p:txBody>
-          <a:bodyPr anchorCtr="0" anchor="t" bIns="34275" lIns="0" spcFirstLastPara="1" rIns="0" wrap="square" tIns="34275">
+          <a:bodyPr spcFirstLastPara="1" wrap="square" lIns="0" tIns="34275" rIns="0" bIns="34275" anchor="t" anchorCtr="0">
             <a:normAutofit/>
           </a:bodyPr>
           <a:lstStyle/>
           <a:p>
-            <a:pPr indent="-323850" lvl="0" marL="457200" rtl="0" algn="l">
+            <a:pPr marL="457200" lvl="0" indent="-323850" algn="l" rtl="0">
               <a:spcBef>
                 <a:spcPts val="900"/>
               </a:spcBef>
@@ -9421,7 +9659,7 @@
               <a:buChar char="●"/>
             </a:pPr>
             <a:r>
-              <a:rPr b="1" lang="en">
+              <a:rPr lang="en" b="1">
                 <a:solidFill>
                   <a:srgbClr val="434343"/>
                 </a:solidFill>
@@ -9435,7 +9673,7 @@
             </a:endParaRPr>
           </a:p>
           <a:p>
-            <a:pPr indent="0" lvl="0" marL="0" rtl="0" algn="l">
+            <a:pPr marL="0" lvl="0" indent="0" algn="l" rtl="0">
               <a:spcBef>
                 <a:spcPts val="900"/>
               </a:spcBef>
@@ -9445,7 +9683,7 @@
               <a:buNone/>
             </a:pPr>
             <a:r>
-              <a:rPr b="1" lang="en">
+              <a:rPr lang="en" b="1">
                 <a:solidFill>
                   <a:srgbClr val="434343"/>
                 </a:solidFill>
@@ -9459,7 +9697,7 @@
             </a:endParaRPr>
           </a:p>
           <a:p>
-            <a:pPr indent="-323850" lvl="0" marL="457200" rtl="0" algn="l">
+            <a:pPr marL="457200" lvl="0" indent="-323850" algn="l" rtl="0">
               <a:spcBef>
                 <a:spcPts val="900"/>
               </a:spcBef>
@@ -9473,7 +9711,7 @@
               <a:buChar char="●"/>
             </a:pPr>
             <a:r>
-              <a:rPr b="1" lang="en">
+              <a:rPr lang="en" b="1">
                 <a:solidFill>
                   <a:srgbClr val="434343"/>
                 </a:solidFill>
@@ -9487,7 +9725,7 @@
             </a:endParaRPr>
           </a:p>
           <a:p>
-            <a:pPr indent="0" lvl="0" marL="457200" rtl="0" algn="l">
+            <a:pPr marL="457200" lvl="0" indent="0" algn="l" rtl="0">
               <a:spcBef>
                 <a:spcPts val="900"/>
               </a:spcBef>
@@ -9496,9 +9734,6 @@
               </a:spcAft>
               <a:buNone/>
             </a:pPr>
-            <a:r>
-              <a:t/>
-            </a:r>
             <a:endParaRPr b="1">
               <a:solidFill>
                 <a:srgbClr val="434343"/>
@@ -9506,7 +9741,7 @@
             </a:endParaRPr>
           </a:p>
           <a:p>
-            <a:pPr indent="-323850" lvl="0" marL="457200" rtl="0" algn="l">
+            <a:pPr marL="457200" lvl="0" indent="-323850" algn="l" rtl="0">
               <a:spcBef>
                 <a:spcPts val="900"/>
               </a:spcBef>
@@ -9520,7 +9755,7 @@
               <a:buChar char="●"/>
             </a:pPr>
             <a:r>
-              <a:rPr b="1" lang="en">
+              <a:rPr lang="en" b="1">
                 <a:solidFill>
                   <a:srgbClr val="434343"/>
                 </a:solidFill>
@@ -9535,20 +9770,128 @@
           </a:p>
         </p:txBody>
       </p:sp>
+      <p:pic>
+        <p:nvPicPr>
+          <p:cNvPr id="2" name="Google Shape;87;p12">
+            <a:extLst>
+              <a:ext uri="{FF2B5EF4-FFF2-40B4-BE49-F238E27FC236}">
+                <a16:creationId xmlns:a16="http://schemas.microsoft.com/office/drawing/2014/main" id="{E0A34691-FCC3-A348-121C-D04CB82B1519}"/>
+              </a:ext>
+            </a:extLst>
+          </p:cNvPr>
+          <p:cNvPicPr preferRelativeResize="0"/>
+          <p:nvPr/>
+        </p:nvPicPr>
+        <p:blipFill rotWithShape="1">
+          <a:blip r:embed="rId3">
+            <a:alphaModFix/>
+          </a:blip>
+          <a:srcRect l="17210" t="21036" r="17575" b="23515"/>
+          <a:stretch/>
+        </p:blipFill>
+        <p:spPr>
+          <a:xfrm>
+            <a:off x="7194062" y="3911600"/>
+            <a:ext cx="976923" cy="1094154"/>
+          </a:xfrm>
+          <a:prstGeom prst="rect">
+            <a:avLst/>
+          </a:prstGeom>
+          <a:noFill/>
+          <a:ln>
+            <a:noFill/>
+          </a:ln>
+        </p:spPr>
+      </p:pic>
     </p:spTree>
   </p:cSld>
   <p:clrMapOvr>
     <a:masterClrMapping/>
   </p:clrMapOvr>
+  <p:timing>
+    <p:tnLst>
+      <p:par>
+        <p:cTn id="1" dur="indefinite" restart="never" nodeType="tmRoot">
+          <p:childTnLst>
+            <p:seq concurrent="1" nextAc="seek">
+              <p:cTn id="2" dur="indefinite" nodeType="mainSeq">
+                <p:childTnLst>
+                  <p:par>
+                    <p:cTn id="3" fill="hold">
+                      <p:stCondLst>
+                        <p:cond delay="indefinite"/>
+                      </p:stCondLst>
+                      <p:childTnLst>
+                        <p:par>
+                          <p:cTn id="4" fill="hold">
+                            <p:stCondLst>
+                              <p:cond delay="0"/>
+                            </p:stCondLst>
+                            <p:childTnLst>
+                              <p:par>
+                                <p:cTn id="5" presetID="1" presetClass="entr" presetSubtype="0" fill="hold" nodeType="clickEffect">
+                                  <p:stCondLst>
+                                    <p:cond delay="0"/>
+                                  </p:stCondLst>
+                                  <p:childTnLst>
+                                    <p:set>
+                                      <p:cBhvr>
+                                        <p:cTn id="6" dur="1" fill="hold">
+                                          <p:stCondLst>
+                                            <p:cond delay="0"/>
+                                          </p:stCondLst>
+                                        </p:cTn>
+                                        <p:tgtEl>
+                                          <p:spTgt spid="2"/>
+                                        </p:tgtEl>
+                                        <p:attrNameLst>
+                                          <p:attrName>style.visibility</p:attrName>
+                                        </p:attrNameLst>
+                                      </p:cBhvr>
+                                      <p:to>
+                                        <p:strVal val="visible"/>
+                                      </p:to>
+                                    </p:set>
+                                  </p:childTnLst>
+                                </p:cTn>
+                              </p:par>
+                            </p:childTnLst>
+                          </p:cTn>
+                        </p:par>
+                      </p:childTnLst>
+                    </p:cTn>
+                  </p:par>
+                </p:childTnLst>
+              </p:cTn>
+              <p:prevCondLst>
+                <p:cond evt="onPrev" delay="0">
+                  <p:tgtEl>
+                    <p:sldTgt/>
+                  </p:tgtEl>
+                </p:cond>
+              </p:prevCondLst>
+              <p:nextCondLst>
+                <p:cond evt="onNext" delay="0">
+                  <p:tgtEl>
+                    <p:sldTgt/>
+                  </p:tgtEl>
+                </p:cond>
+              </p:nextCondLst>
+            </p:seq>
+          </p:childTnLst>
+        </p:cTn>
+      </p:par>
+    </p:tnLst>
+  </p:timing>
 </p:sld>
 </file>
 
 <file path=ppt/slides/slide3.xml><?xml version="1.0" encoding="utf-8"?>
-<p:sld xmlns:a="http://schemas.openxmlformats.org/drawingml/2006/main" xmlns:r="http://schemas.openxmlformats.org/officeDocument/2006/relationships" xmlns:mc="http://schemas.openxmlformats.org/markup-compatibility/2006" xmlns:mv="urn:schemas-microsoft-com:mac:vml" xmlns:p="http://schemas.openxmlformats.org/presentationml/2006/main" xmlns:c="http://schemas.openxmlformats.org/drawingml/2006/chart" xmlns:dgm="http://schemas.openxmlformats.org/drawingml/2006/diagram" xmlns:o="urn:schemas-microsoft-com:office:office" xmlns:v="urn:schemas-microsoft-com:vml" xmlns:pvml="urn:schemas-microsoft-com:office:powerpoint" xmlns:com="http://schemas.openxmlformats.org/drawingml/2006/compatibility" xmlns:p14="http://schemas.microsoft.com/office/powerpoint/2010/main" xmlns:p15="http://schemas.microsoft.com/office/powerpoint/2012/main" xmlns:ahyp="http://schemas.microsoft.com/office/drawing/2018/hyperlinkcolor">
+<p:sld xmlns:a="http://schemas.openxmlformats.org/drawingml/2006/main" xmlns:r="http://schemas.openxmlformats.org/officeDocument/2006/relationships" xmlns:p="http://schemas.openxmlformats.org/presentationml/2006/main">
   <p:cSld>
     <p:spTree>
       <p:nvGrpSpPr>
-        <p:cNvPr id="97" name="Shape 97"/>
+        <p:cNvPr id="1" name="Shape 97"/>
         <p:cNvGrpSpPr/>
         <p:nvPr/>
       </p:nvGrpSpPr>
@@ -9563,7 +9906,9 @@
       <p:sp>
         <p:nvSpPr>
           <p:cNvPr id="98" name="Google Shape;98;p14"/>
-          <p:cNvSpPr txBox="1"/>
+          <p:cNvSpPr txBox="1">
+            <a:spLocks noGrp="1"/>
+          </p:cNvSpPr>
           <p:nvPr>
             <p:ph type="title"/>
           </p:nvPr>
@@ -9578,12 +9923,12 @@
           </a:prstGeom>
         </p:spPr>
         <p:txBody>
-          <a:bodyPr anchorCtr="0" anchor="ctr" bIns="34275" lIns="68575" spcFirstLastPara="1" rIns="68575" wrap="square" tIns="34275">
+          <a:bodyPr spcFirstLastPara="1" wrap="square" lIns="68575" tIns="34275" rIns="68575" bIns="34275" anchor="ctr" anchorCtr="0">
             <a:normAutofit/>
           </a:bodyPr>
           <a:lstStyle/>
           <a:p>
-            <a:pPr indent="0" lvl="0" marL="0" rtl="0" algn="l">
+            <a:pPr marL="0" lvl="0" indent="0" algn="l" rtl="0">
               <a:spcBef>
                 <a:spcPts val="0"/>
               </a:spcBef>
@@ -9593,7 +9938,7 @@
               <a:buNone/>
             </a:pPr>
             <a:r>
-              <a:rPr b="1" lang="en">
+              <a:rPr lang="en" b="1">
                 <a:solidFill>
                   <a:srgbClr val="073763"/>
                 </a:solidFill>
@@ -9611,9 +9956,11 @@
       <p:sp>
         <p:nvSpPr>
           <p:cNvPr id="99" name="Google Shape;99;p14"/>
-          <p:cNvSpPr txBox="1"/>
+          <p:cNvSpPr txBox="1">
+            <a:spLocks noGrp="1"/>
+          </p:cNvSpPr>
           <p:nvPr>
-            <p:ph idx="1" type="body"/>
+            <p:ph type="body" idx="1"/>
           </p:nvPr>
         </p:nvSpPr>
         <p:spPr>
@@ -9626,12 +9973,12 @@
           </a:prstGeom>
         </p:spPr>
         <p:txBody>
-          <a:bodyPr anchorCtr="0" anchor="t" bIns="34275" lIns="0" spcFirstLastPara="1" rIns="0" wrap="square" tIns="34275">
+          <a:bodyPr spcFirstLastPara="1" wrap="square" lIns="0" tIns="34275" rIns="0" bIns="34275" anchor="t" anchorCtr="0">
             <a:normAutofit/>
           </a:bodyPr>
           <a:lstStyle/>
           <a:p>
-            <a:pPr indent="0" lvl="0" marL="0" rtl="0" algn="l">
+            <a:pPr marL="0" lvl="0" indent="0" algn="l" rtl="0">
               <a:lnSpc>
                 <a:spcPct val="150000"/>
               </a:lnSpc>
@@ -9644,7 +9991,7 @@
               <a:buNone/>
             </a:pPr>
             <a:r>
-              <a:rPr b="1" lang="en">
+              <a:rPr lang="en" b="1">
                 <a:solidFill>
                   <a:srgbClr val="434343"/>
                 </a:solidFill>
@@ -9666,7 +10013,7 @@
             </a:endParaRPr>
           </a:p>
           <a:p>
-            <a:pPr indent="-323850" lvl="0" marL="914400" rtl="0" algn="l">
+            <a:pPr marL="914400" lvl="0" indent="-323850" algn="l" rtl="0">
               <a:lnSpc>
                 <a:spcPct val="115000"/>
               </a:lnSpc>
@@ -9684,7 +10031,7 @@
               <a:buChar char="●"/>
             </a:pPr>
             <a:r>
-              <a:rPr b="1" lang="en">
+              <a:rPr lang="en" b="1">
                 <a:solidFill>
                   <a:srgbClr val="434343"/>
                 </a:solidFill>
@@ -9706,7 +10053,7 @@
             </a:endParaRPr>
           </a:p>
           <a:p>
-            <a:pPr indent="-323850" lvl="0" marL="914400" rtl="0" algn="l">
+            <a:pPr marL="914400" lvl="0" indent="-323850" algn="l" rtl="0">
               <a:lnSpc>
                 <a:spcPct val="115000"/>
               </a:lnSpc>
@@ -9724,7 +10071,7 @@
               <a:buChar char="●"/>
             </a:pPr>
             <a:r>
-              <a:rPr b="1" lang="en">
+              <a:rPr lang="en" b="1">
                 <a:solidFill>
                   <a:srgbClr val="434343"/>
                 </a:solidFill>
@@ -9746,7 +10093,7 @@
             </a:endParaRPr>
           </a:p>
           <a:p>
-            <a:pPr indent="-323850" lvl="0" marL="914400" rtl="0" algn="l">
+            <a:pPr marL="914400" lvl="0" indent="-323850" algn="l" rtl="0">
               <a:lnSpc>
                 <a:spcPct val="115000"/>
               </a:lnSpc>
@@ -9764,7 +10111,7 @@
               <a:buChar char="●"/>
             </a:pPr>
             <a:r>
-              <a:rPr b="1" lang="en">
+              <a:rPr lang="en" b="1">
                 <a:solidFill>
                   <a:srgbClr val="434343"/>
                 </a:solidFill>
@@ -9786,7 +10133,7 @@
             </a:endParaRPr>
           </a:p>
           <a:p>
-            <a:pPr indent="-323850" lvl="0" marL="914400" rtl="0" algn="l">
+            <a:pPr marL="914400" lvl="0" indent="-323850" algn="l" rtl="0">
               <a:lnSpc>
                 <a:spcPct val="115000"/>
               </a:lnSpc>
@@ -9804,7 +10151,7 @@
               <a:buChar char="●"/>
             </a:pPr>
             <a:r>
-              <a:rPr b="1" lang="en">
+              <a:rPr lang="en" b="1">
                 <a:solidFill>
                   <a:srgbClr val="434343"/>
                 </a:solidFill>
@@ -9826,7 +10173,7 @@
             </a:endParaRPr>
           </a:p>
           <a:p>
-            <a:pPr indent="-323850" lvl="0" marL="914400" rtl="0" algn="l">
+            <a:pPr marL="914400" lvl="0" indent="-323850" algn="l" rtl="0">
               <a:lnSpc>
                 <a:spcPct val="115000"/>
               </a:lnSpc>
@@ -9844,7 +10191,7 @@
               <a:buChar char="●"/>
             </a:pPr>
             <a:r>
-              <a:rPr b="1" lang="en">
+              <a:rPr lang="en" b="1">
                 <a:solidFill>
                   <a:srgbClr val="434343"/>
                 </a:solidFill>
@@ -9866,7 +10213,7 @@
             </a:endParaRPr>
           </a:p>
           <a:p>
-            <a:pPr indent="-323850" lvl="0" marL="914400" rtl="0" algn="l">
+            <a:pPr marL="914400" lvl="0" indent="-323850" algn="l" rtl="0">
               <a:lnSpc>
                 <a:spcPct val="115000"/>
               </a:lnSpc>
@@ -9884,7 +10231,7 @@
               <a:buChar char="●"/>
             </a:pPr>
             <a:r>
-              <a:rPr b="1" lang="en">
+              <a:rPr lang="en" b="1">
                 <a:solidFill>
                   <a:srgbClr val="434343"/>
                 </a:solidFill>
@@ -9907,20 +10254,128 @@
           </a:p>
         </p:txBody>
       </p:sp>
+      <p:pic>
+        <p:nvPicPr>
+          <p:cNvPr id="2" name="Google Shape;87;p12">
+            <a:extLst>
+              <a:ext uri="{FF2B5EF4-FFF2-40B4-BE49-F238E27FC236}">
+                <a16:creationId xmlns:a16="http://schemas.microsoft.com/office/drawing/2014/main" id="{8AA9C76E-EA4E-1792-5803-64B8449F6331}"/>
+              </a:ext>
+            </a:extLst>
+          </p:cNvPr>
+          <p:cNvPicPr preferRelativeResize="0"/>
+          <p:nvPr/>
+        </p:nvPicPr>
+        <p:blipFill rotWithShape="1">
+          <a:blip r:embed="rId3">
+            <a:alphaModFix/>
+          </a:blip>
+          <a:srcRect l="17210" t="21036" r="17575" b="23515"/>
+          <a:stretch/>
+        </p:blipFill>
+        <p:spPr>
+          <a:xfrm>
+            <a:off x="7145937" y="3900402"/>
+            <a:ext cx="1031526" cy="1056596"/>
+          </a:xfrm>
+          <a:prstGeom prst="rect">
+            <a:avLst/>
+          </a:prstGeom>
+          <a:noFill/>
+          <a:ln>
+            <a:noFill/>
+          </a:ln>
+        </p:spPr>
+      </p:pic>
     </p:spTree>
   </p:cSld>
   <p:clrMapOvr>
     <a:masterClrMapping/>
   </p:clrMapOvr>
+  <p:timing>
+    <p:tnLst>
+      <p:par>
+        <p:cTn id="1" dur="indefinite" restart="never" nodeType="tmRoot">
+          <p:childTnLst>
+            <p:seq concurrent="1" nextAc="seek">
+              <p:cTn id="2" dur="indefinite" nodeType="mainSeq">
+                <p:childTnLst>
+                  <p:par>
+                    <p:cTn id="3" fill="hold">
+                      <p:stCondLst>
+                        <p:cond delay="indefinite"/>
+                      </p:stCondLst>
+                      <p:childTnLst>
+                        <p:par>
+                          <p:cTn id="4" fill="hold">
+                            <p:stCondLst>
+                              <p:cond delay="0"/>
+                            </p:stCondLst>
+                            <p:childTnLst>
+                              <p:par>
+                                <p:cTn id="5" presetID="1" presetClass="entr" presetSubtype="0" fill="hold" nodeType="clickEffect">
+                                  <p:stCondLst>
+                                    <p:cond delay="0"/>
+                                  </p:stCondLst>
+                                  <p:childTnLst>
+                                    <p:set>
+                                      <p:cBhvr>
+                                        <p:cTn id="6" dur="1" fill="hold">
+                                          <p:stCondLst>
+                                            <p:cond delay="0"/>
+                                          </p:stCondLst>
+                                        </p:cTn>
+                                        <p:tgtEl>
+                                          <p:spTgt spid="2"/>
+                                        </p:tgtEl>
+                                        <p:attrNameLst>
+                                          <p:attrName>style.visibility</p:attrName>
+                                        </p:attrNameLst>
+                                      </p:cBhvr>
+                                      <p:to>
+                                        <p:strVal val="visible"/>
+                                      </p:to>
+                                    </p:set>
+                                  </p:childTnLst>
+                                </p:cTn>
+                              </p:par>
+                            </p:childTnLst>
+                          </p:cTn>
+                        </p:par>
+                      </p:childTnLst>
+                    </p:cTn>
+                  </p:par>
+                </p:childTnLst>
+              </p:cTn>
+              <p:prevCondLst>
+                <p:cond evt="onPrev" delay="0">
+                  <p:tgtEl>
+                    <p:sldTgt/>
+                  </p:tgtEl>
+                </p:cond>
+              </p:prevCondLst>
+              <p:nextCondLst>
+                <p:cond evt="onNext" delay="0">
+                  <p:tgtEl>
+                    <p:sldTgt/>
+                  </p:tgtEl>
+                </p:cond>
+              </p:nextCondLst>
+            </p:seq>
+          </p:childTnLst>
+        </p:cTn>
+      </p:par>
+    </p:tnLst>
+  </p:timing>
 </p:sld>
 </file>
 
 <file path=ppt/slides/slide4.xml><?xml version="1.0" encoding="utf-8"?>
-<p:sld xmlns:a="http://schemas.openxmlformats.org/drawingml/2006/main" xmlns:r="http://schemas.openxmlformats.org/officeDocument/2006/relationships" xmlns:mc="http://schemas.openxmlformats.org/markup-compatibility/2006" xmlns:mv="urn:schemas-microsoft-com:mac:vml" xmlns:p="http://schemas.openxmlformats.org/presentationml/2006/main" xmlns:c="http://schemas.openxmlformats.org/drawingml/2006/chart" xmlns:dgm="http://schemas.openxmlformats.org/drawingml/2006/diagram" xmlns:o="urn:schemas-microsoft-com:office:office" xmlns:v="urn:schemas-microsoft-com:vml" xmlns:pvml="urn:schemas-microsoft-com:office:powerpoint" xmlns:com="http://schemas.openxmlformats.org/drawingml/2006/compatibility" xmlns:p14="http://schemas.microsoft.com/office/powerpoint/2010/main" xmlns:p15="http://schemas.microsoft.com/office/powerpoint/2012/main" xmlns:ahyp="http://schemas.microsoft.com/office/drawing/2018/hyperlinkcolor">
+<p:sld xmlns:a="http://schemas.openxmlformats.org/drawingml/2006/main" xmlns:r="http://schemas.openxmlformats.org/officeDocument/2006/relationships" xmlns:p="http://schemas.openxmlformats.org/presentationml/2006/main">
   <p:cSld>
     <p:spTree>
       <p:nvGrpSpPr>
-        <p:cNvPr id="103" name="Shape 103"/>
+        <p:cNvPr id="1" name="Shape 103"/>
         <p:cNvGrpSpPr/>
         <p:nvPr/>
       </p:nvGrpSpPr>
@@ -9935,7 +10390,9 @@
       <p:sp>
         <p:nvSpPr>
           <p:cNvPr id="104" name="Google Shape;104;p15"/>
-          <p:cNvSpPr txBox="1"/>
+          <p:cNvSpPr txBox="1">
+            <a:spLocks noGrp="1"/>
+          </p:cNvSpPr>
           <p:nvPr>
             <p:ph type="title"/>
           </p:nvPr>
@@ -9950,12 +10407,12 @@
           </a:prstGeom>
         </p:spPr>
         <p:txBody>
-          <a:bodyPr anchorCtr="0" anchor="ctr" bIns="34275" lIns="68575" spcFirstLastPara="1" rIns="68575" wrap="square" tIns="34275">
+          <a:bodyPr spcFirstLastPara="1" wrap="square" lIns="68575" tIns="34275" rIns="68575" bIns="34275" anchor="ctr" anchorCtr="0">
             <a:normAutofit/>
           </a:bodyPr>
           <a:lstStyle/>
           <a:p>
-            <a:pPr indent="0" lvl="0" marL="0" rtl="0" algn="l">
+            <a:pPr marL="0" lvl="0" indent="0" algn="l" rtl="0">
               <a:spcBef>
                 <a:spcPts val="0"/>
               </a:spcBef>
@@ -9965,7 +10422,7 @@
               <a:buNone/>
             </a:pPr>
             <a:r>
-              <a:rPr b="1" lang="en">
+              <a:rPr lang="en" b="1">
                 <a:solidFill>
                   <a:srgbClr val="073763"/>
                 </a:solidFill>
@@ -9983,9 +10440,11 @@
       <p:sp>
         <p:nvSpPr>
           <p:cNvPr id="105" name="Google Shape;105;p15"/>
-          <p:cNvSpPr txBox="1"/>
+          <p:cNvSpPr txBox="1">
+            <a:spLocks noGrp="1"/>
+          </p:cNvSpPr>
           <p:nvPr>
-            <p:ph idx="1" type="body"/>
+            <p:ph type="body" idx="1"/>
           </p:nvPr>
         </p:nvSpPr>
         <p:spPr>
@@ -9998,12 +10457,12 @@
           </a:prstGeom>
         </p:spPr>
         <p:txBody>
-          <a:bodyPr anchorCtr="0" anchor="t" bIns="34275" lIns="0" spcFirstLastPara="1" rIns="0" wrap="square" tIns="34275">
+          <a:bodyPr spcFirstLastPara="1" wrap="square" lIns="0" tIns="34275" rIns="0" bIns="34275" anchor="t" anchorCtr="0">
             <a:normAutofit/>
           </a:bodyPr>
           <a:lstStyle/>
           <a:p>
-            <a:pPr indent="-323850" lvl="0" marL="914400" rtl="0" algn="l">
+            <a:pPr marL="914400" lvl="0" indent="-323850" algn="l" rtl="0">
               <a:lnSpc>
                 <a:spcPct val="115000"/>
               </a:lnSpc>
@@ -10021,7 +10480,7 @@
               <a:buChar char="●"/>
             </a:pPr>
             <a:r>
-              <a:rPr b="1" lang="en">
+              <a:rPr lang="en" b="1">
                 <a:solidFill>
                   <a:srgbClr val="434343"/>
                 </a:solidFill>
@@ -10043,7 +10502,7 @@
             </a:endParaRPr>
           </a:p>
           <a:p>
-            <a:pPr indent="0" lvl="0" marL="914400" rtl="0" algn="l">
+            <a:pPr marL="914400" lvl="0" indent="0" algn="l" rtl="0">
               <a:lnSpc>
                 <a:spcPct val="115000"/>
               </a:lnSpc>
@@ -10054,9 +10513,46 @@
                 <a:spcPts val="0"/>
               </a:spcAft>
               <a:buNone/>
+            </a:pPr>
+            <a:endParaRPr b="1">
+              <a:solidFill>
+                <a:srgbClr val="434343"/>
+              </a:solidFill>
+              <a:latin typeface="Roboto Mono"/>
+              <a:ea typeface="Roboto Mono"/>
+              <a:cs typeface="Roboto Mono"/>
+              <a:sym typeface="Roboto Mono"/>
+            </a:endParaRPr>
+          </a:p>
+          <a:p>
+            <a:pPr marL="914400" lvl="0" indent="-323850" algn="l" rtl="0">
+              <a:lnSpc>
+                <a:spcPct val="115000"/>
+              </a:lnSpc>
+              <a:spcBef>
+                <a:spcPts val="0"/>
+              </a:spcBef>
+              <a:spcAft>
+                <a:spcPts val="0"/>
+              </a:spcAft>
+              <a:buClr>
+                <a:srgbClr val="434343"/>
+              </a:buClr>
+              <a:buSzPts val="1500"/>
+              <a:buFont typeface="Roboto Mono"/>
+              <a:buChar char="●"/>
             </a:pPr>
             <a:r>
-              <a:t/>
+              <a:rPr lang="en" b="1">
+                <a:solidFill>
+                  <a:srgbClr val="434343"/>
+                </a:solidFill>
+                <a:latin typeface="Roboto Mono"/>
+                <a:ea typeface="Roboto Mono"/>
+                <a:cs typeface="Roboto Mono"/>
+                <a:sym typeface="Roboto Mono"/>
+              </a:rPr>
+              <a:t>Each section of grammar was tested individually by trying out various possible cases.</a:t>
             </a:r>
             <a:endParaRPr b="1">
               <a:solidFill>
@@ -10069,7 +10565,7 @@
             </a:endParaRPr>
           </a:p>
           <a:p>
-            <a:pPr indent="-323850" lvl="0" marL="914400" rtl="0" algn="l">
+            <a:pPr marL="914400" lvl="0" indent="0" algn="l" rtl="0">
               <a:lnSpc>
                 <a:spcPct val="115000"/>
               </a:lnSpc>
@@ -10079,37 +10575,8 @@
               <a:spcAft>
                 <a:spcPts val="0"/>
               </a:spcAft>
-              <a:buClr>
-                <a:srgbClr val="434343"/>
-              </a:buClr>
-              <a:buSzPts val="1500"/>
-              <a:buFont typeface="Roboto Mono"/>
-              <a:buChar char="●"/>
+              <a:buNone/>
             </a:pPr>
-            <a:r>
-              <a:rPr b="1" lang="en">
-                <a:solidFill>
-                  <a:srgbClr val="434343"/>
-                </a:solidFill>
-                <a:latin typeface="Roboto Mono"/>
-                <a:ea typeface="Roboto Mono"/>
-                <a:cs typeface="Roboto Mono"/>
-                <a:sym typeface="Roboto Mono"/>
-              </a:rPr>
-              <a:t>Each </a:t>
-            </a:r>
-            <a:r>
-              <a:rPr b="1" lang="en">
-                <a:solidFill>
-                  <a:srgbClr val="434343"/>
-                </a:solidFill>
-                <a:latin typeface="Roboto Mono"/>
-                <a:ea typeface="Roboto Mono"/>
-                <a:cs typeface="Roboto Mono"/>
-                <a:sym typeface="Roboto Mono"/>
-              </a:rPr>
-              <a:t>section of grammar was tested individually by trying out various possible cases.</a:t>
-            </a:r>
             <a:endParaRPr b="1">
               <a:solidFill>
                 <a:srgbClr val="434343"/>
@@ -10121,33 +10588,7 @@
             </a:endParaRPr>
           </a:p>
           <a:p>
-            <a:pPr indent="0" lvl="0" marL="914400" rtl="0" algn="l">
-              <a:lnSpc>
-                <a:spcPct val="115000"/>
-              </a:lnSpc>
-              <a:spcBef>
-                <a:spcPts val="0"/>
-              </a:spcBef>
-              <a:spcAft>
-                <a:spcPts val="0"/>
-              </a:spcAft>
-              <a:buNone/>
-            </a:pPr>
-            <a:r>
-              <a:t/>
-            </a:r>
-            <a:endParaRPr b="1">
-              <a:solidFill>
-                <a:srgbClr val="434343"/>
-              </a:solidFill>
-              <a:latin typeface="Roboto Mono"/>
-              <a:ea typeface="Roboto Mono"/>
-              <a:cs typeface="Roboto Mono"/>
-              <a:sym typeface="Roboto Mono"/>
-            </a:endParaRPr>
-          </a:p>
-          <a:p>
-            <a:pPr indent="-323850" lvl="0" marL="914400" rtl="0" algn="l">
+            <a:pPr marL="914400" lvl="0" indent="-323850" algn="l" rtl="0">
               <a:lnSpc>
                 <a:spcPct val="115000"/>
               </a:lnSpc>
@@ -10165,7 +10606,7 @@
               <a:buChar char="●"/>
             </a:pPr>
             <a:r>
-              <a:rPr b="1" lang="en">
+              <a:rPr lang="en" b="1">
                 <a:solidFill>
                   <a:srgbClr val="434343"/>
                 </a:solidFill>
@@ -10188,20 +10629,128 @@
           </a:p>
         </p:txBody>
       </p:sp>
+      <p:pic>
+        <p:nvPicPr>
+          <p:cNvPr id="2" name="Google Shape;87;p12">
+            <a:extLst>
+              <a:ext uri="{FF2B5EF4-FFF2-40B4-BE49-F238E27FC236}">
+                <a16:creationId xmlns:a16="http://schemas.microsoft.com/office/drawing/2014/main" id="{F974455B-E3E1-6747-E17D-7B23D0CED905}"/>
+              </a:ext>
+            </a:extLst>
+          </p:cNvPr>
+          <p:cNvPicPr preferRelativeResize="0"/>
+          <p:nvPr/>
+        </p:nvPicPr>
+        <p:blipFill rotWithShape="1">
+          <a:blip r:embed="rId3">
+            <a:alphaModFix/>
+          </a:blip>
+          <a:srcRect l="17210" t="21036" r="17575" b="23515"/>
+          <a:stretch/>
+        </p:blipFill>
+        <p:spPr>
+          <a:xfrm>
+            <a:off x="7151798" y="3914604"/>
+            <a:ext cx="1019803" cy="1028192"/>
+          </a:xfrm>
+          <a:prstGeom prst="rect">
+            <a:avLst/>
+          </a:prstGeom>
+          <a:noFill/>
+          <a:ln>
+            <a:noFill/>
+          </a:ln>
+        </p:spPr>
+      </p:pic>
     </p:spTree>
   </p:cSld>
   <p:clrMapOvr>
     <a:masterClrMapping/>
   </p:clrMapOvr>
+  <p:timing>
+    <p:tnLst>
+      <p:par>
+        <p:cTn id="1" dur="indefinite" restart="never" nodeType="tmRoot">
+          <p:childTnLst>
+            <p:seq concurrent="1" nextAc="seek">
+              <p:cTn id="2" dur="indefinite" nodeType="mainSeq">
+                <p:childTnLst>
+                  <p:par>
+                    <p:cTn id="3" fill="hold">
+                      <p:stCondLst>
+                        <p:cond delay="indefinite"/>
+                      </p:stCondLst>
+                      <p:childTnLst>
+                        <p:par>
+                          <p:cTn id="4" fill="hold">
+                            <p:stCondLst>
+                              <p:cond delay="0"/>
+                            </p:stCondLst>
+                            <p:childTnLst>
+                              <p:par>
+                                <p:cTn id="5" presetID="1" presetClass="entr" presetSubtype="0" fill="hold" nodeType="clickEffect">
+                                  <p:stCondLst>
+                                    <p:cond delay="0"/>
+                                  </p:stCondLst>
+                                  <p:childTnLst>
+                                    <p:set>
+                                      <p:cBhvr>
+                                        <p:cTn id="6" dur="1" fill="hold">
+                                          <p:stCondLst>
+                                            <p:cond delay="0"/>
+                                          </p:stCondLst>
+                                        </p:cTn>
+                                        <p:tgtEl>
+                                          <p:spTgt spid="2"/>
+                                        </p:tgtEl>
+                                        <p:attrNameLst>
+                                          <p:attrName>style.visibility</p:attrName>
+                                        </p:attrNameLst>
+                                      </p:cBhvr>
+                                      <p:to>
+                                        <p:strVal val="visible"/>
+                                      </p:to>
+                                    </p:set>
+                                  </p:childTnLst>
+                                </p:cTn>
+                              </p:par>
+                            </p:childTnLst>
+                          </p:cTn>
+                        </p:par>
+                      </p:childTnLst>
+                    </p:cTn>
+                  </p:par>
+                </p:childTnLst>
+              </p:cTn>
+              <p:prevCondLst>
+                <p:cond evt="onPrev" delay="0">
+                  <p:tgtEl>
+                    <p:sldTgt/>
+                  </p:tgtEl>
+                </p:cond>
+              </p:prevCondLst>
+              <p:nextCondLst>
+                <p:cond evt="onNext" delay="0">
+                  <p:tgtEl>
+                    <p:sldTgt/>
+                  </p:tgtEl>
+                </p:cond>
+              </p:nextCondLst>
+            </p:seq>
+          </p:childTnLst>
+        </p:cTn>
+      </p:par>
+    </p:tnLst>
+  </p:timing>
 </p:sld>
 </file>
 
 <file path=ppt/slides/slide5.xml><?xml version="1.0" encoding="utf-8"?>
-<p:sld xmlns:a="http://schemas.openxmlformats.org/drawingml/2006/main" xmlns:r="http://schemas.openxmlformats.org/officeDocument/2006/relationships" xmlns:mc="http://schemas.openxmlformats.org/markup-compatibility/2006" xmlns:mv="urn:schemas-microsoft-com:mac:vml" xmlns:p="http://schemas.openxmlformats.org/presentationml/2006/main" xmlns:c="http://schemas.openxmlformats.org/drawingml/2006/chart" xmlns:dgm="http://schemas.openxmlformats.org/drawingml/2006/diagram" xmlns:o="urn:schemas-microsoft-com:office:office" xmlns:v="urn:schemas-microsoft-com:vml" xmlns:pvml="urn:schemas-microsoft-com:office:powerpoint" xmlns:com="http://schemas.openxmlformats.org/drawingml/2006/compatibility" xmlns:p14="http://schemas.microsoft.com/office/powerpoint/2010/main" xmlns:p15="http://schemas.microsoft.com/office/powerpoint/2012/main" xmlns:ahyp="http://schemas.microsoft.com/office/drawing/2018/hyperlinkcolor">
+<p:sld xmlns:a="http://schemas.openxmlformats.org/drawingml/2006/main" xmlns:r="http://schemas.openxmlformats.org/officeDocument/2006/relationships" xmlns:p="http://schemas.openxmlformats.org/presentationml/2006/main">
   <p:cSld>
     <p:spTree>
       <p:nvGrpSpPr>
-        <p:cNvPr id="109" name="Shape 109"/>
+        <p:cNvPr id="1" name="Shape 109"/>
         <p:cNvGrpSpPr/>
         <p:nvPr/>
       </p:nvGrpSpPr>
@@ -10216,27 +10765,29 @@
       <p:sp>
         <p:nvSpPr>
           <p:cNvPr id="110" name="Google Shape;110;p16"/>
-          <p:cNvSpPr txBox="1"/>
+          <p:cNvSpPr txBox="1">
+            <a:spLocks noGrp="1"/>
+          </p:cNvSpPr>
           <p:nvPr>
             <p:ph type="title"/>
           </p:nvPr>
         </p:nvSpPr>
         <p:spPr>
           <a:xfrm>
-            <a:off x="921300" y="714800"/>
-            <a:ext cx="8520600" cy="607800"/>
+            <a:off x="863600" y="714800"/>
+            <a:ext cx="8578300" cy="607800"/>
           </a:xfrm>
           <a:prstGeom prst="rect">
             <a:avLst/>
           </a:prstGeom>
         </p:spPr>
         <p:txBody>
-          <a:bodyPr anchorCtr="0" anchor="ctr" bIns="34275" lIns="68575" spcFirstLastPara="1" rIns="68575" wrap="square" tIns="34275">
+          <a:bodyPr spcFirstLastPara="1" wrap="square" lIns="68575" tIns="34275" rIns="68575" bIns="34275" anchor="ctr" anchorCtr="0">
             <a:normAutofit/>
           </a:bodyPr>
           <a:lstStyle/>
           <a:p>
-            <a:pPr indent="0" lvl="0" marL="0" rtl="0" algn="l">
+            <a:pPr marL="0" lvl="0" indent="0" algn="l" rtl="0">
               <a:spcBef>
                 <a:spcPts val="0"/>
               </a:spcBef>
@@ -10246,14 +10797,14 @@
               <a:buNone/>
             </a:pPr>
             <a:r>
-              <a:rPr b="1" lang="en">
+              <a:rPr lang="en" b="1" dirty="0">
                 <a:solidFill>
                   <a:srgbClr val="073763"/>
                 </a:solidFill>
               </a:rPr>
               <a:t>Demo for the Grammar</a:t>
             </a:r>
-            <a:endParaRPr b="1">
+            <a:endParaRPr b="1" dirty="0">
               <a:solidFill>
                 <a:srgbClr val="073763"/>
               </a:solidFill>
@@ -10264,27 +10815,29 @@
       <p:sp>
         <p:nvSpPr>
           <p:cNvPr id="111" name="Google Shape;111;p16"/>
-          <p:cNvSpPr txBox="1"/>
+          <p:cNvSpPr txBox="1">
+            <a:spLocks noGrp="1"/>
+          </p:cNvSpPr>
           <p:nvPr>
-            <p:ph idx="1" type="body"/>
+            <p:ph type="body" idx="1"/>
           </p:nvPr>
         </p:nvSpPr>
         <p:spPr>
           <a:xfrm>
-            <a:off x="1011300" y="1322600"/>
-            <a:ext cx="7121400" cy="3342000"/>
+            <a:off x="863600" y="1176215"/>
+            <a:ext cx="7269100" cy="3488385"/>
           </a:xfrm>
           <a:prstGeom prst="rect">
             <a:avLst/>
           </a:prstGeom>
         </p:spPr>
         <p:txBody>
-          <a:bodyPr anchorCtr="0" anchor="t" bIns="34275" lIns="0" spcFirstLastPara="1" rIns="0" wrap="square" tIns="34275">
-            <a:normAutofit fontScale="92500" lnSpcReduction="10000"/>
+          <a:bodyPr spcFirstLastPara="1" wrap="square" lIns="0" tIns="34275" rIns="0" bIns="34275" anchor="t" anchorCtr="0">
+            <a:normAutofit/>
           </a:bodyPr>
           <a:lstStyle/>
           <a:p>
-            <a:pPr indent="0" lvl="0" marL="0" rtl="0" algn="l">
+            <a:pPr marL="0" lvl="0" indent="0" algn="l" rtl="0">
               <a:lnSpc>
                 <a:spcPct val="150000"/>
               </a:lnSpc>
@@ -10297,7 +10850,7 @@
               <a:buNone/>
             </a:pPr>
             <a:r>
-              <a:rPr b="1" lang="en" u="sng">
+              <a:rPr lang="en" b="1" u="sng" dirty="0">
                 <a:solidFill>
                   <a:schemeClr val="hlink"/>
                 </a:solidFill>
@@ -10309,7 +10862,7 @@
               </a:rPr>
               <a:t>https://drive.google.com/file/d/1l6nSV4ncslJxtgoyPSqjof4FVVCWKTdz/view?usp=sharing</a:t>
             </a:r>
-            <a:endParaRPr b="1">
+            <a:endParaRPr b="1" dirty="0">
               <a:solidFill>
                 <a:srgbClr val="434343"/>
               </a:solidFill>
@@ -10320,7 +10873,7 @@
             </a:endParaRPr>
           </a:p>
           <a:p>
-            <a:pPr indent="0" lvl="0" marL="0" rtl="0" algn="l">
+            <a:pPr marL="0" lvl="0" indent="0" algn="l" rtl="0">
               <a:lnSpc>
                 <a:spcPct val="150000"/>
               </a:lnSpc>
@@ -10332,10 +10885,7 @@
               </a:spcAft>
               <a:buNone/>
             </a:pPr>
-            <a:r>
-              <a:t/>
-            </a:r>
-            <a:endParaRPr b="1">
+            <a:endParaRPr b="1" dirty="0">
               <a:solidFill>
                 <a:srgbClr val="434343"/>
               </a:solidFill>
@@ -10346,7 +10896,7 @@
             </a:endParaRPr>
           </a:p>
           <a:p>
-            <a:pPr indent="0" lvl="0" marL="0" rtl="0" algn="l">
+            <a:pPr marL="0" lvl="0" indent="0" algn="l" rtl="0">
               <a:lnSpc>
                 <a:spcPct val="150000"/>
               </a:lnSpc>
@@ -10358,10 +10908,7 @@
               </a:spcAft>
               <a:buNone/>
             </a:pPr>
-            <a:r>
-              <a:t/>
-            </a:r>
-            <a:endParaRPr b="1">
+            <a:endParaRPr b="1" dirty="0">
               <a:solidFill>
                 <a:srgbClr val="434343"/>
               </a:solidFill>
@@ -10372,7 +10919,7 @@
             </a:endParaRPr>
           </a:p>
           <a:p>
-            <a:pPr indent="0" lvl="0" marL="0" rtl="0" algn="l">
+            <a:pPr marL="0" lvl="0" indent="0" algn="l" rtl="0">
               <a:lnSpc>
                 <a:spcPct val="150000"/>
               </a:lnSpc>
@@ -10385,7 +10932,7 @@
               <a:buNone/>
             </a:pPr>
             <a:r>
-              <a:rPr b="1" lang="en">
+              <a:rPr lang="en" b="1" dirty="0">
                 <a:solidFill>
                   <a:srgbClr val="434343"/>
                 </a:solidFill>
@@ -10396,7 +10943,7 @@
               </a:rPr>
               <a:t>https://github.com/ksananth4424/Datum/tree/main/parser</a:t>
             </a:r>
-            <a:endParaRPr b="1">
+            <a:endParaRPr b="1" dirty="0">
               <a:solidFill>
                 <a:srgbClr val="434343"/>
               </a:solidFill>
@@ -10407,7 +10954,7 @@
             </a:endParaRPr>
           </a:p>
           <a:p>
-            <a:pPr indent="0" lvl="0" marL="0" rtl="0" algn="l">
+            <a:pPr marL="0" lvl="0" indent="0" algn="l" rtl="0">
               <a:lnSpc>
                 <a:spcPct val="150000"/>
               </a:lnSpc>
@@ -10419,10 +10966,7 @@
               </a:spcAft>
               <a:buNone/>
             </a:pPr>
-            <a:r>
-              <a:t/>
-            </a:r>
-            <a:endParaRPr b="1">
+            <a:endParaRPr b="1" dirty="0">
               <a:solidFill>
                 <a:srgbClr val="434343"/>
               </a:solidFill>
@@ -10433,7 +10977,7 @@
             </a:endParaRPr>
           </a:p>
           <a:p>
-            <a:pPr indent="0" lvl="0" marL="0" rtl="0" algn="l">
+            <a:pPr marL="0" lvl="0" indent="0" algn="l" rtl="0">
               <a:lnSpc>
                 <a:spcPct val="150000"/>
               </a:lnSpc>
@@ -10445,10 +10989,7 @@
               </a:spcAft>
               <a:buNone/>
             </a:pPr>
-            <a:r>
-              <a:t/>
-            </a:r>
-            <a:endParaRPr b="1">
+            <a:endParaRPr lang="en" b="1" dirty="0">
               <a:solidFill>
                 <a:srgbClr val="434343"/>
               </a:solidFill>
@@ -10459,7 +11000,7 @@
             </a:endParaRPr>
           </a:p>
           <a:p>
-            <a:pPr indent="0" lvl="0" marL="0" rtl="0" algn="l">
+            <a:pPr marL="0" lvl="0" indent="0" algn="l" rtl="0">
               <a:lnSpc>
                 <a:spcPct val="150000"/>
               </a:lnSpc>
@@ -10472,33 +11013,7 @@
               <a:buNone/>
             </a:pPr>
             <a:r>
-              <a:t/>
-            </a:r>
-            <a:endParaRPr b="1">
-              <a:solidFill>
-                <a:srgbClr val="434343"/>
-              </a:solidFill>
-              <a:latin typeface="Roboto Mono"/>
-              <a:ea typeface="Roboto Mono"/>
-              <a:cs typeface="Roboto Mono"/>
-              <a:sym typeface="Roboto Mono"/>
-            </a:endParaRPr>
-          </a:p>
-          <a:p>
-            <a:pPr indent="0" lvl="0" marL="0" rtl="0" algn="l">
-              <a:lnSpc>
-                <a:spcPct val="150000"/>
-              </a:lnSpc>
-              <a:spcBef>
-                <a:spcPts val="0"/>
-              </a:spcBef>
-              <a:spcAft>
-                <a:spcPts val="0"/>
-              </a:spcAft>
-              <a:buNone/>
-            </a:pPr>
-            <a:r>
-              <a:rPr b="1" lang="en">
+              <a:rPr lang="en" b="1" dirty="0">
                 <a:solidFill>
                   <a:srgbClr val="434343"/>
                 </a:solidFill>
@@ -10510,7 +11025,7 @@
               <a:t>ANSI C Grammar: </a:t>
             </a:r>
             <a:r>
-              <a:rPr b="1" lang="en" u="sng">
+              <a:rPr lang="en" b="1" u="sng" dirty="0">
                 <a:solidFill>
                   <a:schemeClr val="hlink"/>
                 </a:solidFill>
@@ -10522,7 +11037,7 @@
               </a:rPr>
               <a:t>https://www.lysator.liu.se/c/ANSI-C-grammar-y.html</a:t>
             </a:r>
-            <a:endParaRPr b="1">
+            <a:endParaRPr b="1" dirty="0">
               <a:solidFill>
                 <a:srgbClr val="434343"/>
               </a:solidFill>
@@ -10533,7 +11048,7 @@
             </a:endParaRPr>
           </a:p>
           <a:p>
-            <a:pPr indent="0" lvl="0" marL="0" rtl="0" algn="l">
+            <a:pPr marL="0" lvl="0" indent="0" algn="l" rtl="0">
               <a:lnSpc>
                 <a:spcPct val="150000"/>
               </a:lnSpc>
@@ -10545,10 +11060,7 @@
               </a:spcAft>
               <a:buNone/>
             </a:pPr>
-            <a:r>
-              <a:t/>
-            </a:r>
-            <a:endParaRPr b="1">
+            <a:endParaRPr b="1" dirty="0">
               <a:solidFill>
                 <a:srgbClr val="434343"/>
               </a:solidFill>
@@ -10559,7 +11071,7 @@
             </a:endParaRPr>
           </a:p>
           <a:p>
-            <a:pPr indent="0" lvl="0" marL="0" rtl="0" algn="l">
+            <a:pPr marL="0" lvl="0" indent="0" algn="l" rtl="0">
               <a:lnSpc>
                 <a:spcPct val="150000"/>
               </a:lnSpc>
@@ -10571,10 +11083,7 @@
               </a:spcAft>
               <a:buNone/>
             </a:pPr>
-            <a:r>
-              <a:t/>
-            </a:r>
-            <a:endParaRPr b="1">
+            <a:endParaRPr b="1" dirty="0">
               <a:solidFill>
                 <a:srgbClr val="434343"/>
               </a:solidFill>
@@ -10589,7 +11098,9 @@
       <p:sp>
         <p:nvSpPr>
           <p:cNvPr id="112" name="Google Shape;112;p16"/>
-          <p:cNvSpPr txBox="1"/>
+          <p:cNvSpPr txBox="1">
+            <a:spLocks noGrp="1"/>
+          </p:cNvSpPr>
           <p:nvPr>
             <p:ph type="title"/>
           </p:nvPr>
@@ -10604,12 +11115,12 @@
           </a:prstGeom>
         </p:spPr>
         <p:txBody>
-          <a:bodyPr anchorCtr="0" anchor="ctr" bIns="34275" lIns="68575" spcFirstLastPara="1" rIns="68575" wrap="square" tIns="34275">
+          <a:bodyPr spcFirstLastPara="1" wrap="square" lIns="68575" tIns="34275" rIns="68575" bIns="34275" anchor="ctr" anchorCtr="0">
             <a:normAutofit/>
           </a:bodyPr>
           <a:lstStyle/>
           <a:p>
-            <a:pPr indent="0" lvl="0" marL="0" rtl="0" algn="l">
+            <a:pPr marL="0" lvl="0" indent="0" algn="l" rtl="0">
               <a:spcBef>
                 <a:spcPts val="0"/>
               </a:spcBef>
@@ -10619,7 +11130,7 @@
               <a:buNone/>
             </a:pPr>
             <a:r>
-              <a:rPr b="1" lang="en">
+              <a:rPr lang="en" b="1">
                 <a:solidFill>
                   <a:srgbClr val="073763"/>
                 </a:solidFill>
@@ -10637,7 +11148,9 @@
       <p:sp>
         <p:nvSpPr>
           <p:cNvPr id="113" name="Google Shape;113;p16"/>
-          <p:cNvSpPr txBox="1"/>
+          <p:cNvSpPr txBox="1">
+            <a:spLocks noGrp="1"/>
+          </p:cNvSpPr>
           <p:nvPr>
             <p:ph type="title"/>
           </p:nvPr>
@@ -10652,12 +11165,12 @@
           </a:prstGeom>
         </p:spPr>
         <p:txBody>
-          <a:bodyPr anchorCtr="0" anchor="ctr" bIns="34275" lIns="68575" spcFirstLastPara="1" rIns="68575" wrap="square" tIns="34275">
+          <a:bodyPr spcFirstLastPara="1" wrap="square" lIns="68575" tIns="34275" rIns="68575" bIns="34275" anchor="ctr" anchorCtr="0">
             <a:normAutofit/>
           </a:bodyPr>
           <a:lstStyle/>
           <a:p>
-            <a:pPr indent="0" lvl="0" marL="0" rtl="0" algn="l">
+            <a:pPr marL="0" lvl="0" indent="0" algn="l" rtl="0">
               <a:spcBef>
                 <a:spcPts val="0"/>
               </a:spcBef>
@@ -10667,7 +11180,7 @@
               <a:buNone/>
             </a:pPr>
             <a:r>
-              <a:rPr b="1" lang="en">
+              <a:rPr lang="en" b="1">
                 <a:solidFill>
                   <a:srgbClr val="073763"/>
                 </a:solidFill>
@@ -10682,16 +11195,405 @@
           </a:p>
         </p:txBody>
       </p:sp>
+      <p:pic>
+        <p:nvPicPr>
+          <p:cNvPr id="2" name="Google Shape;87;p12">
+            <a:extLst>
+              <a:ext uri="{FF2B5EF4-FFF2-40B4-BE49-F238E27FC236}">
+                <a16:creationId xmlns:a16="http://schemas.microsoft.com/office/drawing/2014/main" id="{AD50BE33-25F7-27C8-4A6F-5DEDFE9EDA7F}"/>
+              </a:ext>
+            </a:extLst>
+          </p:cNvPr>
+          <p:cNvPicPr preferRelativeResize="0"/>
+          <p:nvPr/>
+        </p:nvPicPr>
+        <p:blipFill rotWithShape="1">
+          <a:blip r:embed="rId5">
+            <a:alphaModFix/>
+          </a:blip>
+          <a:srcRect l="17210" t="21036" r="17575" b="23515"/>
+          <a:stretch/>
+        </p:blipFill>
+        <p:spPr>
+          <a:xfrm>
+            <a:off x="7166708" y="3915508"/>
+            <a:ext cx="1113692" cy="1038854"/>
+          </a:xfrm>
+          <a:prstGeom prst="rect">
+            <a:avLst/>
+          </a:prstGeom>
+          <a:noFill/>
+          <a:ln>
+            <a:noFill/>
+          </a:ln>
+        </p:spPr>
+      </p:pic>
     </p:spTree>
   </p:cSld>
   <p:clrMapOvr>
     <a:masterClrMapping/>
   </p:clrMapOvr>
+  <p:timing>
+    <p:tnLst>
+      <p:par>
+        <p:cTn id="1" dur="indefinite" restart="never" nodeType="tmRoot">
+          <p:childTnLst>
+            <p:seq concurrent="1" nextAc="seek">
+              <p:cTn id="2" dur="indefinite" nodeType="mainSeq">
+                <p:childTnLst>
+                  <p:par>
+                    <p:cTn id="3" fill="hold">
+                      <p:stCondLst>
+                        <p:cond delay="indefinite"/>
+                      </p:stCondLst>
+                      <p:childTnLst>
+                        <p:par>
+                          <p:cTn id="4" fill="hold">
+                            <p:stCondLst>
+                              <p:cond delay="0"/>
+                            </p:stCondLst>
+                            <p:childTnLst>
+                              <p:par>
+                                <p:cTn id="5" presetID="1" presetClass="entr" presetSubtype="0" fill="hold" nodeType="clickEffect">
+                                  <p:stCondLst>
+                                    <p:cond delay="0"/>
+                                  </p:stCondLst>
+                                  <p:childTnLst>
+                                    <p:set>
+                                      <p:cBhvr>
+                                        <p:cTn id="6" dur="1" fill="hold">
+                                          <p:stCondLst>
+                                            <p:cond delay="0"/>
+                                          </p:stCondLst>
+                                        </p:cTn>
+                                        <p:tgtEl>
+                                          <p:spTgt spid="2"/>
+                                        </p:tgtEl>
+                                        <p:attrNameLst>
+                                          <p:attrName>style.visibility</p:attrName>
+                                        </p:attrNameLst>
+                                      </p:cBhvr>
+                                      <p:to>
+                                        <p:strVal val="visible"/>
+                                      </p:to>
+                                    </p:set>
+                                  </p:childTnLst>
+                                </p:cTn>
+                              </p:par>
+                            </p:childTnLst>
+                          </p:cTn>
+                        </p:par>
+                      </p:childTnLst>
+                    </p:cTn>
+                  </p:par>
+                </p:childTnLst>
+              </p:cTn>
+              <p:prevCondLst>
+                <p:cond evt="onPrev" delay="0">
+                  <p:tgtEl>
+                    <p:sldTgt/>
+                  </p:tgtEl>
+                </p:cond>
+              </p:prevCondLst>
+              <p:nextCondLst>
+                <p:cond evt="onNext" delay="0">
+                  <p:tgtEl>
+                    <p:sldTgt/>
+                  </p:tgtEl>
+                </p:cond>
+              </p:nextCondLst>
+            </p:seq>
+          </p:childTnLst>
+        </p:cTn>
+      </p:par>
+    </p:tnLst>
+  </p:timing>
 </p:sld>
 </file>
 
 <file path=ppt/theme/theme1.xml><?xml version="1.0" encoding="utf-8"?>
-<a:theme xmlns:a="http://schemas.openxmlformats.org/drawingml/2006/main" xmlns:r="http://schemas.openxmlformats.org/officeDocument/2006/relationships">
+<a:theme xmlns:a="http://schemas.openxmlformats.org/drawingml/2006/main" name="RetrospectVTI">
+  <a:themeElements>
+    <a:clrScheme name="MONO">
+      <a:dk1>
+        <a:srgbClr val="000000"/>
+      </a:dk1>
+      <a:lt1>
+        <a:srgbClr val="ECEEF7"/>
+      </a:lt1>
+      <a:dk2>
+        <a:srgbClr val="000000"/>
+      </a:dk2>
+      <a:lt2>
+        <a:srgbClr val="F5F8FF"/>
+      </a:lt2>
+      <a:accent1>
+        <a:srgbClr val="ECEEF7"/>
+      </a:accent1>
+      <a:accent2>
+        <a:srgbClr val="F5F8FF"/>
+      </a:accent2>
+      <a:accent3>
+        <a:srgbClr val="A1A2A9"/>
+      </a:accent3>
+      <a:accent4>
+        <a:srgbClr val="141514"/>
+      </a:accent4>
+      <a:accent5>
+        <a:srgbClr val="000000"/>
+      </a:accent5>
+      <a:accent6>
+        <a:srgbClr val="96969C"/>
+      </a:accent6>
+      <a:hlink>
+        <a:srgbClr val="5F6063"/>
+      </a:hlink>
+      <a:folHlink>
+        <a:srgbClr val="919191"/>
+      </a:folHlink>
+    </a:clrScheme>
+    <a:fontScheme name="Office">
+      <a:majorFont>
+        <a:latin typeface="Arial"/>
+        <a:ea typeface=""/>
+        <a:cs typeface=""/>
+        <a:font script="Jpan" typeface="ＭＳ Ｐゴシック"/>
+        <a:font script="Hang" typeface="맑은 고딕"/>
+        <a:font script="Hans" typeface="宋体"/>
+        <a:font script="Hant" typeface="新細明體"/>
+        <a:font script="Arab" typeface="Times New Roman"/>
+        <a:font script="Hebr" typeface="Times New Roman"/>
+        <a:font script="Thai" typeface="Angsana New"/>
+        <a:font script="Ethi" typeface="Nyala"/>
+        <a:font script="Beng" typeface="Vrinda"/>
+        <a:font script="Gujr" typeface="Shruti"/>
+        <a:font script="Khmr" typeface="MoolBoran"/>
+        <a:font script="Knda" typeface="Tunga"/>
+        <a:font script="Guru" typeface="Raavi"/>
+        <a:font script="Cans" typeface="Euphemia"/>
+        <a:font script="Cher" typeface="Plantagenet Cherokee"/>
+        <a:font script="Yiii" typeface="Microsoft Yi Baiti"/>
+        <a:font script="Tibt" typeface="Microsoft Himalaya"/>
+        <a:font script="Thaa" typeface="MV Boli"/>
+        <a:font script="Deva" typeface="Mangal"/>
+        <a:font script="Telu" typeface="Gautami"/>
+        <a:font script="Taml" typeface="Latha"/>
+        <a:font script="Syrc" typeface="Estrangelo Edessa"/>
+        <a:font script="Orya" typeface="Kalinga"/>
+        <a:font script="Mlym" typeface="Kartika"/>
+        <a:font script="Laoo" typeface="DokChampa"/>
+        <a:font script="Sinh" typeface="Iskoola Pota"/>
+        <a:font script="Mong" typeface="Mongolian Baiti"/>
+        <a:font script="Viet" typeface="Times New Roman"/>
+        <a:font script="Uigh" typeface="Microsoft Uighur"/>
+        <a:font script="Geor" typeface="Sylfaen"/>
+      </a:majorFont>
+      <a:minorFont>
+        <a:latin typeface="Arial"/>
+        <a:ea typeface=""/>
+        <a:cs typeface=""/>
+        <a:font script="Jpan" typeface="ＭＳ Ｐゴシック"/>
+        <a:font script="Hang" typeface="맑은 고딕"/>
+        <a:font script="Hans" typeface="宋体"/>
+        <a:font script="Hant" typeface="新細明體"/>
+        <a:font script="Arab" typeface="Arial"/>
+        <a:font script="Hebr" typeface="Arial"/>
+        <a:font script="Thai" typeface="Cordia New"/>
+        <a:font script="Ethi" typeface="Nyala"/>
+        <a:font script="Beng" typeface="Vrinda"/>
+        <a:font script="Gujr" typeface="Shruti"/>
+        <a:font script="Khmr" typeface="DaunPenh"/>
+        <a:font script="Knda" typeface="Tunga"/>
+        <a:font script="Guru" typeface="Raavi"/>
+        <a:font script="Cans" typeface="Euphemia"/>
+        <a:font script="Cher" typeface="Plantagenet Cherokee"/>
+        <a:font script="Yiii" typeface="Microsoft Yi Baiti"/>
+        <a:font script="Tibt" typeface="Microsoft Himalaya"/>
+        <a:font script="Thaa" typeface="MV Boli"/>
+        <a:font script="Deva" typeface="Mangal"/>
+        <a:font script="Telu" typeface="Gautami"/>
+        <a:font script="Taml" typeface="Latha"/>
+        <a:font script="Syrc" typeface="Estrangelo Edessa"/>
+        <a:font script="Orya" typeface="Kalinga"/>
+        <a:font script="Mlym" typeface="Kartika"/>
+        <a:font script="Laoo" typeface="DokChampa"/>
+        <a:font script="Sinh" typeface="Iskoola Pota"/>
+        <a:font script="Mong" typeface="Mongolian Baiti"/>
+        <a:font script="Viet" typeface="Arial"/>
+        <a:font script="Uigh" typeface="Microsoft Uighur"/>
+        <a:font script="Geor" typeface="Sylfaen"/>
+      </a:minorFont>
+    </a:fontScheme>
+    <a:fmtScheme name="Office">
+      <a:fillStyleLst>
+        <a:solidFill>
+          <a:schemeClr val="phClr"/>
+        </a:solidFill>
+        <a:gradFill rotWithShape="1">
+          <a:gsLst>
+            <a:gs pos="0">
+              <a:schemeClr val="phClr">
+                <a:tint val="50000"/>
+                <a:satMod val="300000"/>
+              </a:schemeClr>
+            </a:gs>
+            <a:gs pos="35000">
+              <a:schemeClr val="phClr">
+                <a:tint val="37000"/>
+                <a:satMod val="300000"/>
+              </a:schemeClr>
+            </a:gs>
+            <a:gs pos="100000">
+              <a:schemeClr val="phClr">
+                <a:tint val="15000"/>
+                <a:satMod val="350000"/>
+              </a:schemeClr>
+            </a:gs>
+          </a:gsLst>
+          <a:lin ang="16200000" scaled="1"/>
+        </a:gradFill>
+        <a:gradFill rotWithShape="1">
+          <a:gsLst>
+            <a:gs pos="0">
+              <a:schemeClr val="phClr">
+                <a:tint val="100000"/>
+                <a:shade val="100000"/>
+                <a:satMod val="130000"/>
+              </a:schemeClr>
+            </a:gs>
+            <a:gs pos="100000">
+              <a:schemeClr val="phClr">
+                <a:tint val="50000"/>
+                <a:shade val="100000"/>
+                <a:satMod val="350000"/>
+              </a:schemeClr>
+            </a:gs>
+          </a:gsLst>
+          <a:lin ang="16200000" scaled="0"/>
+        </a:gradFill>
+      </a:fillStyleLst>
+      <a:lnStyleLst>
+        <a:ln w="9525" cap="flat" cmpd="sng" algn="ctr">
+          <a:solidFill>
+            <a:schemeClr val="phClr">
+              <a:shade val="95000"/>
+              <a:satMod val="105000"/>
+            </a:schemeClr>
+          </a:solidFill>
+          <a:prstDash val="solid"/>
+        </a:ln>
+        <a:ln w="25400" cap="flat" cmpd="sng" algn="ctr">
+          <a:solidFill>
+            <a:schemeClr val="phClr"/>
+          </a:solidFill>
+          <a:prstDash val="solid"/>
+        </a:ln>
+        <a:ln w="38100" cap="flat" cmpd="sng" algn="ctr">
+          <a:solidFill>
+            <a:schemeClr val="phClr"/>
+          </a:solidFill>
+          <a:prstDash val="solid"/>
+        </a:ln>
+      </a:lnStyleLst>
+      <a:effectStyleLst>
+        <a:effectStyle>
+          <a:effectLst>
+            <a:outerShdw blurRad="40000" dist="20000" dir="5400000" rotWithShape="0">
+              <a:srgbClr val="000000">
+                <a:alpha val="38000"/>
+              </a:srgbClr>
+            </a:outerShdw>
+          </a:effectLst>
+        </a:effectStyle>
+        <a:effectStyle>
+          <a:effectLst>
+            <a:outerShdw blurRad="40000" dist="23000" dir="5400000" rotWithShape="0">
+              <a:srgbClr val="000000">
+                <a:alpha val="35000"/>
+              </a:srgbClr>
+            </a:outerShdw>
+          </a:effectLst>
+        </a:effectStyle>
+        <a:effectStyle>
+          <a:effectLst>
+            <a:outerShdw blurRad="40000" dist="23000" dir="5400000" rotWithShape="0">
+              <a:srgbClr val="000000">
+                <a:alpha val="35000"/>
+              </a:srgbClr>
+            </a:outerShdw>
+          </a:effectLst>
+          <a:scene3d>
+            <a:camera prst="orthographicFront">
+              <a:rot lat="0" lon="0" rev="0"/>
+            </a:camera>
+            <a:lightRig rig="threePt" dir="t">
+              <a:rot lat="0" lon="0" rev="1200000"/>
+            </a:lightRig>
+          </a:scene3d>
+          <a:sp3d>
+            <a:bevelT w="63500" h="25400"/>
+          </a:sp3d>
+        </a:effectStyle>
+      </a:effectStyleLst>
+      <a:bgFillStyleLst>
+        <a:solidFill>
+          <a:schemeClr val="phClr"/>
+        </a:solidFill>
+        <a:gradFill rotWithShape="1">
+          <a:gsLst>
+            <a:gs pos="0">
+              <a:schemeClr val="phClr">
+                <a:tint val="40000"/>
+                <a:satMod val="350000"/>
+              </a:schemeClr>
+            </a:gs>
+            <a:gs pos="40000">
+              <a:schemeClr val="phClr">
+                <a:tint val="45000"/>
+                <a:shade val="99000"/>
+                <a:satMod val="350000"/>
+              </a:schemeClr>
+            </a:gs>
+            <a:gs pos="100000">
+              <a:schemeClr val="phClr">
+                <a:shade val="20000"/>
+                <a:satMod val="255000"/>
+              </a:schemeClr>
+            </a:gs>
+          </a:gsLst>
+          <a:path path="circle">
+            <a:fillToRect l="50000" t="-80000" r="50000" b="180000"/>
+          </a:path>
+        </a:gradFill>
+        <a:gradFill rotWithShape="1">
+          <a:gsLst>
+            <a:gs pos="0">
+              <a:schemeClr val="phClr">
+                <a:tint val="80000"/>
+                <a:satMod val="300000"/>
+              </a:schemeClr>
+            </a:gs>
+            <a:gs pos="100000">
+              <a:schemeClr val="phClr">
+                <a:shade val="30000"/>
+                <a:satMod val="200000"/>
+              </a:schemeClr>
+            </a:gs>
+          </a:gsLst>
+          <a:path path="circle">
+            <a:fillToRect l="50000" t="50000" r="50000" b="50000"/>
+          </a:path>
+        </a:gradFill>
+      </a:bgFillStyleLst>
+    </a:fmtScheme>
+  </a:themeElements>
+  <a:objectDefaults/>
+  <a:extraClrSchemeLst/>
+</a:theme>
+</file>
+
+<file path=ppt/theme/theme2.xml><?xml version="1.0" encoding="utf-8"?>
+<a:theme xmlns:a="http://schemas.openxmlformats.org/drawingml/2006/main">
   <a:themeElements>
     <a:clrScheme name="Default">
       <a:dk1>
@@ -10966,284 +11868,7 @@
       </a:bgFillStyleLst>
     </a:fmtScheme>
   </a:themeElements>
-</a:theme>
-</file>
-
-<file path=ppt/theme/theme2.xml><?xml version="1.0" encoding="utf-8"?>
-<a:theme xmlns:a="http://schemas.openxmlformats.org/drawingml/2006/main" xmlns:r="http://schemas.openxmlformats.org/officeDocument/2006/relationships" name="RetrospectVTI">
-  <a:themeElements>
-    <a:clrScheme name="MONO">
-      <a:dk1>
-        <a:srgbClr val="000000"/>
-      </a:dk1>
-      <a:lt1>
-        <a:srgbClr val="ECEEF7"/>
-      </a:lt1>
-      <a:dk2>
-        <a:srgbClr val="000000"/>
-      </a:dk2>
-      <a:lt2>
-        <a:srgbClr val="F5F8FF"/>
-      </a:lt2>
-      <a:accent1>
-        <a:srgbClr val="ECEEF7"/>
-      </a:accent1>
-      <a:accent2>
-        <a:srgbClr val="F5F8FF"/>
-      </a:accent2>
-      <a:accent3>
-        <a:srgbClr val="A1A2A9"/>
-      </a:accent3>
-      <a:accent4>
-        <a:srgbClr val="141514"/>
-      </a:accent4>
-      <a:accent5>
-        <a:srgbClr val="000000"/>
-      </a:accent5>
-      <a:accent6>
-        <a:srgbClr val="96969C"/>
-      </a:accent6>
-      <a:hlink>
-        <a:srgbClr val="5F6063"/>
-      </a:hlink>
-      <a:folHlink>
-        <a:srgbClr val="919191"/>
-      </a:folHlink>
-    </a:clrScheme>
-    <a:fontScheme name="Office">
-      <a:majorFont>
-        <a:latin typeface="Arial"/>
-        <a:ea typeface=""/>
-        <a:cs typeface=""/>
-        <a:font script="Jpan" typeface="ＭＳ Ｐゴシック"/>
-        <a:font script="Hang" typeface="맑은 고딕"/>
-        <a:font script="Hans" typeface="宋体"/>
-        <a:font script="Hant" typeface="新細明體"/>
-        <a:font script="Arab" typeface="Times New Roman"/>
-        <a:font script="Hebr" typeface="Times New Roman"/>
-        <a:font script="Thai" typeface="Angsana New"/>
-        <a:font script="Ethi" typeface="Nyala"/>
-        <a:font script="Beng" typeface="Vrinda"/>
-        <a:font script="Gujr" typeface="Shruti"/>
-        <a:font script="Khmr" typeface="MoolBoran"/>
-        <a:font script="Knda" typeface="Tunga"/>
-        <a:font script="Guru" typeface="Raavi"/>
-        <a:font script="Cans" typeface="Euphemia"/>
-        <a:font script="Cher" typeface="Plantagenet Cherokee"/>
-        <a:font script="Yiii" typeface="Microsoft Yi Baiti"/>
-        <a:font script="Tibt" typeface="Microsoft Himalaya"/>
-        <a:font script="Thaa" typeface="MV Boli"/>
-        <a:font script="Deva" typeface="Mangal"/>
-        <a:font script="Telu" typeface="Gautami"/>
-        <a:font script="Taml" typeface="Latha"/>
-        <a:font script="Syrc" typeface="Estrangelo Edessa"/>
-        <a:font script="Orya" typeface="Kalinga"/>
-        <a:font script="Mlym" typeface="Kartika"/>
-        <a:font script="Laoo" typeface="DokChampa"/>
-        <a:font script="Sinh" typeface="Iskoola Pota"/>
-        <a:font script="Mong" typeface="Mongolian Baiti"/>
-        <a:font script="Viet" typeface="Times New Roman"/>
-        <a:font script="Uigh" typeface="Microsoft Uighur"/>
-        <a:font script="Geor" typeface="Sylfaen"/>
-      </a:majorFont>
-      <a:minorFont>
-        <a:latin typeface="Arial"/>
-        <a:ea typeface=""/>
-        <a:cs typeface=""/>
-        <a:font script="Jpan" typeface="ＭＳ Ｐゴシック"/>
-        <a:font script="Hang" typeface="맑은 고딕"/>
-        <a:font script="Hans" typeface="宋体"/>
-        <a:font script="Hant" typeface="新細明體"/>
-        <a:font script="Arab" typeface="Arial"/>
-        <a:font script="Hebr" typeface="Arial"/>
-        <a:font script="Thai" typeface="Cordia New"/>
-        <a:font script="Ethi" typeface="Nyala"/>
-        <a:font script="Beng" typeface="Vrinda"/>
-        <a:font script="Gujr" typeface="Shruti"/>
-        <a:font script="Khmr" typeface="DaunPenh"/>
-        <a:font script="Knda" typeface="Tunga"/>
-        <a:font script="Guru" typeface="Raavi"/>
-        <a:font script="Cans" typeface="Euphemia"/>
-        <a:font script="Cher" typeface="Plantagenet Cherokee"/>
-        <a:font script="Yiii" typeface="Microsoft Yi Baiti"/>
-        <a:font script="Tibt" typeface="Microsoft Himalaya"/>
-        <a:font script="Thaa" typeface="MV Boli"/>
-        <a:font script="Deva" typeface="Mangal"/>
-        <a:font script="Telu" typeface="Gautami"/>
-        <a:font script="Taml" typeface="Latha"/>
-        <a:font script="Syrc" typeface="Estrangelo Edessa"/>
-        <a:font script="Orya" typeface="Kalinga"/>
-        <a:font script="Mlym" typeface="Kartika"/>
-        <a:font script="Laoo" typeface="DokChampa"/>
-        <a:font script="Sinh" typeface="Iskoola Pota"/>
-        <a:font script="Mong" typeface="Mongolian Baiti"/>
-        <a:font script="Viet" typeface="Arial"/>
-        <a:font script="Uigh" typeface="Microsoft Uighur"/>
-        <a:font script="Geor" typeface="Sylfaen"/>
-      </a:minorFont>
-    </a:fontScheme>
-    <a:fmtScheme name="Office">
-      <a:fillStyleLst>
-        <a:solidFill>
-          <a:schemeClr val="phClr"/>
-        </a:solidFill>
-        <a:gradFill rotWithShape="1">
-          <a:gsLst>
-            <a:gs pos="0">
-              <a:schemeClr val="phClr">
-                <a:tint val="50000"/>
-                <a:satMod val="300000"/>
-              </a:schemeClr>
-            </a:gs>
-            <a:gs pos="35000">
-              <a:schemeClr val="phClr">
-                <a:tint val="37000"/>
-                <a:satMod val="300000"/>
-              </a:schemeClr>
-            </a:gs>
-            <a:gs pos="100000">
-              <a:schemeClr val="phClr">
-                <a:tint val="15000"/>
-                <a:satMod val="350000"/>
-              </a:schemeClr>
-            </a:gs>
-          </a:gsLst>
-          <a:lin ang="16200000" scaled="1"/>
-        </a:gradFill>
-        <a:gradFill rotWithShape="1">
-          <a:gsLst>
-            <a:gs pos="0">
-              <a:schemeClr val="phClr">
-                <a:tint val="100000"/>
-                <a:shade val="100000"/>
-                <a:satMod val="130000"/>
-              </a:schemeClr>
-            </a:gs>
-            <a:gs pos="100000">
-              <a:schemeClr val="phClr">
-                <a:tint val="50000"/>
-                <a:shade val="100000"/>
-                <a:satMod val="350000"/>
-              </a:schemeClr>
-            </a:gs>
-          </a:gsLst>
-          <a:lin ang="16200000" scaled="0"/>
-        </a:gradFill>
-      </a:fillStyleLst>
-      <a:lnStyleLst>
-        <a:ln w="9525" cap="flat" cmpd="sng" algn="ctr">
-          <a:solidFill>
-            <a:schemeClr val="phClr">
-              <a:shade val="95000"/>
-              <a:satMod val="105000"/>
-            </a:schemeClr>
-          </a:solidFill>
-          <a:prstDash val="solid"/>
-        </a:ln>
-        <a:ln w="25400" cap="flat" cmpd="sng" algn="ctr">
-          <a:solidFill>
-            <a:schemeClr val="phClr"/>
-          </a:solidFill>
-          <a:prstDash val="solid"/>
-        </a:ln>
-        <a:ln w="38100" cap="flat" cmpd="sng" algn="ctr">
-          <a:solidFill>
-            <a:schemeClr val="phClr"/>
-          </a:solidFill>
-          <a:prstDash val="solid"/>
-        </a:ln>
-      </a:lnStyleLst>
-      <a:effectStyleLst>
-        <a:effectStyle>
-          <a:effectLst>
-            <a:outerShdw blurRad="40000" dist="20000" dir="5400000" rotWithShape="0">
-              <a:srgbClr val="000000">
-                <a:alpha val="38000"/>
-              </a:srgbClr>
-            </a:outerShdw>
-          </a:effectLst>
-        </a:effectStyle>
-        <a:effectStyle>
-          <a:effectLst>
-            <a:outerShdw blurRad="40000" dist="23000" dir="5400000" rotWithShape="0">
-              <a:srgbClr val="000000">
-                <a:alpha val="35000"/>
-              </a:srgbClr>
-            </a:outerShdw>
-          </a:effectLst>
-        </a:effectStyle>
-        <a:effectStyle>
-          <a:effectLst>
-            <a:outerShdw blurRad="40000" dist="23000" dir="5400000" rotWithShape="0">
-              <a:srgbClr val="000000">
-                <a:alpha val="35000"/>
-              </a:srgbClr>
-            </a:outerShdw>
-          </a:effectLst>
-          <a:scene3d>
-            <a:camera prst="orthographicFront">
-              <a:rot lat="0" lon="0" rev="0"/>
-            </a:camera>
-            <a:lightRig rig="threePt" dir="t">
-              <a:rot lat="0" lon="0" rev="1200000"/>
-            </a:lightRig>
-          </a:scene3d>
-          <a:sp3d>
-            <a:bevelT w="63500" h="25400"/>
-          </a:sp3d>
-        </a:effectStyle>
-      </a:effectStyleLst>
-      <a:bgFillStyleLst>
-        <a:solidFill>
-          <a:schemeClr val="phClr"/>
-        </a:solidFill>
-        <a:gradFill rotWithShape="1">
-          <a:gsLst>
-            <a:gs pos="0">
-              <a:schemeClr val="phClr">
-                <a:tint val="40000"/>
-                <a:satMod val="350000"/>
-              </a:schemeClr>
-            </a:gs>
-            <a:gs pos="40000">
-              <a:schemeClr val="phClr">
-                <a:tint val="45000"/>
-                <a:shade val="99000"/>
-                <a:satMod val="350000"/>
-              </a:schemeClr>
-            </a:gs>
-            <a:gs pos="100000">
-              <a:schemeClr val="phClr">
-                <a:shade val="20000"/>
-                <a:satMod val="255000"/>
-              </a:schemeClr>
-            </a:gs>
-          </a:gsLst>
-          <a:path path="circle">
-            <a:fillToRect l="50000" t="-80000" r="50000" b="180000"/>
-          </a:path>
-        </a:gradFill>
-        <a:gradFill rotWithShape="1">
-          <a:gsLst>
-            <a:gs pos="0">
-              <a:schemeClr val="phClr">
-                <a:tint val="80000"/>
-                <a:satMod val="300000"/>
-              </a:schemeClr>
-            </a:gs>
-            <a:gs pos="100000">
-              <a:schemeClr val="phClr">
-                <a:shade val="30000"/>
-                <a:satMod val="200000"/>
-              </a:schemeClr>
-            </a:gs>
-          </a:gsLst>
-          <a:path path="circle">
-            <a:fillToRect l="50000" t="50000" r="50000" b="50000"/>
-          </a:path>
-        </a:gradFill>
-      </a:bgFillStyleLst>
-    </a:fmtScheme>
-  </a:themeElements>
+  <a:objectDefaults/>
+  <a:extraClrSchemeLst/>
 </a:theme>
 </file>